--- a/ex2/Exercise_2_ppt.pptx
+++ b/ex2/Exercise_2_ppt.pptx
@@ -7,6 +7,19 @@
   <p:sldIdLst>
     <p:sldId id="256" r:id="rId2"/>
     <p:sldId id="257" r:id="rId3"/>
+    <p:sldId id="260" r:id="rId4"/>
+    <p:sldId id="258" r:id="rId5"/>
+    <p:sldId id="259" r:id="rId6"/>
+    <p:sldId id="261" r:id="rId7"/>
+    <p:sldId id="264" r:id="rId8"/>
+    <p:sldId id="262" r:id="rId9"/>
+    <p:sldId id="263" r:id="rId10"/>
+    <p:sldId id="265" r:id="rId11"/>
+    <p:sldId id="266" r:id="rId12"/>
+    <p:sldId id="267" r:id="rId13"/>
+    <p:sldId id="268" r:id="rId14"/>
+    <p:sldId id="269" r:id="rId15"/>
+    <p:sldId id="270" r:id="rId16"/>
   </p:sldIdLst>
   <p:sldSz cx="12192000" cy="6858000"/>
   <p:notesSz cx="6858000" cy="9144000"/>
@@ -105,7 +118,196 @@
       </a:defRPr>
     </a:lvl9pPr>
   </p:defaultTextStyle>
+  <p:extLst>
+    <p:ext uri="{EFAFB233-063F-42B5-8137-9DF3F51BA10A}">
+      <p15:sldGuideLst xmlns:p15="http://schemas.microsoft.com/office/powerpoint/2012/main"/>
+    </p:ext>
+  </p:extLst>
 </p:presentation>
+</file>
+
+<file path=ppt/changesInfos/changesInfo1.xml><?xml version="1.0" encoding="utf-8"?>
+<pc:chgInfo xmlns:a="http://schemas.openxmlformats.org/drawingml/2006/main" xmlns:r="http://schemas.openxmlformats.org/officeDocument/2006/relationships" xmlns:ac="http://schemas.microsoft.com/office/drawing/2013/main/command" xmlns:pc="http://schemas.microsoft.com/office/powerpoint/2013/main/command">
+  <pc:docChgLst>
+    <pc:chgData name="Haubenburger, Gabriel" userId="d79be2aa-0303-4748-b5e6-c8202455e92e" providerId="ADAL" clId="{C41F04A2-1B58-4C51-987F-CBD3CF99D29E}"/>
+    <pc:docChg chg="addSld modSld sldOrd">
+      <pc:chgData name="Haubenburger, Gabriel" userId="d79be2aa-0303-4748-b5e6-c8202455e92e" providerId="ADAL" clId="{C41F04A2-1B58-4C51-987F-CBD3CF99D29E}" dt="2024-12-15T14:42:22.649" v="296" actId="20577"/>
+      <pc:docMkLst>
+        <pc:docMk/>
+      </pc:docMkLst>
+      <pc:sldChg chg="modSp mod">
+        <pc:chgData name="Haubenburger, Gabriel" userId="d79be2aa-0303-4748-b5e6-c8202455e92e" providerId="ADAL" clId="{C41F04A2-1B58-4C51-987F-CBD3CF99D29E}" dt="2024-12-15T14:36:35.033" v="20" actId="20577"/>
+        <pc:sldMkLst>
+          <pc:docMk/>
+          <pc:sldMk cId="3647451211" sldId="257"/>
+        </pc:sldMkLst>
+        <pc:spChg chg="mod">
+          <ac:chgData name="Haubenburger, Gabriel" userId="d79be2aa-0303-4748-b5e6-c8202455e92e" providerId="ADAL" clId="{C41F04A2-1B58-4C51-987F-CBD3CF99D29E}" dt="2024-12-15T14:36:35.033" v="20" actId="20577"/>
+          <ac:spMkLst>
+            <pc:docMk/>
+            <pc:sldMk cId="3647451211" sldId="257"/>
+            <ac:spMk id="2" creationId="{76FF67D3-B55B-1A2C-CABD-B97CE0F8F85D}"/>
+          </ac:spMkLst>
+        </pc:spChg>
+      </pc:sldChg>
+      <pc:sldChg chg="modSp new mod">
+        <pc:chgData name="Haubenburger, Gabriel" userId="d79be2aa-0303-4748-b5e6-c8202455e92e" providerId="ADAL" clId="{C41F04A2-1B58-4C51-987F-CBD3CF99D29E}" dt="2024-12-15T14:37:10.018" v="45" actId="20577"/>
+        <pc:sldMkLst>
+          <pc:docMk/>
+          <pc:sldMk cId="225849889" sldId="258"/>
+        </pc:sldMkLst>
+        <pc:spChg chg="mod">
+          <ac:chgData name="Haubenburger, Gabriel" userId="d79be2aa-0303-4748-b5e6-c8202455e92e" providerId="ADAL" clId="{C41F04A2-1B58-4C51-987F-CBD3CF99D29E}" dt="2024-12-15T14:37:10.018" v="45" actId="20577"/>
+          <ac:spMkLst>
+            <pc:docMk/>
+            <pc:sldMk cId="225849889" sldId="258"/>
+            <ac:spMk id="2" creationId="{D53941FA-7273-3406-419C-D52C9C290FFD}"/>
+          </ac:spMkLst>
+        </pc:spChg>
+      </pc:sldChg>
+      <pc:sldChg chg="modSp new mod">
+        <pc:chgData name="Haubenburger, Gabriel" userId="d79be2aa-0303-4748-b5e6-c8202455e92e" providerId="ADAL" clId="{C41F04A2-1B58-4C51-987F-CBD3CF99D29E}" dt="2024-12-15T14:37:17.361" v="68" actId="20577"/>
+        <pc:sldMkLst>
+          <pc:docMk/>
+          <pc:sldMk cId="4244075057" sldId="259"/>
+        </pc:sldMkLst>
+        <pc:spChg chg="mod">
+          <ac:chgData name="Haubenburger, Gabriel" userId="d79be2aa-0303-4748-b5e6-c8202455e92e" providerId="ADAL" clId="{C41F04A2-1B58-4C51-987F-CBD3CF99D29E}" dt="2024-12-15T14:37:17.361" v="68" actId="20577"/>
+          <ac:spMkLst>
+            <pc:docMk/>
+            <pc:sldMk cId="4244075057" sldId="259"/>
+            <ac:spMk id="2" creationId="{D00F6813-54FC-527F-C6A4-D8A65970CE8E}"/>
+          </ac:spMkLst>
+        </pc:spChg>
+      </pc:sldChg>
+      <pc:sldChg chg="modSp new mod ord">
+        <pc:chgData name="Haubenburger, Gabriel" userId="d79be2aa-0303-4748-b5e6-c8202455e92e" providerId="ADAL" clId="{C41F04A2-1B58-4C51-987F-CBD3CF99D29E}" dt="2024-12-15T14:37:35.113" v="83" actId="20577"/>
+        <pc:sldMkLst>
+          <pc:docMk/>
+          <pc:sldMk cId="156605029" sldId="260"/>
+        </pc:sldMkLst>
+        <pc:spChg chg="mod">
+          <ac:chgData name="Haubenburger, Gabriel" userId="d79be2aa-0303-4748-b5e6-c8202455e92e" providerId="ADAL" clId="{C41F04A2-1B58-4C51-987F-CBD3CF99D29E}" dt="2024-12-15T14:37:35.113" v="83" actId="20577"/>
+          <ac:spMkLst>
+            <pc:docMk/>
+            <pc:sldMk cId="156605029" sldId="260"/>
+            <ac:spMk id="2" creationId="{43E5E657-5791-8DDB-8C86-08F40B5DA77F}"/>
+          </ac:spMkLst>
+        </pc:spChg>
+      </pc:sldChg>
+      <pc:sldChg chg="modSp new mod">
+        <pc:chgData name="Haubenburger, Gabriel" userId="d79be2aa-0303-4748-b5e6-c8202455e92e" providerId="ADAL" clId="{C41F04A2-1B58-4C51-987F-CBD3CF99D29E}" dt="2024-12-15T14:38:36.441" v="116" actId="20577"/>
+        <pc:sldMkLst>
+          <pc:docMk/>
+          <pc:sldMk cId="2778680789" sldId="261"/>
+        </pc:sldMkLst>
+        <pc:spChg chg="mod">
+          <ac:chgData name="Haubenburger, Gabriel" userId="d79be2aa-0303-4748-b5e6-c8202455e92e" providerId="ADAL" clId="{C41F04A2-1B58-4C51-987F-CBD3CF99D29E}" dt="2024-12-15T14:38:36.441" v="116" actId="20577"/>
+          <ac:spMkLst>
+            <pc:docMk/>
+            <pc:sldMk cId="2778680789" sldId="261"/>
+            <ac:spMk id="2" creationId="{DC99B76B-690A-D473-6489-8EBA89769C27}"/>
+          </ac:spMkLst>
+        </pc:spChg>
+      </pc:sldChg>
+      <pc:sldChg chg="modSp new mod">
+        <pc:chgData name="Haubenburger, Gabriel" userId="d79be2aa-0303-4748-b5e6-c8202455e92e" providerId="ADAL" clId="{C41F04A2-1B58-4C51-987F-CBD3CF99D29E}" dt="2024-12-15T14:41:34.945" v="286" actId="20577"/>
+        <pc:sldMkLst>
+          <pc:docMk/>
+          <pc:sldMk cId="2625827110" sldId="262"/>
+        </pc:sldMkLst>
+        <pc:spChg chg="mod">
+          <ac:chgData name="Haubenburger, Gabriel" userId="d79be2aa-0303-4748-b5e6-c8202455e92e" providerId="ADAL" clId="{C41F04A2-1B58-4C51-987F-CBD3CF99D29E}" dt="2024-12-15T14:41:34.945" v="286" actId="20577"/>
+          <ac:spMkLst>
+            <pc:docMk/>
+            <pc:sldMk cId="2625827110" sldId="262"/>
+            <ac:spMk id="2" creationId="{ACF1EA68-71E2-CFFF-77D9-9092BD40F57C}"/>
+          </ac:spMkLst>
+        </pc:spChg>
+      </pc:sldChg>
+      <pc:sldChg chg="modSp new mod">
+        <pc:chgData name="Haubenburger, Gabriel" userId="d79be2aa-0303-4748-b5e6-c8202455e92e" providerId="ADAL" clId="{C41F04A2-1B58-4C51-987F-CBD3CF99D29E}" dt="2024-12-15T14:39:29.385" v="193" actId="20577"/>
+        <pc:sldMkLst>
+          <pc:docMk/>
+          <pc:sldMk cId="271810423" sldId="263"/>
+        </pc:sldMkLst>
+        <pc:spChg chg="mod">
+          <ac:chgData name="Haubenburger, Gabriel" userId="d79be2aa-0303-4748-b5e6-c8202455e92e" providerId="ADAL" clId="{C41F04A2-1B58-4C51-987F-CBD3CF99D29E}" dt="2024-12-15T14:39:29.385" v="193" actId="20577"/>
+          <ac:spMkLst>
+            <pc:docMk/>
+            <pc:sldMk cId="271810423" sldId="263"/>
+            <ac:spMk id="2" creationId="{2D8F8289-407F-B67A-7169-6CF13174AF57}"/>
+          </ac:spMkLst>
+        </pc:spChg>
+      </pc:sldChg>
+      <pc:sldChg chg="modSp new mod ord">
+        <pc:chgData name="Haubenburger, Gabriel" userId="d79be2aa-0303-4748-b5e6-c8202455e92e" providerId="ADAL" clId="{C41F04A2-1B58-4C51-987F-CBD3CF99D29E}" dt="2024-12-15T14:41:25.913" v="264" actId="20577"/>
+        <pc:sldMkLst>
+          <pc:docMk/>
+          <pc:sldMk cId="1949933045" sldId="264"/>
+        </pc:sldMkLst>
+        <pc:spChg chg="mod">
+          <ac:chgData name="Haubenburger, Gabriel" userId="d79be2aa-0303-4748-b5e6-c8202455e92e" providerId="ADAL" clId="{C41F04A2-1B58-4C51-987F-CBD3CF99D29E}" dt="2024-12-15T14:41:25.913" v="264" actId="20577"/>
+          <ac:spMkLst>
+            <pc:docMk/>
+            <pc:sldMk cId="1949933045" sldId="264"/>
+            <ac:spMk id="2" creationId="{44507AA4-E8F1-18B6-384D-A7EAF861E7A6}"/>
+          </ac:spMkLst>
+        </pc:spChg>
+      </pc:sldChg>
+      <pc:sldChg chg="modSp new mod">
+        <pc:chgData name="Haubenburger, Gabriel" userId="d79be2aa-0303-4748-b5e6-c8202455e92e" providerId="ADAL" clId="{C41F04A2-1B58-4C51-987F-CBD3CF99D29E}" dt="2024-12-15T14:42:22.649" v="296" actId="20577"/>
+        <pc:sldMkLst>
+          <pc:docMk/>
+          <pc:sldMk cId="3637246051" sldId="265"/>
+        </pc:sldMkLst>
+        <pc:spChg chg="mod">
+          <ac:chgData name="Haubenburger, Gabriel" userId="d79be2aa-0303-4748-b5e6-c8202455e92e" providerId="ADAL" clId="{C41F04A2-1B58-4C51-987F-CBD3CF99D29E}" dt="2024-12-15T14:42:22.649" v="296" actId="20577"/>
+          <ac:spMkLst>
+            <pc:docMk/>
+            <pc:sldMk cId="3637246051" sldId="265"/>
+            <ac:spMk id="2" creationId="{4D54CD70-A7C7-B159-DB36-DD35BB897E4A}"/>
+          </ac:spMkLst>
+        </pc:spChg>
+      </pc:sldChg>
+      <pc:sldChg chg="new">
+        <pc:chgData name="Haubenburger, Gabriel" userId="d79be2aa-0303-4748-b5e6-c8202455e92e" providerId="ADAL" clId="{C41F04A2-1B58-4C51-987F-CBD3CF99D29E}" dt="2024-12-15T14:36:14.718" v="8" actId="680"/>
+        <pc:sldMkLst>
+          <pc:docMk/>
+          <pc:sldMk cId="1764173400" sldId="266"/>
+        </pc:sldMkLst>
+      </pc:sldChg>
+      <pc:sldChg chg="new">
+        <pc:chgData name="Haubenburger, Gabriel" userId="d79be2aa-0303-4748-b5e6-c8202455e92e" providerId="ADAL" clId="{C41F04A2-1B58-4C51-987F-CBD3CF99D29E}" dt="2024-12-15T14:36:15.125" v="9" actId="680"/>
+        <pc:sldMkLst>
+          <pc:docMk/>
+          <pc:sldMk cId="1936087243" sldId="267"/>
+        </pc:sldMkLst>
+      </pc:sldChg>
+      <pc:sldChg chg="new">
+        <pc:chgData name="Haubenburger, Gabriel" userId="d79be2aa-0303-4748-b5e6-c8202455e92e" providerId="ADAL" clId="{C41F04A2-1B58-4C51-987F-CBD3CF99D29E}" dt="2024-12-15T14:36:15.478" v="10" actId="680"/>
+        <pc:sldMkLst>
+          <pc:docMk/>
+          <pc:sldMk cId="868701430" sldId="268"/>
+        </pc:sldMkLst>
+      </pc:sldChg>
+      <pc:sldChg chg="new">
+        <pc:chgData name="Haubenburger, Gabriel" userId="d79be2aa-0303-4748-b5e6-c8202455e92e" providerId="ADAL" clId="{C41F04A2-1B58-4C51-987F-CBD3CF99D29E}" dt="2024-12-15T14:36:15.862" v="11" actId="680"/>
+        <pc:sldMkLst>
+          <pc:docMk/>
+          <pc:sldMk cId="2731784210" sldId="269"/>
+        </pc:sldMkLst>
+      </pc:sldChg>
+      <pc:sldChg chg="new">
+        <pc:chgData name="Haubenburger, Gabriel" userId="d79be2aa-0303-4748-b5e6-c8202455e92e" providerId="ADAL" clId="{C41F04A2-1B58-4C51-987F-CBD3CF99D29E}" dt="2024-12-15T14:36:16.829" v="12" actId="680"/>
+        <pc:sldMkLst>
+          <pc:docMk/>
+          <pc:sldMk cId="2077306566" sldId="270"/>
+        </pc:sldMkLst>
+      </pc:sldChg>
+    </pc:docChg>
+  </pc:docChgLst>
+</pc:chgInfo>
 </file>
 
 <file path=ppt/slideLayouts/slideLayout1.xml><?xml version="1.0" encoding="utf-8"?>
@@ -6364,6 +6566,490 @@
 </p:sld>
 </file>
 
+<file path=ppt/slides/slide10.xml><?xml version="1.0" encoding="utf-8"?>
+<p:sld xmlns:a="http://schemas.openxmlformats.org/drawingml/2006/main" xmlns:r="http://schemas.openxmlformats.org/officeDocument/2006/relationships" xmlns:p="http://schemas.openxmlformats.org/presentationml/2006/main">
+  <p:cSld>
+    <p:spTree>
+      <p:nvGrpSpPr>
+        <p:cNvPr id="1" name=""/>
+        <p:cNvGrpSpPr/>
+        <p:nvPr/>
+      </p:nvGrpSpPr>
+      <p:grpSpPr>
+        <a:xfrm>
+          <a:off x="0" y="0"/>
+          <a:ext cx="0" cy="0"/>
+          <a:chOff x="0" y="0"/>
+          <a:chExt cx="0" cy="0"/>
+        </a:xfrm>
+      </p:grpSpPr>
+      <p:sp>
+        <p:nvSpPr>
+          <p:cNvPr id="2" name="Title 1">
+            <a:extLst>
+              <a:ext uri="{FF2B5EF4-FFF2-40B4-BE49-F238E27FC236}">
+                <a16:creationId xmlns:a16="http://schemas.microsoft.com/office/drawing/2014/main" id="{4D54CD70-A7C7-B159-DB36-DD35BB897E4A}"/>
+              </a:ext>
+            </a:extLst>
+          </p:cNvPr>
+          <p:cNvSpPr>
+            <a:spLocks noGrp="1"/>
+          </p:cNvSpPr>
+          <p:nvPr>
+            <p:ph type="title"/>
+          </p:nvPr>
+        </p:nvSpPr>
+        <p:spPr/>
+        <p:txBody>
+          <a:bodyPr/>
+          <a:lstStyle/>
+          <a:p>
+            <a:r>
+              <a:rPr lang="de-DE" dirty="0" err="1"/>
+              <a:t>Conclusion</a:t>
+            </a:r>
+            <a:endParaRPr lang="de-AT" dirty="0"/>
+          </a:p>
+        </p:txBody>
+      </p:sp>
+      <p:sp>
+        <p:nvSpPr>
+          <p:cNvPr id="3" name="Content Placeholder 2">
+            <a:extLst>
+              <a:ext uri="{FF2B5EF4-FFF2-40B4-BE49-F238E27FC236}">
+                <a16:creationId xmlns:a16="http://schemas.microsoft.com/office/drawing/2014/main" id="{84CFF438-856F-957D-7156-C2F5B4AFDC20}"/>
+              </a:ext>
+            </a:extLst>
+          </p:cNvPr>
+          <p:cNvSpPr>
+            <a:spLocks noGrp="1"/>
+          </p:cNvSpPr>
+          <p:nvPr>
+            <p:ph idx="1"/>
+          </p:nvPr>
+        </p:nvSpPr>
+        <p:spPr/>
+        <p:txBody>
+          <a:bodyPr/>
+          <a:lstStyle/>
+          <a:p>
+            <a:endParaRPr lang="de-AT"/>
+          </a:p>
+        </p:txBody>
+      </p:sp>
+    </p:spTree>
+    <p:extLst>
+      <p:ext uri="{BB962C8B-B14F-4D97-AF65-F5344CB8AC3E}">
+        <p14:creationId xmlns:p14="http://schemas.microsoft.com/office/powerpoint/2010/main" val="3637246051"/>
+      </p:ext>
+    </p:extLst>
+  </p:cSld>
+  <p:clrMapOvr>
+    <a:masterClrMapping/>
+  </p:clrMapOvr>
+</p:sld>
+</file>
+
+<file path=ppt/slides/slide11.xml><?xml version="1.0" encoding="utf-8"?>
+<p:sld xmlns:a="http://schemas.openxmlformats.org/drawingml/2006/main" xmlns:r="http://schemas.openxmlformats.org/officeDocument/2006/relationships" xmlns:p="http://schemas.openxmlformats.org/presentationml/2006/main">
+  <p:cSld>
+    <p:spTree>
+      <p:nvGrpSpPr>
+        <p:cNvPr id="1" name=""/>
+        <p:cNvGrpSpPr/>
+        <p:nvPr/>
+      </p:nvGrpSpPr>
+      <p:grpSpPr>
+        <a:xfrm>
+          <a:off x="0" y="0"/>
+          <a:ext cx="0" cy="0"/>
+          <a:chOff x="0" y="0"/>
+          <a:chExt cx="0" cy="0"/>
+        </a:xfrm>
+      </p:grpSpPr>
+      <p:sp>
+        <p:nvSpPr>
+          <p:cNvPr id="2" name="Title 1">
+            <a:extLst>
+              <a:ext uri="{FF2B5EF4-FFF2-40B4-BE49-F238E27FC236}">
+                <a16:creationId xmlns:a16="http://schemas.microsoft.com/office/drawing/2014/main" id="{F2828560-3281-7AA8-FACE-BE9A95FCF4EE}"/>
+              </a:ext>
+            </a:extLst>
+          </p:cNvPr>
+          <p:cNvSpPr>
+            <a:spLocks noGrp="1"/>
+          </p:cNvSpPr>
+          <p:nvPr>
+            <p:ph type="title"/>
+          </p:nvPr>
+        </p:nvSpPr>
+        <p:spPr/>
+        <p:txBody>
+          <a:bodyPr/>
+          <a:lstStyle/>
+          <a:p>
+            <a:endParaRPr lang="de-AT"/>
+          </a:p>
+        </p:txBody>
+      </p:sp>
+      <p:sp>
+        <p:nvSpPr>
+          <p:cNvPr id="3" name="Content Placeholder 2">
+            <a:extLst>
+              <a:ext uri="{FF2B5EF4-FFF2-40B4-BE49-F238E27FC236}">
+                <a16:creationId xmlns:a16="http://schemas.microsoft.com/office/drawing/2014/main" id="{C2C34ABA-A410-7029-1000-0F296A1EC0E5}"/>
+              </a:ext>
+            </a:extLst>
+          </p:cNvPr>
+          <p:cNvSpPr>
+            <a:spLocks noGrp="1"/>
+          </p:cNvSpPr>
+          <p:nvPr>
+            <p:ph idx="1"/>
+          </p:nvPr>
+        </p:nvSpPr>
+        <p:spPr/>
+        <p:txBody>
+          <a:bodyPr/>
+          <a:lstStyle/>
+          <a:p>
+            <a:endParaRPr lang="de-AT"/>
+          </a:p>
+        </p:txBody>
+      </p:sp>
+    </p:spTree>
+    <p:extLst>
+      <p:ext uri="{BB962C8B-B14F-4D97-AF65-F5344CB8AC3E}">
+        <p14:creationId xmlns:p14="http://schemas.microsoft.com/office/powerpoint/2010/main" val="1764173400"/>
+      </p:ext>
+    </p:extLst>
+  </p:cSld>
+  <p:clrMapOvr>
+    <a:masterClrMapping/>
+  </p:clrMapOvr>
+</p:sld>
+</file>
+
+<file path=ppt/slides/slide12.xml><?xml version="1.0" encoding="utf-8"?>
+<p:sld xmlns:a="http://schemas.openxmlformats.org/drawingml/2006/main" xmlns:r="http://schemas.openxmlformats.org/officeDocument/2006/relationships" xmlns:p="http://schemas.openxmlformats.org/presentationml/2006/main">
+  <p:cSld>
+    <p:spTree>
+      <p:nvGrpSpPr>
+        <p:cNvPr id="1" name=""/>
+        <p:cNvGrpSpPr/>
+        <p:nvPr/>
+      </p:nvGrpSpPr>
+      <p:grpSpPr>
+        <a:xfrm>
+          <a:off x="0" y="0"/>
+          <a:ext cx="0" cy="0"/>
+          <a:chOff x="0" y="0"/>
+          <a:chExt cx="0" cy="0"/>
+        </a:xfrm>
+      </p:grpSpPr>
+      <p:sp>
+        <p:nvSpPr>
+          <p:cNvPr id="2" name="Title 1">
+            <a:extLst>
+              <a:ext uri="{FF2B5EF4-FFF2-40B4-BE49-F238E27FC236}">
+                <a16:creationId xmlns:a16="http://schemas.microsoft.com/office/drawing/2014/main" id="{C9BDEEB6-777B-7139-49B8-78BA05B48F84}"/>
+              </a:ext>
+            </a:extLst>
+          </p:cNvPr>
+          <p:cNvSpPr>
+            <a:spLocks noGrp="1"/>
+          </p:cNvSpPr>
+          <p:nvPr>
+            <p:ph type="title"/>
+          </p:nvPr>
+        </p:nvSpPr>
+        <p:spPr/>
+        <p:txBody>
+          <a:bodyPr/>
+          <a:lstStyle/>
+          <a:p>
+            <a:endParaRPr lang="de-AT"/>
+          </a:p>
+        </p:txBody>
+      </p:sp>
+      <p:sp>
+        <p:nvSpPr>
+          <p:cNvPr id="3" name="Content Placeholder 2">
+            <a:extLst>
+              <a:ext uri="{FF2B5EF4-FFF2-40B4-BE49-F238E27FC236}">
+                <a16:creationId xmlns:a16="http://schemas.microsoft.com/office/drawing/2014/main" id="{3244DD77-BA9C-4A0C-D04C-7099FEF90762}"/>
+              </a:ext>
+            </a:extLst>
+          </p:cNvPr>
+          <p:cNvSpPr>
+            <a:spLocks noGrp="1"/>
+          </p:cNvSpPr>
+          <p:nvPr>
+            <p:ph idx="1"/>
+          </p:nvPr>
+        </p:nvSpPr>
+        <p:spPr/>
+        <p:txBody>
+          <a:bodyPr/>
+          <a:lstStyle/>
+          <a:p>
+            <a:endParaRPr lang="de-AT"/>
+          </a:p>
+        </p:txBody>
+      </p:sp>
+    </p:spTree>
+    <p:extLst>
+      <p:ext uri="{BB962C8B-B14F-4D97-AF65-F5344CB8AC3E}">
+        <p14:creationId xmlns:p14="http://schemas.microsoft.com/office/powerpoint/2010/main" val="1936087243"/>
+      </p:ext>
+    </p:extLst>
+  </p:cSld>
+  <p:clrMapOvr>
+    <a:masterClrMapping/>
+  </p:clrMapOvr>
+</p:sld>
+</file>
+
+<file path=ppt/slides/slide13.xml><?xml version="1.0" encoding="utf-8"?>
+<p:sld xmlns:a="http://schemas.openxmlformats.org/drawingml/2006/main" xmlns:r="http://schemas.openxmlformats.org/officeDocument/2006/relationships" xmlns:p="http://schemas.openxmlformats.org/presentationml/2006/main">
+  <p:cSld>
+    <p:spTree>
+      <p:nvGrpSpPr>
+        <p:cNvPr id="1" name=""/>
+        <p:cNvGrpSpPr/>
+        <p:nvPr/>
+      </p:nvGrpSpPr>
+      <p:grpSpPr>
+        <a:xfrm>
+          <a:off x="0" y="0"/>
+          <a:ext cx="0" cy="0"/>
+          <a:chOff x="0" y="0"/>
+          <a:chExt cx="0" cy="0"/>
+        </a:xfrm>
+      </p:grpSpPr>
+      <p:sp>
+        <p:nvSpPr>
+          <p:cNvPr id="2" name="Title 1">
+            <a:extLst>
+              <a:ext uri="{FF2B5EF4-FFF2-40B4-BE49-F238E27FC236}">
+                <a16:creationId xmlns:a16="http://schemas.microsoft.com/office/drawing/2014/main" id="{B8031770-91DB-E235-9154-D52999D90641}"/>
+              </a:ext>
+            </a:extLst>
+          </p:cNvPr>
+          <p:cNvSpPr>
+            <a:spLocks noGrp="1"/>
+          </p:cNvSpPr>
+          <p:nvPr>
+            <p:ph type="title"/>
+          </p:nvPr>
+        </p:nvSpPr>
+        <p:spPr/>
+        <p:txBody>
+          <a:bodyPr/>
+          <a:lstStyle/>
+          <a:p>
+            <a:endParaRPr lang="de-AT"/>
+          </a:p>
+        </p:txBody>
+      </p:sp>
+      <p:sp>
+        <p:nvSpPr>
+          <p:cNvPr id="3" name="Content Placeholder 2">
+            <a:extLst>
+              <a:ext uri="{FF2B5EF4-FFF2-40B4-BE49-F238E27FC236}">
+                <a16:creationId xmlns:a16="http://schemas.microsoft.com/office/drawing/2014/main" id="{77AC39F9-30E5-45C4-7885-2A40A50E6108}"/>
+              </a:ext>
+            </a:extLst>
+          </p:cNvPr>
+          <p:cNvSpPr>
+            <a:spLocks noGrp="1"/>
+          </p:cNvSpPr>
+          <p:nvPr>
+            <p:ph idx="1"/>
+          </p:nvPr>
+        </p:nvSpPr>
+        <p:spPr/>
+        <p:txBody>
+          <a:bodyPr/>
+          <a:lstStyle/>
+          <a:p>
+            <a:endParaRPr lang="de-AT"/>
+          </a:p>
+        </p:txBody>
+      </p:sp>
+    </p:spTree>
+    <p:extLst>
+      <p:ext uri="{BB962C8B-B14F-4D97-AF65-F5344CB8AC3E}">
+        <p14:creationId xmlns:p14="http://schemas.microsoft.com/office/powerpoint/2010/main" val="868701430"/>
+      </p:ext>
+    </p:extLst>
+  </p:cSld>
+  <p:clrMapOvr>
+    <a:masterClrMapping/>
+  </p:clrMapOvr>
+</p:sld>
+</file>
+
+<file path=ppt/slides/slide14.xml><?xml version="1.0" encoding="utf-8"?>
+<p:sld xmlns:a="http://schemas.openxmlformats.org/drawingml/2006/main" xmlns:r="http://schemas.openxmlformats.org/officeDocument/2006/relationships" xmlns:p="http://schemas.openxmlformats.org/presentationml/2006/main">
+  <p:cSld>
+    <p:spTree>
+      <p:nvGrpSpPr>
+        <p:cNvPr id="1" name=""/>
+        <p:cNvGrpSpPr/>
+        <p:nvPr/>
+      </p:nvGrpSpPr>
+      <p:grpSpPr>
+        <a:xfrm>
+          <a:off x="0" y="0"/>
+          <a:ext cx="0" cy="0"/>
+          <a:chOff x="0" y="0"/>
+          <a:chExt cx="0" cy="0"/>
+        </a:xfrm>
+      </p:grpSpPr>
+      <p:sp>
+        <p:nvSpPr>
+          <p:cNvPr id="2" name="Title 1">
+            <a:extLst>
+              <a:ext uri="{FF2B5EF4-FFF2-40B4-BE49-F238E27FC236}">
+                <a16:creationId xmlns:a16="http://schemas.microsoft.com/office/drawing/2014/main" id="{9C3C3A8D-1E82-EA30-3D13-AFF5A3349BE0}"/>
+              </a:ext>
+            </a:extLst>
+          </p:cNvPr>
+          <p:cNvSpPr>
+            <a:spLocks noGrp="1"/>
+          </p:cNvSpPr>
+          <p:nvPr>
+            <p:ph type="title"/>
+          </p:nvPr>
+        </p:nvSpPr>
+        <p:spPr/>
+        <p:txBody>
+          <a:bodyPr/>
+          <a:lstStyle/>
+          <a:p>
+            <a:endParaRPr lang="de-AT"/>
+          </a:p>
+        </p:txBody>
+      </p:sp>
+      <p:sp>
+        <p:nvSpPr>
+          <p:cNvPr id="3" name="Content Placeholder 2">
+            <a:extLst>
+              <a:ext uri="{FF2B5EF4-FFF2-40B4-BE49-F238E27FC236}">
+                <a16:creationId xmlns:a16="http://schemas.microsoft.com/office/drawing/2014/main" id="{B0FC1963-7441-5AFB-0B26-C4C1AB405478}"/>
+              </a:ext>
+            </a:extLst>
+          </p:cNvPr>
+          <p:cNvSpPr>
+            <a:spLocks noGrp="1"/>
+          </p:cNvSpPr>
+          <p:nvPr>
+            <p:ph idx="1"/>
+          </p:nvPr>
+        </p:nvSpPr>
+        <p:spPr/>
+        <p:txBody>
+          <a:bodyPr/>
+          <a:lstStyle/>
+          <a:p>
+            <a:endParaRPr lang="de-AT"/>
+          </a:p>
+        </p:txBody>
+      </p:sp>
+    </p:spTree>
+    <p:extLst>
+      <p:ext uri="{BB962C8B-B14F-4D97-AF65-F5344CB8AC3E}">
+        <p14:creationId xmlns:p14="http://schemas.microsoft.com/office/powerpoint/2010/main" val="2731784210"/>
+      </p:ext>
+    </p:extLst>
+  </p:cSld>
+  <p:clrMapOvr>
+    <a:masterClrMapping/>
+  </p:clrMapOvr>
+</p:sld>
+</file>
+
+<file path=ppt/slides/slide15.xml><?xml version="1.0" encoding="utf-8"?>
+<p:sld xmlns:a="http://schemas.openxmlformats.org/drawingml/2006/main" xmlns:r="http://schemas.openxmlformats.org/officeDocument/2006/relationships" xmlns:p="http://schemas.openxmlformats.org/presentationml/2006/main">
+  <p:cSld>
+    <p:spTree>
+      <p:nvGrpSpPr>
+        <p:cNvPr id="1" name=""/>
+        <p:cNvGrpSpPr/>
+        <p:nvPr/>
+      </p:nvGrpSpPr>
+      <p:grpSpPr>
+        <a:xfrm>
+          <a:off x="0" y="0"/>
+          <a:ext cx="0" cy="0"/>
+          <a:chOff x="0" y="0"/>
+          <a:chExt cx="0" cy="0"/>
+        </a:xfrm>
+      </p:grpSpPr>
+      <p:sp>
+        <p:nvSpPr>
+          <p:cNvPr id="2" name="Title 1">
+            <a:extLst>
+              <a:ext uri="{FF2B5EF4-FFF2-40B4-BE49-F238E27FC236}">
+                <a16:creationId xmlns:a16="http://schemas.microsoft.com/office/drawing/2014/main" id="{818E5137-9F21-7374-8AF7-83B95450444B}"/>
+              </a:ext>
+            </a:extLst>
+          </p:cNvPr>
+          <p:cNvSpPr>
+            <a:spLocks noGrp="1"/>
+          </p:cNvSpPr>
+          <p:nvPr>
+            <p:ph type="title"/>
+          </p:nvPr>
+        </p:nvSpPr>
+        <p:spPr/>
+        <p:txBody>
+          <a:bodyPr/>
+          <a:lstStyle/>
+          <a:p>
+            <a:endParaRPr lang="de-AT"/>
+          </a:p>
+        </p:txBody>
+      </p:sp>
+      <p:sp>
+        <p:nvSpPr>
+          <p:cNvPr id="3" name="Content Placeholder 2">
+            <a:extLst>
+              <a:ext uri="{FF2B5EF4-FFF2-40B4-BE49-F238E27FC236}">
+                <a16:creationId xmlns:a16="http://schemas.microsoft.com/office/drawing/2014/main" id="{504F3F50-B242-B55C-903B-0FE55DB38A00}"/>
+              </a:ext>
+            </a:extLst>
+          </p:cNvPr>
+          <p:cNvSpPr>
+            <a:spLocks noGrp="1"/>
+          </p:cNvSpPr>
+          <p:nvPr>
+            <p:ph idx="1"/>
+          </p:nvPr>
+        </p:nvSpPr>
+        <p:spPr/>
+        <p:txBody>
+          <a:bodyPr/>
+          <a:lstStyle/>
+          <a:p>
+            <a:endParaRPr lang="de-AT"/>
+          </a:p>
+        </p:txBody>
+      </p:sp>
+    </p:spTree>
+    <p:extLst>
+      <p:ext uri="{BB962C8B-B14F-4D97-AF65-F5344CB8AC3E}">
+        <p14:creationId xmlns:p14="http://schemas.microsoft.com/office/powerpoint/2010/main" val="2077306566"/>
+      </p:ext>
+    </p:extLst>
+  </p:cSld>
+  <p:clrMapOvr>
+    <a:masterClrMapping/>
+  </p:clrMapOvr>
+</p:sld>
+</file>
+
 <file path=ppt/slides/slide2.xml><?xml version="1.0" encoding="utf-8"?>
 <p:sld xmlns:a="http://schemas.openxmlformats.org/drawingml/2006/main" xmlns:r="http://schemas.openxmlformats.org/officeDocument/2006/relationships" xmlns:p="http://schemas.openxmlformats.org/presentationml/2006/main">
   <p:cSld>
@@ -6402,7 +7088,10 @@
           <a:bodyPr/>
           <a:lstStyle/>
           <a:p>
-            <a:endParaRPr lang="en-IN"/>
+            <a:r>
+              <a:rPr lang="en-IN" dirty="0"/>
+              <a:t>Datasets</a:t>
+            </a:r>
           </a:p>
         </p:txBody>
       </p:sp>
@@ -6435,6 +7124,694 @@
     <p:extLst>
       <p:ext uri="{BB962C8B-B14F-4D97-AF65-F5344CB8AC3E}">
         <p14:creationId xmlns:p14="http://schemas.microsoft.com/office/powerpoint/2010/main" val="3647451211"/>
+      </p:ext>
+    </p:extLst>
+  </p:cSld>
+  <p:clrMapOvr>
+    <a:masterClrMapping/>
+  </p:clrMapOvr>
+</p:sld>
+</file>
+
+<file path=ppt/slides/slide3.xml><?xml version="1.0" encoding="utf-8"?>
+<p:sld xmlns:a="http://schemas.openxmlformats.org/drawingml/2006/main" xmlns:r="http://schemas.openxmlformats.org/officeDocument/2006/relationships" xmlns:p="http://schemas.openxmlformats.org/presentationml/2006/main">
+  <p:cSld>
+    <p:spTree>
+      <p:nvGrpSpPr>
+        <p:cNvPr id="1" name=""/>
+        <p:cNvGrpSpPr/>
+        <p:nvPr/>
+      </p:nvGrpSpPr>
+      <p:grpSpPr>
+        <a:xfrm>
+          <a:off x="0" y="0"/>
+          <a:ext cx="0" cy="0"/>
+          <a:chOff x="0" y="0"/>
+          <a:chExt cx="0" cy="0"/>
+        </a:xfrm>
+      </p:grpSpPr>
+      <p:sp>
+        <p:nvSpPr>
+          <p:cNvPr id="2" name="Title 1">
+            <a:extLst>
+              <a:ext uri="{FF2B5EF4-FFF2-40B4-BE49-F238E27FC236}">
+                <a16:creationId xmlns:a16="http://schemas.microsoft.com/office/drawing/2014/main" id="{43E5E657-5791-8DDB-8C86-08F40B5DA77F}"/>
+              </a:ext>
+            </a:extLst>
+          </p:cNvPr>
+          <p:cNvSpPr>
+            <a:spLocks noGrp="1"/>
+          </p:cNvSpPr>
+          <p:nvPr>
+            <p:ph type="title"/>
+          </p:nvPr>
+        </p:nvSpPr>
+        <p:spPr/>
+        <p:txBody>
+          <a:bodyPr/>
+          <a:lstStyle/>
+          <a:p>
+            <a:r>
+              <a:rPr lang="de-DE" dirty="0" err="1"/>
+              <a:t>Preprocessing</a:t>
+            </a:r>
+            <a:endParaRPr lang="de-AT" dirty="0"/>
+          </a:p>
+        </p:txBody>
+      </p:sp>
+      <p:sp>
+        <p:nvSpPr>
+          <p:cNvPr id="3" name="Content Placeholder 2">
+            <a:extLst>
+              <a:ext uri="{FF2B5EF4-FFF2-40B4-BE49-F238E27FC236}">
+                <a16:creationId xmlns:a16="http://schemas.microsoft.com/office/drawing/2014/main" id="{FFBFFA5E-236F-3279-8F0F-D69DEC44B6B0}"/>
+              </a:ext>
+            </a:extLst>
+          </p:cNvPr>
+          <p:cNvSpPr>
+            <a:spLocks noGrp="1"/>
+          </p:cNvSpPr>
+          <p:nvPr>
+            <p:ph idx="1"/>
+          </p:nvPr>
+        </p:nvSpPr>
+        <p:spPr/>
+        <p:txBody>
+          <a:bodyPr/>
+          <a:lstStyle/>
+          <a:p>
+            <a:endParaRPr lang="de-AT"/>
+          </a:p>
+        </p:txBody>
+      </p:sp>
+    </p:spTree>
+    <p:extLst>
+      <p:ext uri="{BB962C8B-B14F-4D97-AF65-F5344CB8AC3E}">
+        <p14:creationId xmlns:p14="http://schemas.microsoft.com/office/powerpoint/2010/main" val="156605029"/>
+      </p:ext>
+    </p:extLst>
+  </p:cSld>
+  <p:clrMapOvr>
+    <a:masterClrMapping/>
+  </p:clrMapOvr>
+</p:sld>
+</file>
+
+<file path=ppt/slides/slide4.xml><?xml version="1.0" encoding="utf-8"?>
+<p:sld xmlns:a="http://schemas.openxmlformats.org/drawingml/2006/main" xmlns:r="http://schemas.openxmlformats.org/officeDocument/2006/relationships" xmlns:p="http://schemas.openxmlformats.org/presentationml/2006/main">
+  <p:cSld>
+    <p:spTree>
+      <p:nvGrpSpPr>
+        <p:cNvPr id="1" name=""/>
+        <p:cNvGrpSpPr/>
+        <p:nvPr/>
+      </p:nvGrpSpPr>
+      <p:grpSpPr>
+        <a:xfrm>
+          <a:off x="0" y="0"/>
+          <a:ext cx="0" cy="0"/>
+          <a:chOff x="0" y="0"/>
+          <a:chExt cx="0" cy="0"/>
+        </a:xfrm>
+      </p:grpSpPr>
+      <p:sp>
+        <p:nvSpPr>
+          <p:cNvPr id="2" name="Title 1">
+            <a:extLst>
+              <a:ext uri="{FF2B5EF4-FFF2-40B4-BE49-F238E27FC236}">
+                <a16:creationId xmlns:a16="http://schemas.microsoft.com/office/drawing/2014/main" id="{D53941FA-7273-3406-419C-D52C9C290FFD}"/>
+              </a:ext>
+            </a:extLst>
+          </p:cNvPr>
+          <p:cNvSpPr>
+            <a:spLocks noGrp="1"/>
+          </p:cNvSpPr>
+          <p:nvPr>
+            <p:ph type="title"/>
+          </p:nvPr>
+        </p:nvSpPr>
+        <p:spPr/>
+        <p:txBody>
+          <a:bodyPr/>
+          <a:lstStyle/>
+          <a:p>
+            <a:r>
+              <a:rPr lang="de-DE" dirty="0" err="1"/>
+              <a:t>Decision</a:t>
+            </a:r>
+            <a:r>
+              <a:rPr lang="de-DE" dirty="0"/>
+              <a:t> </a:t>
+            </a:r>
+            <a:r>
+              <a:rPr lang="de-DE" dirty="0" err="1"/>
+              <a:t>Tree</a:t>
+            </a:r>
+            <a:r>
+              <a:rPr lang="de-DE" dirty="0"/>
+              <a:t> Regressor</a:t>
+            </a:r>
+            <a:endParaRPr lang="de-AT" dirty="0"/>
+          </a:p>
+        </p:txBody>
+      </p:sp>
+      <p:sp>
+        <p:nvSpPr>
+          <p:cNvPr id="3" name="Content Placeholder 2">
+            <a:extLst>
+              <a:ext uri="{FF2B5EF4-FFF2-40B4-BE49-F238E27FC236}">
+                <a16:creationId xmlns:a16="http://schemas.microsoft.com/office/drawing/2014/main" id="{BB3969EE-A50A-F4A8-56A6-D2F56033ADBA}"/>
+              </a:ext>
+            </a:extLst>
+          </p:cNvPr>
+          <p:cNvSpPr>
+            <a:spLocks noGrp="1"/>
+          </p:cNvSpPr>
+          <p:nvPr>
+            <p:ph idx="1"/>
+          </p:nvPr>
+        </p:nvSpPr>
+        <p:spPr/>
+        <p:txBody>
+          <a:bodyPr/>
+          <a:lstStyle/>
+          <a:p>
+            <a:endParaRPr lang="de-AT"/>
+          </a:p>
+        </p:txBody>
+      </p:sp>
+    </p:spTree>
+    <p:extLst>
+      <p:ext uri="{BB962C8B-B14F-4D97-AF65-F5344CB8AC3E}">
+        <p14:creationId xmlns:p14="http://schemas.microsoft.com/office/powerpoint/2010/main" val="225849889"/>
+      </p:ext>
+    </p:extLst>
+  </p:cSld>
+  <p:clrMapOvr>
+    <a:masterClrMapping/>
+  </p:clrMapOvr>
+</p:sld>
+</file>
+
+<file path=ppt/slides/slide5.xml><?xml version="1.0" encoding="utf-8"?>
+<p:sld xmlns:a="http://schemas.openxmlformats.org/drawingml/2006/main" xmlns:r="http://schemas.openxmlformats.org/officeDocument/2006/relationships" xmlns:p="http://schemas.openxmlformats.org/presentationml/2006/main">
+  <p:cSld>
+    <p:spTree>
+      <p:nvGrpSpPr>
+        <p:cNvPr id="1" name=""/>
+        <p:cNvGrpSpPr/>
+        <p:nvPr/>
+      </p:nvGrpSpPr>
+      <p:grpSpPr>
+        <a:xfrm>
+          <a:off x="0" y="0"/>
+          <a:ext cx="0" cy="0"/>
+          <a:chOff x="0" y="0"/>
+          <a:chExt cx="0" cy="0"/>
+        </a:xfrm>
+      </p:grpSpPr>
+      <p:sp>
+        <p:nvSpPr>
+          <p:cNvPr id="2" name="Title 1">
+            <a:extLst>
+              <a:ext uri="{FF2B5EF4-FFF2-40B4-BE49-F238E27FC236}">
+                <a16:creationId xmlns:a16="http://schemas.microsoft.com/office/drawing/2014/main" id="{D00F6813-54FC-527F-C6A4-D8A65970CE8E}"/>
+              </a:ext>
+            </a:extLst>
+          </p:cNvPr>
+          <p:cNvSpPr>
+            <a:spLocks noGrp="1"/>
+          </p:cNvSpPr>
+          <p:nvPr>
+            <p:ph type="title"/>
+          </p:nvPr>
+        </p:nvSpPr>
+        <p:spPr/>
+        <p:txBody>
+          <a:bodyPr/>
+          <a:lstStyle/>
+          <a:p>
+            <a:r>
+              <a:rPr lang="de-DE" dirty="0"/>
+              <a:t>Random Forest Regressor</a:t>
+            </a:r>
+            <a:endParaRPr lang="de-AT" dirty="0"/>
+          </a:p>
+        </p:txBody>
+      </p:sp>
+      <p:sp>
+        <p:nvSpPr>
+          <p:cNvPr id="3" name="Content Placeholder 2">
+            <a:extLst>
+              <a:ext uri="{FF2B5EF4-FFF2-40B4-BE49-F238E27FC236}">
+                <a16:creationId xmlns:a16="http://schemas.microsoft.com/office/drawing/2014/main" id="{BC38231A-ECB4-0153-0411-F74632AD3135}"/>
+              </a:ext>
+            </a:extLst>
+          </p:cNvPr>
+          <p:cNvSpPr>
+            <a:spLocks noGrp="1"/>
+          </p:cNvSpPr>
+          <p:nvPr>
+            <p:ph idx="1"/>
+          </p:nvPr>
+        </p:nvSpPr>
+        <p:spPr/>
+        <p:txBody>
+          <a:bodyPr/>
+          <a:lstStyle/>
+          <a:p>
+            <a:endParaRPr lang="de-AT"/>
+          </a:p>
+        </p:txBody>
+      </p:sp>
+    </p:spTree>
+    <p:extLst>
+      <p:ext uri="{BB962C8B-B14F-4D97-AF65-F5344CB8AC3E}">
+        <p14:creationId xmlns:p14="http://schemas.microsoft.com/office/powerpoint/2010/main" val="4244075057"/>
+      </p:ext>
+    </p:extLst>
+  </p:cSld>
+  <p:clrMapOvr>
+    <a:masterClrMapping/>
+  </p:clrMapOvr>
+</p:sld>
+</file>
+
+<file path=ppt/slides/slide6.xml><?xml version="1.0" encoding="utf-8"?>
+<p:sld xmlns:a="http://schemas.openxmlformats.org/drawingml/2006/main" xmlns:r="http://schemas.openxmlformats.org/officeDocument/2006/relationships" xmlns:p="http://schemas.openxmlformats.org/presentationml/2006/main">
+  <p:cSld>
+    <p:spTree>
+      <p:nvGrpSpPr>
+        <p:cNvPr id="1" name=""/>
+        <p:cNvGrpSpPr/>
+        <p:nvPr/>
+      </p:nvGrpSpPr>
+      <p:grpSpPr>
+        <a:xfrm>
+          <a:off x="0" y="0"/>
+          <a:ext cx="0" cy="0"/>
+          <a:chOff x="0" y="0"/>
+          <a:chExt cx="0" cy="0"/>
+        </a:xfrm>
+      </p:grpSpPr>
+      <p:sp>
+        <p:nvSpPr>
+          <p:cNvPr id="2" name="Title 1">
+            <a:extLst>
+              <a:ext uri="{FF2B5EF4-FFF2-40B4-BE49-F238E27FC236}">
+                <a16:creationId xmlns:a16="http://schemas.microsoft.com/office/drawing/2014/main" id="{DC99B76B-690A-D473-6489-8EBA89769C27}"/>
+              </a:ext>
+            </a:extLst>
+          </p:cNvPr>
+          <p:cNvSpPr>
+            <a:spLocks noGrp="1"/>
+          </p:cNvSpPr>
+          <p:nvPr>
+            <p:ph type="title"/>
+          </p:nvPr>
+        </p:nvSpPr>
+        <p:spPr/>
+        <p:txBody>
+          <a:bodyPr/>
+          <a:lstStyle/>
+          <a:p>
+            <a:r>
+              <a:rPr lang="de-DE" dirty="0"/>
+              <a:t>Hyperparameter </a:t>
+            </a:r>
+            <a:r>
+              <a:rPr lang="de-DE" dirty="0" err="1"/>
+              <a:t>optimization</a:t>
+            </a:r>
+            <a:endParaRPr lang="de-AT" dirty="0"/>
+          </a:p>
+        </p:txBody>
+      </p:sp>
+      <p:sp>
+        <p:nvSpPr>
+          <p:cNvPr id="3" name="Content Placeholder 2">
+            <a:extLst>
+              <a:ext uri="{FF2B5EF4-FFF2-40B4-BE49-F238E27FC236}">
+                <a16:creationId xmlns:a16="http://schemas.microsoft.com/office/drawing/2014/main" id="{0A9D697E-4ADF-2F55-0E09-4F1AB55C3465}"/>
+              </a:ext>
+            </a:extLst>
+          </p:cNvPr>
+          <p:cNvSpPr>
+            <a:spLocks noGrp="1"/>
+          </p:cNvSpPr>
+          <p:nvPr>
+            <p:ph idx="1"/>
+          </p:nvPr>
+        </p:nvSpPr>
+        <p:spPr/>
+        <p:txBody>
+          <a:bodyPr/>
+          <a:lstStyle/>
+          <a:p>
+            <a:endParaRPr lang="de-AT"/>
+          </a:p>
+        </p:txBody>
+      </p:sp>
+    </p:spTree>
+    <p:extLst>
+      <p:ext uri="{BB962C8B-B14F-4D97-AF65-F5344CB8AC3E}">
+        <p14:creationId xmlns:p14="http://schemas.microsoft.com/office/powerpoint/2010/main" val="2778680789"/>
+      </p:ext>
+    </p:extLst>
+  </p:cSld>
+  <p:clrMapOvr>
+    <a:masterClrMapping/>
+  </p:clrMapOvr>
+</p:sld>
+</file>
+
+<file path=ppt/slides/slide7.xml><?xml version="1.0" encoding="utf-8"?>
+<p:sld xmlns:a="http://schemas.openxmlformats.org/drawingml/2006/main" xmlns:r="http://schemas.openxmlformats.org/officeDocument/2006/relationships" xmlns:p="http://schemas.openxmlformats.org/presentationml/2006/main">
+  <p:cSld>
+    <p:spTree>
+      <p:nvGrpSpPr>
+        <p:cNvPr id="1" name=""/>
+        <p:cNvGrpSpPr/>
+        <p:nvPr/>
+      </p:nvGrpSpPr>
+      <p:grpSpPr>
+        <a:xfrm>
+          <a:off x="0" y="0"/>
+          <a:ext cx="0" cy="0"/>
+          <a:chOff x="0" y="0"/>
+          <a:chExt cx="0" cy="0"/>
+        </a:xfrm>
+      </p:grpSpPr>
+      <p:sp>
+        <p:nvSpPr>
+          <p:cNvPr id="2" name="Title 1">
+            <a:extLst>
+              <a:ext uri="{FF2B5EF4-FFF2-40B4-BE49-F238E27FC236}">
+                <a16:creationId xmlns:a16="http://schemas.microsoft.com/office/drawing/2014/main" id="{44507AA4-E8F1-18B6-384D-A7EAF861E7A6}"/>
+              </a:ext>
+            </a:extLst>
+          </p:cNvPr>
+          <p:cNvSpPr>
+            <a:spLocks noGrp="1"/>
+          </p:cNvSpPr>
+          <p:nvPr>
+            <p:ph type="title"/>
+          </p:nvPr>
+        </p:nvSpPr>
+        <p:spPr/>
+        <p:txBody>
+          <a:bodyPr/>
+          <a:lstStyle/>
+          <a:p>
+            <a:r>
+              <a:rPr lang="de-DE" dirty="0" err="1"/>
+              <a:t>Comparison</a:t>
+            </a:r>
+            <a:r>
+              <a:rPr lang="de-DE" dirty="0"/>
+              <a:t> </a:t>
+            </a:r>
+            <a:r>
+              <a:rPr lang="de-DE" dirty="0" err="1"/>
+              <a:t>to</a:t>
+            </a:r>
+            <a:r>
+              <a:rPr lang="de-DE" dirty="0"/>
+              <a:t> </a:t>
+            </a:r>
+            <a:r>
+              <a:rPr lang="de-DE" dirty="0" err="1"/>
+              <a:t>scikit</a:t>
+            </a:r>
+            <a:r>
+              <a:rPr lang="de-DE" dirty="0"/>
+              <a:t> </a:t>
+            </a:r>
+            <a:r>
+              <a:rPr lang="de-DE" dirty="0" err="1"/>
+              <a:t>learn</a:t>
+            </a:r>
+            <a:r>
+              <a:rPr lang="de-DE" dirty="0"/>
+              <a:t> </a:t>
+            </a:r>
+            <a:r>
+              <a:rPr lang="de-DE" dirty="0" err="1"/>
+              <a:t>DecisionTreeRegressor</a:t>
+            </a:r>
+            <a:r>
+              <a:rPr lang="de-DE" dirty="0"/>
+              <a:t> </a:t>
+            </a:r>
+            <a:endParaRPr lang="de-AT" dirty="0"/>
+          </a:p>
+        </p:txBody>
+      </p:sp>
+      <p:sp>
+        <p:nvSpPr>
+          <p:cNvPr id="3" name="Content Placeholder 2">
+            <a:extLst>
+              <a:ext uri="{FF2B5EF4-FFF2-40B4-BE49-F238E27FC236}">
+                <a16:creationId xmlns:a16="http://schemas.microsoft.com/office/drawing/2014/main" id="{20C3F7A4-DC70-2815-C3BC-43BFCD5E11B8}"/>
+              </a:ext>
+            </a:extLst>
+          </p:cNvPr>
+          <p:cNvSpPr>
+            <a:spLocks noGrp="1"/>
+          </p:cNvSpPr>
+          <p:nvPr>
+            <p:ph idx="1"/>
+          </p:nvPr>
+        </p:nvSpPr>
+        <p:spPr/>
+        <p:txBody>
+          <a:bodyPr/>
+          <a:lstStyle/>
+          <a:p>
+            <a:endParaRPr lang="de-AT"/>
+          </a:p>
+        </p:txBody>
+      </p:sp>
+    </p:spTree>
+    <p:extLst>
+      <p:ext uri="{BB962C8B-B14F-4D97-AF65-F5344CB8AC3E}">
+        <p14:creationId xmlns:p14="http://schemas.microsoft.com/office/powerpoint/2010/main" val="1949933045"/>
+      </p:ext>
+    </p:extLst>
+  </p:cSld>
+  <p:clrMapOvr>
+    <a:masterClrMapping/>
+  </p:clrMapOvr>
+</p:sld>
+</file>
+
+<file path=ppt/slides/slide8.xml><?xml version="1.0" encoding="utf-8"?>
+<p:sld xmlns:a="http://schemas.openxmlformats.org/drawingml/2006/main" xmlns:r="http://schemas.openxmlformats.org/officeDocument/2006/relationships" xmlns:p="http://schemas.openxmlformats.org/presentationml/2006/main">
+  <p:cSld>
+    <p:spTree>
+      <p:nvGrpSpPr>
+        <p:cNvPr id="1" name=""/>
+        <p:cNvGrpSpPr/>
+        <p:nvPr/>
+      </p:nvGrpSpPr>
+      <p:grpSpPr>
+        <a:xfrm>
+          <a:off x="0" y="0"/>
+          <a:ext cx="0" cy="0"/>
+          <a:chOff x="0" y="0"/>
+          <a:chExt cx="0" cy="0"/>
+        </a:xfrm>
+      </p:grpSpPr>
+      <p:sp>
+        <p:nvSpPr>
+          <p:cNvPr id="2" name="Title 1">
+            <a:extLst>
+              <a:ext uri="{FF2B5EF4-FFF2-40B4-BE49-F238E27FC236}">
+                <a16:creationId xmlns:a16="http://schemas.microsoft.com/office/drawing/2014/main" id="{ACF1EA68-71E2-CFFF-77D9-9092BD40F57C}"/>
+              </a:ext>
+            </a:extLst>
+          </p:cNvPr>
+          <p:cNvSpPr>
+            <a:spLocks noGrp="1"/>
+          </p:cNvSpPr>
+          <p:nvPr>
+            <p:ph type="title"/>
+          </p:nvPr>
+        </p:nvSpPr>
+        <p:spPr/>
+        <p:txBody>
+          <a:bodyPr/>
+          <a:lstStyle/>
+          <a:p>
+            <a:r>
+              <a:rPr lang="en-US" dirty="0"/>
+              <a:t>Comparison</a:t>
+            </a:r>
+            <a:r>
+              <a:rPr lang="de-DE" dirty="0"/>
+              <a:t> </a:t>
+            </a:r>
+            <a:r>
+              <a:rPr lang="de-DE" dirty="0" err="1"/>
+              <a:t>to</a:t>
+            </a:r>
+            <a:r>
+              <a:rPr lang="de-DE" dirty="0"/>
+              <a:t> </a:t>
+            </a:r>
+            <a:r>
+              <a:rPr lang="de-DE" dirty="0" err="1"/>
+              <a:t>scikit</a:t>
+            </a:r>
+            <a:r>
+              <a:rPr lang="de-DE" dirty="0"/>
+              <a:t> </a:t>
+            </a:r>
+            <a:r>
+              <a:rPr lang="de-DE" dirty="0" err="1"/>
+              <a:t>learn</a:t>
+            </a:r>
+            <a:r>
+              <a:rPr lang="de-DE" dirty="0"/>
+              <a:t> </a:t>
+            </a:r>
+            <a:r>
+              <a:rPr lang="de-DE" dirty="0" err="1"/>
+              <a:t>RandomForestRegressor</a:t>
+            </a:r>
+            <a:endParaRPr lang="de-AT" dirty="0"/>
+          </a:p>
+        </p:txBody>
+      </p:sp>
+      <p:sp>
+        <p:nvSpPr>
+          <p:cNvPr id="3" name="Content Placeholder 2">
+            <a:extLst>
+              <a:ext uri="{FF2B5EF4-FFF2-40B4-BE49-F238E27FC236}">
+                <a16:creationId xmlns:a16="http://schemas.microsoft.com/office/drawing/2014/main" id="{862D0347-F04C-D218-02C2-4F0512D86408}"/>
+              </a:ext>
+            </a:extLst>
+          </p:cNvPr>
+          <p:cNvSpPr>
+            <a:spLocks noGrp="1"/>
+          </p:cNvSpPr>
+          <p:nvPr>
+            <p:ph idx="1"/>
+          </p:nvPr>
+        </p:nvSpPr>
+        <p:spPr/>
+        <p:txBody>
+          <a:bodyPr/>
+          <a:lstStyle/>
+          <a:p>
+            <a:endParaRPr lang="de-AT"/>
+          </a:p>
+        </p:txBody>
+      </p:sp>
+    </p:spTree>
+    <p:extLst>
+      <p:ext uri="{BB962C8B-B14F-4D97-AF65-F5344CB8AC3E}">
+        <p14:creationId xmlns:p14="http://schemas.microsoft.com/office/powerpoint/2010/main" val="2625827110"/>
+      </p:ext>
+    </p:extLst>
+  </p:cSld>
+  <p:clrMapOvr>
+    <a:masterClrMapping/>
+  </p:clrMapOvr>
+</p:sld>
+</file>
+
+<file path=ppt/slides/slide9.xml><?xml version="1.0" encoding="utf-8"?>
+<p:sld xmlns:a="http://schemas.openxmlformats.org/drawingml/2006/main" xmlns:r="http://schemas.openxmlformats.org/officeDocument/2006/relationships" xmlns:p="http://schemas.openxmlformats.org/presentationml/2006/main">
+  <p:cSld>
+    <p:spTree>
+      <p:nvGrpSpPr>
+        <p:cNvPr id="1" name=""/>
+        <p:cNvGrpSpPr/>
+        <p:nvPr/>
+      </p:nvGrpSpPr>
+      <p:grpSpPr>
+        <a:xfrm>
+          <a:off x="0" y="0"/>
+          <a:ext cx="0" cy="0"/>
+          <a:chOff x="0" y="0"/>
+          <a:chExt cx="0" cy="0"/>
+        </a:xfrm>
+      </p:grpSpPr>
+      <p:sp>
+        <p:nvSpPr>
+          <p:cNvPr id="2" name="Title 1">
+            <a:extLst>
+              <a:ext uri="{FF2B5EF4-FFF2-40B4-BE49-F238E27FC236}">
+                <a16:creationId xmlns:a16="http://schemas.microsoft.com/office/drawing/2014/main" id="{2D8F8289-407F-B67A-7169-6CF13174AF57}"/>
+              </a:ext>
+            </a:extLst>
+          </p:cNvPr>
+          <p:cNvSpPr>
+            <a:spLocks noGrp="1"/>
+          </p:cNvSpPr>
+          <p:nvPr>
+            <p:ph type="title"/>
+          </p:nvPr>
+        </p:nvSpPr>
+        <p:spPr/>
+        <p:txBody>
+          <a:bodyPr/>
+          <a:lstStyle/>
+          <a:p>
+            <a:r>
+              <a:rPr lang="de-DE" dirty="0" err="1"/>
+              <a:t>Comparison</a:t>
+            </a:r>
+            <a:r>
+              <a:rPr lang="de-DE" dirty="0"/>
+              <a:t> </a:t>
+            </a:r>
+            <a:r>
+              <a:rPr lang="de-DE" dirty="0" err="1"/>
+              <a:t>to</a:t>
+            </a:r>
+            <a:r>
+              <a:rPr lang="de-DE" dirty="0"/>
+              <a:t> LLM </a:t>
+            </a:r>
+            <a:r>
+              <a:rPr lang="de-DE" dirty="0" err="1"/>
+              <a:t>version</a:t>
+            </a:r>
+            <a:endParaRPr lang="de-AT" dirty="0"/>
+          </a:p>
+        </p:txBody>
+      </p:sp>
+      <p:sp>
+        <p:nvSpPr>
+          <p:cNvPr id="3" name="Content Placeholder 2">
+            <a:extLst>
+              <a:ext uri="{FF2B5EF4-FFF2-40B4-BE49-F238E27FC236}">
+                <a16:creationId xmlns:a16="http://schemas.microsoft.com/office/drawing/2014/main" id="{0358DEBD-0580-CCFC-97FB-D946EFFD3344}"/>
+              </a:ext>
+            </a:extLst>
+          </p:cNvPr>
+          <p:cNvSpPr>
+            <a:spLocks noGrp="1"/>
+          </p:cNvSpPr>
+          <p:nvPr>
+            <p:ph idx="1"/>
+          </p:nvPr>
+        </p:nvSpPr>
+        <p:spPr/>
+        <p:txBody>
+          <a:bodyPr/>
+          <a:lstStyle/>
+          <a:p>
+            <a:endParaRPr lang="de-AT"/>
+          </a:p>
+        </p:txBody>
+      </p:sp>
+    </p:spTree>
+    <p:extLst>
+      <p:ext uri="{BB962C8B-B14F-4D97-AF65-F5344CB8AC3E}">
+        <p14:creationId xmlns:p14="http://schemas.microsoft.com/office/powerpoint/2010/main" val="271810423"/>
       </p:ext>
     </p:extLst>
   </p:cSld>

--- a/ex2/Exercise_2_ppt.pptx
+++ b/ex2/Exercise_2_ppt.pptx
@@ -126,17 +126,25 @@
 </p:presentation>
 </file>
 
+<file path=ppt/revisionInfo.xml><?xml version="1.0" encoding="utf-8"?>
+<p1510:revInfo xmlns:a="http://schemas.openxmlformats.org/drawingml/2006/main" xmlns:r="http://schemas.openxmlformats.org/officeDocument/2006/relationships" xmlns:p1510="http://schemas.microsoft.com/office/powerpoint/2015/10/main">
+  <p1510:revLst>
+    <p1510:client id="{C41F04A2-1B58-4C51-987F-CBD3CF99D29E}" v="3" dt="2024-12-15T18:34:46.001"/>
+  </p1510:revLst>
+</p1510:revInfo>
+</file>
+
 <file path=ppt/changesInfos/changesInfo1.xml><?xml version="1.0" encoding="utf-8"?>
 <pc:chgInfo xmlns:a="http://schemas.openxmlformats.org/drawingml/2006/main" xmlns:r="http://schemas.openxmlformats.org/officeDocument/2006/relationships" xmlns:ac="http://schemas.microsoft.com/office/drawing/2013/main/command" xmlns:pc="http://schemas.microsoft.com/office/powerpoint/2013/main/command">
   <pc:docChgLst>
     <pc:chgData name="Haubenburger, Gabriel" userId="d79be2aa-0303-4748-b5e6-c8202455e92e" providerId="ADAL" clId="{C41F04A2-1B58-4C51-987F-CBD3CF99D29E}"/>
-    <pc:docChg chg="addSld modSld sldOrd">
-      <pc:chgData name="Haubenburger, Gabriel" userId="d79be2aa-0303-4748-b5e6-c8202455e92e" providerId="ADAL" clId="{C41F04A2-1B58-4C51-987F-CBD3CF99D29E}" dt="2024-12-15T14:42:22.649" v="296" actId="20577"/>
+    <pc:docChg chg="undo custSel addSld modSld sldOrd">
+      <pc:chgData name="Haubenburger, Gabriel" userId="d79be2aa-0303-4748-b5e6-c8202455e92e" providerId="ADAL" clId="{C41F04A2-1B58-4C51-987F-CBD3CF99D29E}" dt="2024-12-15T18:37:24.439" v="753" actId="20577"/>
       <pc:docMkLst>
         <pc:docMk/>
       </pc:docMkLst>
       <pc:sldChg chg="modSp mod">
-        <pc:chgData name="Haubenburger, Gabriel" userId="d79be2aa-0303-4748-b5e6-c8202455e92e" providerId="ADAL" clId="{C41F04A2-1B58-4C51-987F-CBD3CF99D29E}" dt="2024-12-15T14:36:35.033" v="20" actId="20577"/>
+        <pc:chgData name="Haubenburger, Gabriel" userId="d79be2aa-0303-4748-b5e6-c8202455e92e" providerId="ADAL" clId="{C41F04A2-1B58-4C51-987F-CBD3CF99D29E}" dt="2024-12-15T18:30:27.216" v="420" actId="20577"/>
         <pc:sldMkLst>
           <pc:docMk/>
           <pc:sldMk cId="3647451211" sldId="257"/>
@@ -149,24 +157,40 @@
             <ac:spMk id="2" creationId="{76FF67D3-B55B-1A2C-CABD-B97CE0F8F85D}"/>
           </ac:spMkLst>
         </pc:spChg>
+        <pc:spChg chg="mod">
+          <ac:chgData name="Haubenburger, Gabriel" userId="d79be2aa-0303-4748-b5e6-c8202455e92e" providerId="ADAL" clId="{C41F04A2-1B58-4C51-987F-CBD3CF99D29E}" dt="2024-12-15T18:30:27.216" v="420" actId="20577"/>
+          <ac:spMkLst>
+            <pc:docMk/>
+            <pc:sldMk cId="3647451211" sldId="257"/>
+            <ac:spMk id="3" creationId="{81CB7FBD-1F71-A08C-1886-60F43C36D18B}"/>
+          </ac:spMkLst>
+        </pc:spChg>
       </pc:sldChg>
       <pc:sldChg chg="modSp new mod">
-        <pc:chgData name="Haubenburger, Gabriel" userId="d79be2aa-0303-4748-b5e6-c8202455e92e" providerId="ADAL" clId="{C41F04A2-1B58-4C51-987F-CBD3CF99D29E}" dt="2024-12-15T14:37:10.018" v="45" actId="20577"/>
+        <pc:chgData name="Haubenburger, Gabriel" userId="d79be2aa-0303-4748-b5e6-c8202455e92e" providerId="ADAL" clId="{C41F04A2-1B58-4C51-987F-CBD3CF99D29E}" dt="2024-12-15T18:35:41.124" v="541" actId="790"/>
         <pc:sldMkLst>
           <pc:docMk/>
           <pc:sldMk cId="225849889" sldId="258"/>
         </pc:sldMkLst>
         <pc:spChg chg="mod">
-          <ac:chgData name="Haubenburger, Gabriel" userId="d79be2aa-0303-4748-b5e6-c8202455e92e" providerId="ADAL" clId="{C41F04A2-1B58-4C51-987F-CBD3CF99D29E}" dt="2024-12-15T14:37:10.018" v="45" actId="20577"/>
+          <ac:chgData name="Haubenburger, Gabriel" userId="d79be2aa-0303-4748-b5e6-c8202455e92e" providerId="ADAL" clId="{C41F04A2-1B58-4C51-987F-CBD3CF99D29E}" dt="2024-12-15T18:32:57.209" v="462" actId="790"/>
           <ac:spMkLst>
             <pc:docMk/>
             <pc:sldMk cId="225849889" sldId="258"/>
             <ac:spMk id="2" creationId="{D53941FA-7273-3406-419C-D52C9C290FFD}"/>
           </ac:spMkLst>
         </pc:spChg>
+        <pc:spChg chg="mod">
+          <ac:chgData name="Haubenburger, Gabriel" userId="d79be2aa-0303-4748-b5e6-c8202455e92e" providerId="ADAL" clId="{C41F04A2-1B58-4C51-987F-CBD3CF99D29E}" dt="2024-12-15T18:35:41.124" v="541" actId="790"/>
+          <ac:spMkLst>
+            <pc:docMk/>
+            <pc:sldMk cId="225849889" sldId="258"/>
+            <ac:spMk id="3" creationId="{BB3969EE-A50A-F4A8-56A6-D2F56033ADBA}"/>
+          </ac:spMkLst>
+        </pc:spChg>
       </pc:sldChg>
       <pc:sldChg chg="modSp new mod">
-        <pc:chgData name="Haubenburger, Gabriel" userId="d79be2aa-0303-4748-b5e6-c8202455e92e" providerId="ADAL" clId="{C41F04A2-1B58-4C51-987F-CBD3CF99D29E}" dt="2024-12-15T14:37:17.361" v="68" actId="20577"/>
+        <pc:chgData name="Haubenburger, Gabriel" userId="d79be2aa-0303-4748-b5e6-c8202455e92e" providerId="ADAL" clId="{C41F04A2-1B58-4C51-987F-CBD3CF99D29E}" dt="2024-12-15T18:37:24.439" v="753" actId="20577"/>
         <pc:sldMkLst>
           <pc:docMk/>
           <pc:sldMk cId="4244075057" sldId="259"/>
@@ -179,30 +203,46 @@
             <ac:spMk id="2" creationId="{D00F6813-54FC-527F-C6A4-D8A65970CE8E}"/>
           </ac:spMkLst>
         </pc:spChg>
+        <pc:spChg chg="mod">
+          <ac:chgData name="Haubenburger, Gabriel" userId="d79be2aa-0303-4748-b5e6-c8202455e92e" providerId="ADAL" clId="{C41F04A2-1B58-4C51-987F-CBD3CF99D29E}" dt="2024-12-15T18:37:24.439" v="753" actId="20577"/>
+          <ac:spMkLst>
+            <pc:docMk/>
+            <pc:sldMk cId="4244075057" sldId="259"/>
+            <ac:spMk id="3" creationId="{BC38231A-ECB4-0153-0411-F74632AD3135}"/>
+          </ac:spMkLst>
+        </pc:spChg>
       </pc:sldChg>
       <pc:sldChg chg="modSp new mod ord">
-        <pc:chgData name="Haubenburger, Gabriel" userId="d79be2aa-0303-4748-b5e6-c8202455e92e" providerId="ADAL" clId="{C41F04A2-1B58-4C51-987F-CBD3CF99D29E}" dt="2024-12-15T14:37:35.113" v="83" actId="20577"/>
+        <pc:chgData name="Haubenburger, Gabriel" userId="d79be2aa-0303-4748-b5e6-c8202455e92e" providerId="ADAL" clId="{C41F04A2-1B58-4C51-987F-CBD3CF99D29E}" dt="2024-12-15T18:34:39.875" v="470" actId="790"/>
         <pc:sldMkLst>
           <pc:docMk/>
           <pc:sldMk cId="156605029" sldId="260"/>
         </pc:sldMkLst>
         <pc:spChg chg="mod">
-          <ac:chgData name="Haubenburger, Gabriel" userId="d79be2aa-0303-4748-b5e6-c8202455e92e" providerId="ADAL" clId="{C41F04A2-1B58-4C51-987F-CBD3CF99D29E}" dt="2024-12-15T14:37:35.113" v="83" actId="20577"/>
+          <ac:chgData name="Haubenburger, Gabriel" userId="d79be2aa-0303-4748-b5e6-c8202455e92e" providerId="ADAL" clId="{C41F04A2-1B58-4C51-987F-CBD3CF99D29E}" dt="2024-12-15T18:34:39.875" v="470" actId="790"/>
           <ac:spMkLst>
             <pc:docMk/>
             <pc:sldMk cId="156605029" sldId="260"/>
             <ac:spMk id="2" creationId="{43E5E657-5791-8DDB-8C86-08F40B5DA77F}"/>
           </ac:spMkLst>
         </pc:spChg>
+        <pc:spChg chg="mod">
+          <ac:chgData name="Haubenburger, Gabriel" userId="d79be2aa-0303-4748-b5e6-c8202455e92e" providerId="ADAL" clId="{C41F04A2-1B58-4C51-987F-CBD3CF99D29E}" dt="2024-12-15T18:34:39.875" v="470" actId="790"/>
+          <ac:spMkLst>
+            <pc:docMk/>
+            <pc:sldMk cId="156605029" sldId="260"/>
+            <ac:spMk id="3" creationId="{FFBFFA5E-236F-3279-8F0F-D69DEC44B6B0}"/>
+          </ac:spMkLst>
+        </pc:spChg>
       </pc:sldChg>
       <pc:sldChg chg="modSp new mod">
-        <pc:chgData name="Haubenburger, Gabriel" userId="d79be2aa-0303-4748-b5e6-c8202455e92e" providerId="ADAL" clId="{C41F04A2-1B58-4C51-987F-CBD3CF99D29E}" dt="2024-12-15T14:38:36.441" v="116" actId="20577"/>
+        <pc:chgData name="Haubenburger, Gabriel" userId="d79be2aa-0303-4748-b5e6-c8202455e92e" providerId="ADAL" clId="{C41F04A2-1B58-4C51-987F-CBD3CF99D29E}" dt="2024-12-15T18:33:12.835" v="463" actId="790"/>
         <pc:sldMkLst>
           <pc:docMk/>
           <pc:sldMk cId="2778680789" sldId="261"/>
         </pc:sldMkLst>
         <pc:spChg chg="mod">
-          <ac:chgData name="Haubenburger, Gabriel" userId="d79be2aa-0303-4748-b5e6-c8202455e92e" providerId="ADAL" clId="{C41F04A2-1B58-4C51-987F-CBD3CF99D29E}" dt="2024-12-15T14:38:36.441" v="116" actId="20577"/>
+          <ac:chgData name="Haubenburger, Gabriel" userId="d79be2aa-0303-4748-b5e6-c8202455e92e" providerId="ADAL" clId="{C41F04A2-1B58-4C51-987F-CBD3CF99D29E}" dt="2024-12-15T18:33:12.835" v="463" actId="790"/>
           <ac:spMkLst>
             <pc:docMk/>
             <pc:sldMk cId="2778680789" sldId="261"/>
@@ -211,13 +251,13 @@
         </pc:spChg>
       </pc:sldChg>
       <pc:sldChg chg="modSp new mod">
-        <pc:chgData name="Haubenburger, Gabriel" userId="d79be2aa-0303-4748-b5e6-c8202455e92e" providerId="ADAL" clId="{C41F04A2-1B58-4C51-987F-CBD3CF99D29E}" dt="2024-12-15T14:41:34.945" v="286" actId="20577"/>
+        <pc:chgData name="Haubenburger, Gabriel" userId="d79be2aa-0303-4748-b5e6-c8202455e92e" providerId="ADAL" clId="{C41F04A2-1B58-4C51-987F-CBD3CF99D29E}" dt="2024-12-15T18:34:26.137" v="469" actId="790"/>
         <pc:sldMkLst>
           <pc:docMk/>
           <pc:sldMk cId="2625827110" sldId="262"/>
         </pc:sldMkLst>
         <pc:spChg chg="mod">
-          <ac:chgData name="Haubenburger, Gabriel" userId="d79be2aa-0303-4748-b5e6-c8202455e92e" providerId="ADAL" clId="{C41F04A2-1B58-4C51-987F-CBD3CF99D29E}" dt="2024-12-15T14:41:34.945" v="286" actId="20577"/>
+          <ac:chgData name="Haubenburger, Gabriel" userId="d79be2aa-0303-4748-b5e6-c8202455e92e" providerId="ADAL" clId="{C41F04A2-1B58-4C51-987F-CBD3CF99D29E}" dt="2024-12-15T18:34:26.137" v="469" actId="790"/>
           <ac:spMkLst>
             <pc:docMk/>
             <pc:sldMk cId="2625827110" sldId="262"/>
@@ -226,13 +266,13 @@
         </pc:spChg>
       </pc:sldChg>
       <pc:sldChg chg="modSp new mod">
-        <pc:chgData name="Haubenburger, Gabriel" userId="d79be2aa-0303-4748-b5e6-c8202455e92e" providerId="ADAL" clId="{C41F04A2-1B58-4C51-987F-CBD3CF99D29E}" dt="2024-12-15T14:39:29.385" v="193" actId="20577"/>
+        <pc:chgData name="Haubenburger, Gabriel" userId="d79be2aa-0303-4748-b5e6-c8202455e92e" providerId="ADAL" clId="{C41F04A2-1B58-4C51-987F-CBD3CF99D29E}" dt="2024-12-15T18:33:53.071" v="465" actId="790"/>
         <pc:sldMkLst>
           <pc:docMk/>
           <pc:sldMk cId="271810423" sldId="263"/>
         </pc:sldMkLst>
         <pc:spChg chg="mod">
-          <ac:chgData name="Haubenburger, Gabriel" userId="d79be2aa-0303-4748-b5e6-c8202455e92e" providerId="ADAL" clId="{C41F04A2-1B58-4C51-987F-CBD3CF99D29E}" dt="2024-12-15T14:39:29.385" v="193" actId="20577"/>
+          <ac:chgData name="Haubenburger, Gabriel" userId="d79be2aa-0303-4748-b5e6-c8202455e92e" providerId="ADAL" clId="{C41F04A2-1B58-4C51-987F-CBD3CF99D29E}" dt="2024-12-15T18:33:53.071" v="465" actId="790"/>
           <ac:spMkLst>
             <pc:docMk/>
             <pc:sldMk cId="271810423" sldId="263"/>
@@ -241,13 +281,13 @@
         </pc:spChg>
       </pc:sldChg>
       <pc:sldChg chg="modSp new mod ord">
-        <pc:chgData name="Haubenburger, Gabriel" userId="d79be2aa-0303-4748-b5e6-c8202455e92e" providerId="ADAL" clId="{C41F04A2-1B58-4C51-987F-CBD3CF99D29E}" dt="2024-12-15T14:41:25.913" v="264" actId="20577"/>
+        <pc:chgData name="Haubenburger, Gabriel" userId="d79be2aa-0303-4748-b5e6-c8202455e92e" providerId="ADAL" clId="{C41F04A2-1B58-4C51-987F-CBD3CF99D29E}" dt="2024-12-15T18:33:20.022" v="464" actId="790"/>
         <pc:sldMkLst>
           <pc:docMk/>
           <pc:sldMk cId="1949933045" sldId="264"/>
         </pc:sldMkLst>
         <pc:spChg chg="mod">
-          <ac:chgData name="Haubenburger, Gabriel" userId="d79be2aa-0303-4748-b5e6-c8202455e92e" providerId="ADAL" clId="{C41F04A2-1B58-4C51-987F-CBD3CF99D29E}" dt="2024-12-15T14:41:25.913" v="264" actId="20577"/>
+          <ac:chgData name="Haubenburger, Gabriel" userId="d79be2aa-0303-4748-b5e6-c8202455e92e" providerId="ADAL" clId="{C41F04A2-1B58-4C51-987F-CBD3CF99D29E}" dt="2024-12-15T18:33:20.022" v="464" actId="790"/>
           <ac:spMkLst>
             <pc:docMk/>
             <pc:sldMk cId="1949933045" sldId="264"/>
@@ -256,13 +296,13 @@
         </pc:spChg>
       </pc:sldChg>
       <pc:sldChg chg="modSp new mod">
-        <pc:chgData name="Haubenburger, Gabriel" userId="d79be2aa-0303-4748-b5e6-c8202455e92e" providerId="ADAL" clId="{C41F04A2-1B58-4C51-987F-CBD3CF99D29E}" dt="2024-12-15T14:42:22.649" v="296" actId="20577"/>
+        <pc:chgData name="Haubenburger, Gabriel" userId="d79be2aa-0303-4748-b5e6-c8202455e92e" providerId="ADAL" clId="{C41F04A2-1B58-4C51-987F-CBD3CF99D29E}" dt="2024-12-15T18:34:00.480" v="466" actId="790"/>
         <pc:sldMkLst>
           <pc:docMk/>
           <pc:sldMk cId="3637246051" sldId="265"/>
         </pc:sldMkLst>
         <pc:spChg chg="mod">
-          <ac:chgData name="Haubenburger, Gabriel" userId="d79be2aa-0303-4748-b5e6-c8202455e92e" providerId="ADAL" clId="{C41F04A2-1B58-4C51-987F-CBD3CF99D29E}" dt="2024-12-15T14:42:22.649" v="296" actId="20577"/>
+          <ac:chgData name="Haubenburger, Gabriel" userId="d79be2aa-0303-4748-b5e6-c8202455e92e" providerId="ADAL" clId="{C41F04A2-1B58-4C51-987F-CBD3CF99D29E}" dt="2024-12-15T18:34:00.480" v="466" actId="790"/>
           <ac:spMkLst>
             <pc:docMk/>
             <pc:sldMk cId="3637246051" sldId="265"/>
@@ -498,7 +538,7 @@
               <a:rPr lang="en-IN" smtClean="0"/>
               <a:t>15-12-2024</a:t>
             </a:fld>
-            <a:endParaRPr lang="en-IN"/>
+            <a:endParaRPr lang="en-IN" dirty="0"/>
           </a:p>
         </p:txBody>
       </p:sp>
@@ -517,7 +557,7 @@
           <a:bodyPr/>
           <a:lstStyle/>
           <a:p>
-            <a:endParaRPr lang="en-IN"/>
+            <a:endParaRPr lang="en-IN" dirty="0"/>
           </a:p>
         </p:txBody>
       </p:sp>
@@ -540,7 +580,7 @@
               <a:rPr lang="en-IN" smtClean="0"/>
               <a:t>‹#›</a:t>
             </a:fld>
-            <a:endParaRPr lang="en-IN"/>
+            <a:endParaRPr lang="en-IN" dirty="0"/>
           </a:p>
         </p:txBody>
       </p:sp>
@@ -680,10 +720,9 @@
           </a:lstStyle>
           <a:p>
             <a:r>
-              <a:rPr lang="en-US"/>
+              <a:rPr lang="en-US" dirty="0"/>
               <a:t>Click icon to add picture</a:t>
             </a:r>
-            <a:endParaRPr lang="en-US" dirty="0"/>
           </a:p>
         </p:txBody>
       </p:sp>
@@ -773,7 +812,7 @@
               <a:rPr lang="en-IN" smtClean="0"/>
               <a:t>15-12-2024</a:t>
             </a:fld>
-            <a:endParaRPr lang="en-IN"/>
+            <a:endParaRPr lang="en-IN" dirty="0"/>
           </a:p>
         </p:txBody>
       </p:sp>
@@ -792,7 +831,7 @@
           <a:bodyPr/>
           <a:lstStyle/>
           <a:p>
-            <a:endParaRPr lang="en-IN"/>
+            <a:endParaRPr lang="en-IN" dirty="0"/>
           </a:p>
         </p:txBody>
       </p:sp>
@@ -815,7 +854,7 @@
               <a:rPr lang="en-IN" smtClean="0"/>
               <a:t>‹#›</a:t>
             </a:fld>
-            <a:endParaRPr lang="en-IN"/>
+            <a:endParaRPr lang="en-IN" dirty="0"/>
           </a:p>
         </p:txBody>
       </p:sp>
@@ -967,7 +1006,7 @@
               <a:rPr lang="en-IN" smtClean="0"/>
               <a:t>15-12-2024</a:t>
             </a:fld>
-            <a:endParaRPr lang="en-IN"/>
+            <a:endParaRPr lang="en-IN" dirty="0"/>
           </a:p>
         </p:txBody>
       </p:sp>
@@ -986,7 +1025,7 @@
           <a:bodyPr/>
           <a:lstStyle/>
           <a:p>
-            <a:endParaRPr lang="en-IN"/>
+            <a:endParaRPr lang="en-IN" dirty="0"/>
           </a:p>
         </p:txBody>
       </p:sp>
@@ -1009,7 +1048,7 @@
               <a:rPr lang="en-IN" smtClean="0"/>
               <a:t>‹#›</a:t>
             </a:fld>
-            <a:endParaRPr lang="en-IN"/>
+            <a:endParaRPr lang="en-IN" dirty="0"/>
           </a:p>
         </p:txBody>
       </p:sp>
@@ -1240,7 +1279,7 @@
               <a:rPr lang="en-IN" smtClean="0"/>
               <a:t>15-12-2024</a:t>
             </a:fld>
-            <a:endParaRPr lang="en-IN"/>
+            <a:endParaRPr lang="en-IN" dirty="0"/>
           </a:p>
         </p:txBody>
       </p:sp>
@@ -1259,7 +1298,7 @@
           <a:bodyPr/>
           <a:lstStyle/>
           <a:p>
-            <a:endParaRPr lang="en-IN"/>
+            <a:endParaRPr lang="en-IN" dirty="0"/>
           </a:p>
         </p:txBody>
       </p:sp>
@@ -1282,7 +1321,7 @@
               <a:rPr lang="en-IN" smtClean="0"/>
               <a:t>‹#›</a:t>
             </a:fld>
-            <a:endParaRPr lang="en-IN"/>
+            <a:endParaRPr lang="en-IN" dirty="0"/>
           </a:p>
         </p:txBody>
       </p:sp>
@@ -1581,7 +1620,7 @@
               <a:rPr lang="en-IN" smtClean="0"/>
               <a:t>15-12-2024</a:t>
             </a:fld>
-            <a:endParaRPr lang="en-IN"/>
+            <a:endParaRPr lang="en-IN" dirty="0"/>
           </a:p>
         </p:txBody>
       </p:sp>
@@ -1600,7 +1639,7 @@
           <a:bodyPr/>
           <a:lstStyle/>
           <a:p>
-            <a:endParaRPr lang="en-IN"/>
+            <a:endParaRPr lang="en-IN" dirty="0"/>
           </a:p>
         </p:txBody>
       </p:sp>
@@ -1623,7 +1662,7 @@
               <a:rPr lang="en-IN" smtClean="0"/>
               <a:t>‹#›</a:t>
             </a:fld>
-            <a:endParaRPr lang="en-IN"/>
+            <a:endParaRPr lang="en-IN" dirty="0"/>
           </a:p>
         </p:txBody>
       </p:sp>
@@ -2204,7 +2243,7 @@
               <a:rPr lang="en-IN" smtClean="0"/>
               <a:t>15-12-2024</a:t>
             </a:fld>
-            <a:endParaRPr lang="en-IN"/>
+            <a:endParaRPr lang="en-IN" dirty="0"/>
           </a:p>
         </p:txBody>
       </p:sp>
@@ -2223,7 +2262,7 @@
           <a:bodyPr/>
           <a:lstStyle/>
           <a:p>
-            <a:endParaRPr lang="en-IN"/>
+            <a:endParaRPr lang="en-IN" dirty="0"/>
           </a:p>
         </p:txBody>
       </p:sp>
@@ -2246,7 +2285,7 @@
               <a:rPr lang="en-IN" smtClean="0"/>
               <a:t>‹#›</a:t>
             </a:fld>
-            <a:endParaRPr lang="en-IN"/>
+            <a:endParaRPr lang="en-IN" dirty="0"/>
           </a:p>
         </p:txBody>
       </p:sp>
@@ -2453,10 +2492,9 @@
           </a:lstStyle>
           <a:p>
             <a:r>
-              <a:rPr lang="en-US"/>
+              <a:rPr lang="en-US" dirty="0"/>
               <a:t>Click icon to add picture</a:t>
             </a:r>
-            <a:endParaRPr lang="en-US" dirty="0"/>
           </a:p>
         </p:txBody>
       </p:sp>
@@ -2673,10 +2711,9 @@
           </a:lstStyle>
           <a:p>
             <a:r>
-              <a:rPr lang="en-US"/>
+              <a:rPr lang="en-US" dirty="0"/>
               <a:t>Click icon to add picture</a:t>
             </a:r>
-            <a:endParaRPr lang="en-US" dirty="0"/>
           </a:p>
         </p:txBody>
       </p:sp>
@@ -2893,10 +2930,9 @@
           </a:lstStyle>
           <a:p>
             <a:r>
-              <a:rPr lang="en-US"/>
+              <a:rPr lang="en-US" dirty="0"/>
               <a:t>Click icon to add picture</a:t>
             </a:r>
-            <a:endParaRPr lang="en-US" dirty="0"/>
           </a:p>
         </p:txBody>
       </p:sp>
@@ -3064,7 +3100,7 @@
               <a:rPr lang="en-IN" smtClean="0"/>
               <a:t>15-12-2024</a:t>
             </a:fld>
-            <a:endParaRPr lang="en-IN"/>
+            <a:endParaRPr lang="en-IN" dirty="0"/>
           </a:p>
         </p:txBody>
       </p:sp>
@@ -3083,7 +3119,7 @@
           <a:bodyPr/>
           <a:lstStyle/>
           <a:p>
-            <a:endParaRPr lang="en-IN"/>
+            <a:endParaRPr lang="en-IN" dirty="0"/>
           </a:p>
         </p:txBody>
       </p:sp>
@@ -3106,7 +3142,7 @@
               <a:rPr lang="en-IN" smtClean="0"/>
               <a:t>‹#›</a:t>
             </a:fld>
-            <a:endParaRPr lang="en-IN"/>
+            <a:endParaRPr lang="en-IN" dirty="0"/>
           </a:p>
         </p:txBody>
       </p:sp>
@@ -3234,7 +3270,7 @@
               <a:rPr lang="en-IN" smtClean="0"/>
               <a:t>15-12-2024</a:t>
             </a:fld>
-            <a:endParaRPr lang="en-IN"/>
+            <a:endParaRPr lang="en-IN" dirty="0"/>
           </a:p>
         </p:txBody>
       </p:sp>
@@ -3253,7 +3289,7 @@
           <a:bodyPr/>
           <a:lstStyle/>
           <a:p>
-            <a:endParaRPr lang="en-IN"/>
+            <a:endParaRPr lang="en-IN" dirty="0"/>
           </a:p>
         </p:txBody>
       </p:sp>
@@ -3276,7 +3312,7 @@
               <a:rPr lang="en-IN" smtClean="0"/>
               <a:t>‹#›</a:t>
             </a:fld>
-            <a:endParaRPr lang="en-IN"/>
+            <a:endParaRPr lang="en-IN" dirty="0"/>
           </a:p>
         </p:txBody>
       </p:sp>
@@ -3414,7 +3450,7 @@
               <a:rPr lang="en-IN" smtClean="0"/>
               <a:t>15-12-2024</a:t>
             </a:fld>
-            <a:endParaRPr lang="en-IN"/>
+            <a:endParaRPr lang="en-IN" dirty="0"/>
           </a:p>
         </p:txBody>
       </p:sp>
@@ -3433,7 +3469,7 @@
           <a:bodyPr/>
           <a:lstStyle/>
           <a:p>
-            <a:endParaRPr lang="en-IN"/>
+            <a:endParaRPr lang="en-IN" dirty="0"/>
           </a:p>
         </p:txBody>
       </p:sp>
@@ -3456,7 +3492,7 @@
               <a:rPr lang="en-IN" smtClean="0"/>
               <a:t>‹#›</a:t>
             </a:fld>
-            <a:endParaRPr lang="en-IN"/>
+            <a:endParaRPr lang="en-IN" dirty="0"/>
           </a:p>
         </p:txBody>
       </p:sp>
@@ -3584,7 +3620,7 @@
               <a:rPr lang="en-IN" smtClean="0"/>
               <a:t>15-12-2024</a:t>
             </a:fld>
-            <a:endParaRPr lang="en-IN"/>
+            <a:endParaRPr lang="en-IN" dirty="0"/>
           </a:p>
         </p:txBody>
       </p:sp>
@@ -3603,7 +3639,7 @@
           <a:bodyPr/>
           <a:lstStyle/>
           <a:p>
-            <a:endParaRPr lang="en-IN"/>
+            <a:endParaRPr lang="en-IN" dirty="0"/>
           </a:p>
         </p:txBody>
       </p:sp>
@@ -3626,7 +3662,7 @@
               <a:rPr lang="en-IN" smtClean="0"/>
               <a:t>‹#›</a:t>
             </a:fld>
-            <a:endParaRPr lang="en-IN"/>
+            <a:endParaRPr lang="en-IN" dirty="0"/>
           </a:p>
         </p:txBody>
       </p:sp>
@@ -3831,7 +3867,7 @@
               <a:rPr lang="en-IN" smtClean="0"/>
               <a:t>15-12-2024</a:t>
             </a:fld>
-            <a:endParaRPr lang="en-IN"/>
+            <a:endParaRPr lang="en-IN" dirty="0"/>
           </a:p>
         </p:txBody>
       </p:sp>
@@ -3850,7 +3886,7 @@
           <a:bodyPr/>
           <a:lstStyle/>
           <a:p>
-            <a:endParaRPr lang="en-IN"/>
+            <a:endParaRPr lang="en-IN" dirty="0"/>
           </a:p>
         </p:txBody>
       </p:sp>
@@ -3873,7 +3909,7 @@
               <a:rPr lang="en-IN" smtClean="0"/>
               <a:t>‹#›</a:t>
             </a:fld>
-            <a:endParaRPr lang="en-IN"/>
+            <a:endParaRPr lang="en-IN" dirty="0"/>
           </a:p>
         </p:txBody>
       </p:sp>
@@ -4123,7 +4159,7 @@
               <a:rPr lang="en-IN" smtClean="0"/>
               <a:t>15-12-2024</a:t>
             </a:fld>
-            <a:endParaRPr lang="en-IN"/>
+            <a:endParaRPr lang="en-IN" dirty="0"/>
           </a:p>
         </p:txBody>
       </p:sp>
@@ -4142,7 +4178,7 @@
           <a:bodyPr/>
           <a:lstStyle/>
           <a:p>
-            <a:endParaRPr lang="en-IN"/>
+            <a:endParaRPr lang="en-IN" dirty="0"/>
           </a:p>
         </p:txBody>
       </p:sp>
@@ -4165,7 +4201,7 @@
               <a:rPr lang="en-IN" smtClean="0"/>
               <a:t>‹#›</a:t>
             </a:fld>
-            <a:endParaRPr lang="en-IN"/>
+            <a:endParaRPr lang="en-IN" dirty="0"/>
           </a:p>
         </p:txBody>
       </p:sp>
@@ -4567,7 +4603,7 @@
               <a:rPr lang="en-IN" smtClean="0"/>
               <a:t>15-12-2024</a:t>
             </a:fld>
-            <a:endParaRPr lang="en-IN"/>
+            <a:endParaRPr lang="en-IN" dirty="0"/>
           </a:p>
         </p:txBody>
       </p:sp>
@@ -4586,7 +4622,7 @@
           <a:bodyPr/>
           <a:lstStyle/>
           <a:p>
-            <a:endParaRPr lang="en-IN"/>
+            <a:endParaRPr lang="en-IN" dirty="0"/>
           </a:p>
         </p:txBody>
       </p:sp>
@@ -4609,7 +4645,7 @@
               <a:rPr lang="en-IN" smtClean="0"/>
               <a:t>‹#›</a:t>
             </a:fld>
-            <a:endParaRPr lang="en-IN"/>
+            <a:endParaRPr lang="en-IN" dirty="0"/>
           </a:p>
         </p:txBody>
       </p:sp>
@@ -4685,7 +4721,7 @@
               <a:rPr lang="en-IN" smtClean="0"/>
               <a:t>15-12-2024</a:t>
             </a:fld>
-            <a:endParaRPr lang="en-IN"/>
+            <a:endParaRPr lang="en-IN" dirty="0"/>
           </a:p>
         </p:txBody>
       </p:sp>
@@ -4704,7 +4740,7 @@
           <a:bodyPr/>
           <a:lstStyle/>
           <a:p>
-            <a:endParaRPr lang="en-IN"/>
+            <a:endParaRPr lang="en-IN" dirty="0"/>
           </a:p>
         </p:txBody>
       </p:sp>
@@ -4727,7 +4763,7 @@
               <a:rPr lang="en-IN" smtClean="0"/>
               <a:t>‹#›</a:t>
             </a:fld>
-            <a:endParaRPr lang="en-IN"/>
+            <a:endParaRPr lang="en-IN" dirty="0"/>
           </a:p>
         </p:txBody>
       </p:sp>
@@ -4780,7 +4816,7 @@
               <a:rPr lang="en-IN" smtClean="0"/>
               <a:t>15-12-2024</a:t>
             </a:fld>
-            <a:endParaRPr lang="en-IN"/>
+            <a:endParaRPr lang="en-IN" dirty="0"/>
           </a:p>
         </p:txBody>
       </p:sp>
@@ -4799,7 +4835,7 @@
           <a:bodyPr/>
           <a:lstStyle/>
           <a:p>
-            <a:endParaRPr lang="en-IN"/>
+            <a:endParaRPr lang="en-IN" dirty="0"/>
           </a:p>
         </p:txBody>
       </p:sp>
@@ -4822,7 +4858,7 @@
               <a:rPr lang="en-IN" smtClean="0"/>
               <a:t>‹#›</a:t>
             </a:fld>
-            <a:endParaRPr lang="en-IN"/>
+            <a:endParaRPr lang="en-IN" dirty="0"/>
           </a:p>
         </p:txBody>
       </p:sp>
@@ -5059,7 +5095,7 @@
               <a:rPr lang="en-IN" smtClean="0"/>
               <a:t>15-12-2024</a:t>
             </a:fld>
-            <a:endParaRPr lang="en-IN"/>
+            <a:endParaRPr lang="en-IN" dirty="0"/>
           </a:p>
         </p:txBody>
       </p:sp>
@@ -5078,7 +5114,7 @@
           <a:bodyPr/>
           <a:lstStyle/>
           <a:p>
-            <a:endParaRPr lang="en-IN"/>
+            <a:endParaRPr lang="en-IN" dirty="0"/>
           </a:p>
         </p:txBody>
       </p:sp>
@@ -5101,7 +5137,7 @@
               <a:rPr lang="en-IN" smtClean="0"/>
               <a:t>‹#›</a:t>
             </a:fld>
-            <a:endParaRPr lang="en-IN"/>
+            <a:endParaRPr lang="en-IN" dirty="0"/>
           </a:p>
         </p:txBody>
       </p:sp>
@@ -5241,10 +5277,9 @@
           </a:lstStyle>
           <a:p>
             <a:r>
-              <a:rPr lang="en-US"/>
+              <a:rPr lang="en-US" dirty="0"/>
               <a:t>Click icon to add picture</a:t>
             </a:r>
-            <a:endParaRPr lang="en-US" dirty="0"/>
           </a:p>
         </p:txBody>
       </p:sp>
@@ -5334,7 +5369,7 @@
               <a:rPr lang="en-IN" smtClean="0"/>
               <a:t>15-12-2024</a:t>
             </a:fld>
-            <a:endParaRPr lang="en-IN"/>
+            <a:endParaRPr lang="en-IN" dirty="0"/>
           </a:p>
         </p:txBody>
       </p:sp>
@@ -5353,7 +5388,7 @@
           <a:bodyPr/>
           <a:lstStyle/>
           <a:p>
-            <a:endParaRPr lang="en-IN"/>
+            <a:endParaRPr lang="en-IN" dirty="0"/>
           </a:p>
         </p:txBody>
       </p:sp>
@@ -5376,7 +5411,7 @@
               <a:rPr lang="en-IN" smtClean="0"/>
               <a:t>‹#›</a:t>
             </a:fld>
-            <a:endParaRPr lang="en-IN"/>
+            <a:endParaRPr lang="en-IN" dirty="0"/>
           </a:p>
         </p:txBody>
       </p:sp>
@@ -5763,7 +5798,7 @@
               <a:rPr lang="en-IN" smtClean="0"/>
               <a:t>15-12-2024</a:t>
             </a:fld>
-            <a:endParaRPr lang="en-IN"/>
+            <a:endParaRPr lang="en-IN" dirty="0"/>
           </a:p>
         </p:txBody>
       </p:sp>
@@ -5801,7 +5836,7 @@
             </a:lvl1pPr>
           </a:lstStyle>
           <a:p>
-            <a:endParaRPr lang="en-IN"/>
+            <a:endParaRPr lang="en-IN" dirty="0"/>
           </a:p>
         </p:txBody>
       </p:sp>
@@ -5842,7 +5877,7 @@
               <a:rPr lang="en-IN" smtClean="0"/>
               <a:t>‹#›</a:t>
             </a:fld>
-            <a:endParaRPr lang="en-IN"/>
+            <a:endParaRPr lang="en-IN" dirty="0"/>
           </a:p>
         </p:txBody>
       </p:sp>
@@ -6411,21 +6446,7 @@
                 <a:latin typeface="Times New Roman" panose="02020603050405020304" pitchFamily="18" charset="0"/>
                 <a:cs typeface="Times New Roman" panose="02020603050405020304" pitchFamily="18" charset="0"/>
               </a:rPr>
-              <a:t>Trees) for predicting numeric values. We selected two datasets, namely, colleges (large, high dimensional with missing values) and real estate valuation (small, low dimensional and no missing value). The colleges dataset has 51 attributes which are numeric, ordinal and nominal. The target attribute is taken as “</a:t>
-            </a:r>
-            <a:r>
-              <a:rPr lang="en-US" sz="2000" cap="none" dirty="0" err="1">
-                <a:latin typeface="Times New Roman" panose="02020603050405020304" pitchFamily="18" charset="0"/>
-                <a:cs typeface="Times New Roman" panose="02020603050405020304" pitchFamily="18" charset="0"/>
-              </a:rPr>
-              <a:t>percent_pell_grant</a:t>
-            </a:r>
-            <a:r>
-              <a:rPr lang="en-US" sz="2000" cap="none" dirty="0">
-                <a:latin typeface="Times New Roman" panose="02020603050405020304" pitchFamily="18" charset="0"/>
-                <a:cs typeface="Times New Roman" panose="02020603050405020304" pitchFamily="18" charset="0"/>
-              </a:rPr>
-              <a:t>”. The real estate valuation dataset has 8 attributes which are all numeric and the target attribute is “Y house price of unit area</a:t>
+              <a:t>Trees) for predicting numeric values. We selected two datasets, namely, colleges (large, high dimensional with missing values) and real estate valuation (small, low dimensional and no missing value). The colleges dataset has 51 attributes which are numeric, ordinal and nominal. The target attribute is taken as “percent_pell_grant”. The real estate valuation dataset has 8 attributes which are all numeric and the target attribute is “Y house price of unit area</a:t>
             </a:r>
             <a:r>
               <a:rPr lang="en-US" sz="2000" dirty="0">
@@ -6494,18 +6515,11 @@
           <a:p>
             <a:pPr algn="l"/>
             <a:r>
-              <a:rPr lang="en-IN" sz="2000" b="0" i="0" u="none" strike="noStrike" baseline="0" dirty="0" err="1">
-                <a:latin typeface="Times New Roman" panose="02020603050405020304" pitchFamily="18" charset="0"/>
-                <a:cs typeface="Times New Roman" panose="02020603050405020304" pitchFamily="18" charset="0"/>
-              </a:rPr>
-              <a:t>Haubenburger</a:t>
-            </a:r>
-            <a:r>
               <a:rPr lang="en-IN" sz="2000" b="0" i="0" u="none" strike="noStrike" baseline="0" dirty="0">
                 <a:latin typeface="Times New Roman" panose="02020603050405020304" pitchFamily="18" charset="0"/>
                 <a:cs typeface="Times New Roman" panose="02020603050405020304" pitchFamily="18" charset="0"/>
               </a:rPr>
-              <a:t> Gabriel (11840531)</a:t>
+              <a:t>Haubenburger Gabriel (11840531)</a:t>
             </a:r>
             <a:endParaRPr lang="en-IN" sz="2000" dirty="0">
               <a:latin typeface="Times New Roman" panose="02020603050405020304" pitchFamily="18" charset="0"/>
@@ -6605,10 +6619,9 @@
           <a:lstStyle/>
           <a:p>
             <a:r>
-              <a:rPr lang="de-DE" dirty="0" err="1"/>
+              <a:rPr lang="en-US" dirty="0"/>
               <a:t>Conclusion</a:t>
             </a:r>
-            <a:endParaRPr lang="de-AT" dirty="0"/>
           </a:p>
         </p:txBody>
       </p:sp>
@@ -6633,7 +6646,7 @@
           <a:bodyPr/>
           <a:lstStyle/>
           <a:p>
-            <a:endParaRPr lang="de-AT"/>
+            <a:endParaRPr lang="de-AT" dirty="0"/>
           </a:p>
         </p:txBody>
       </p:sp>
@@ -6688,7 +6701,7 @@
           <a:bodyPr/>
           <a:lstStyle/>
           <a:p>
-            <a:endParaRPr lang="de-AT"/>
+            <a:endParaRPr lang="de-AT" dirty="0"/>
           </a:p>
         </p:txBody>
       </p:sp>
@@ -6713,7 +6726,7 @@
           <a:bodyPr/>
           <a:lstStyle/>
           <a:p>
-            <a:endParaRPr lang="de-AT"/>
+            <a:endParaRPr lang="de-AT" dirty="0"/>
           </a:p>
         </p:txBody>
       </p:sp>
@@ -6768,7 +6781,7 @@
           <a:bodyPr/>
           <a:lstStyle/>
           <a:p>
-            <a:endParaRPr lang="de-AT"/>
+            <a:endParaRPr lang="de-AT" dirty="0"/>
           </a:p>
         </p:txBody>
       </p:sp>
@@ -6793,7 +6806,7 @@
           <a:bodyPr/>
           <a:lstStyle/>
           <a:p>
-            <a:endParaRPr lang="de-AT"/>
+            <a:endParaRPr lang="de-AT" dirty="0"/>
           </a:p>
         </p:txBody>
       </p:sp>
@@ -6848,7 +6861,7 @@
           <a:bodyPr/>
           <a:lstStyle/>
           <a:p>
-            <a:endParaRPr lang="de-AT"/>
+            <a:endParaRPr lang="de-AT" dirty="0"/>
           </a:p>
         </p:txBody>
       </p:sp>
@@ -6873,7 +6886,7 @@
           <a:bodyPr/>
           <a:lstStyle/>
           <a:p>
-            <a:endParaRPr lang="de-AT"/>
+            <a:endParaRPr lang="de-AT" dirty="0"/>
           </a:p>
         </p:txBody>
       </p:sp>
@@ -6928,7 +6941,7 @@
           <a:bodyPr/>
           <a:lstStyle/>
           <a:p>
-            <a:endParaRPr lang="de-AT"/>
+            <a:endParaRPr lang="de-AT" dirty="0"/>
           </a:p>
         </p:txBody>
       </p:sp>
@@ -6953,7 +6966,7 @@
           <a:bodyPr/>
           <a:lstStyle/>
           <a:p>
-            <a:endParaRPr lang="de-AT"/>
+            <a:endParaRPr lang="de-AT" dirty="0"/>
           </a:p>
         </p:txBody>
       </p:sp>
@@ -7008,7 +7021,7 @@
           <a:bodyPr/>
           <a:lstStyle/>
           <a:p>
-            <a:endParaRPr lang="de-AT"/>
+            <a:endParaRPr lang="de-AT" dirty="0"/>
           </a:p>
         </p:txBody>
       </p:sp>
@@ -7033,7 +7046,7 @@
           <a:bodyPr/>
           <a:lstStyle/>
           <a:p>
-            <a:endParaRPr lang="de-AT"/>
+            <a:endParaRPr lang="de-AT" dirty="0"/>
           </a:p>
         </p:txBody>
       </p:sp>
@@ -7116,7 +7129,58 @@
           <a:bodyPr/>
           <a:lstStyle/>
           <a:p>
-            <a:endParaRPr lang="en-IN"/>
+            <a:r>
+              <a:rPr lang="en-IN" dirty="0"/>
+              <a:t>Real Estate Valuation</a:t>
+            </a:r>
+          </a:p>
+          <a:p>
+            <a:pPr lvl="1"/>
+            <a:r>
+              <a:rPr lang="en-IN" dirty="0"/>
+              <a:t>6 features + target</a:t>
+            </a:r>
+          </a:p>
+          <a:p>
+            <a:pPr lvl="1"/>
+            <a:r>
+              <a:rPr lang="en-IN" dirty="0"/>
+              <a:t>414 instances</a:t>
+            </a:r>
+          </a:p>
+          <a:p>
+            <a:r>
+              <a:rPr lang="en-IN" dirty="0"/>
+              <a:t>Colleges</a:t>
+            </a:r>
+          </a:p>
+          <a:p>
+            <a:pPr lvl="1"/>
+            <a:r>
+              <a:rPr lang="en-IN" dirty="0"/>
+              <a:t>48 features</a:t>
+            </a:r>
+          </a:p>
+          <a:p>
+            <a:pPr lvl="1"/>
+            <a:r>
+              <a:rPr lang="en-IN" dirty="0"/>
+              <a:t>7063 instances</a:t>
+            </a:r>
+          </a:p>
+          <a:p>
+            <a:pPr lvl="1"/>
+            <a:r>
+              <a:rPr lang="en-IN" dirty="0"/>
+              <a:t>Large number of missing values</a:t>
+            </a:r>
+          </a:p>
+          <a:p>
+            <a:pPr lvl="1"/>
+            <a:endParaRPr lang="en-IN" dirty="0"/>
+          </a:p>
+          <a:p>
+            <a:endParaRPr lang="en-IN" dirty="0"/>
           </a:p>
         </p:txBody>
       </p:sp>
@@ -7172,10 +7236,9 @@
           <a:lstStyle/>
           <a:p>
             <a:r>
-              <a:rPr lang="de-DE" dirty="0" err="1"/>
+              <a:rPr lang="en-US" dirty="0"/>
               <a:t>Preprocessing</a:t>
             </a:r>
-            <a:endParaRPr lang="de-AT" dirty="0"/>
           </a:p>
         </p:txBody>
       </p:sp>
@@ -7200,7 +7263,30 @@
           <a:bodyPr/>
           <a:lstStyle/>
           <a:p>
-            <a:endParaRPr lang="de-AT"/>
+            <a:r>
+              <a:rPr lang="en-US" dirty="0"/>
+              <a:t>For Real Estate Valuation:</a:t>
+            </a:r>
+          </a:p>
+          <a:p>
+            <a:pPr lvl="1"/>
+            <a:r>
+              <a:rPr lang="en-US" dirty="0"/>
+              <a:t>Text</a:t>
+            </a:r>
+          </a:p>
+          <a:p>
+            <a:r>
+              <a:rPr lang="en-US" dirty="0"/>
+              <a:t>For Colleges:</a:t>
+            </a:r>
+          </a:p>
+          <a:p>
+            <a:pPr lvl="1"/>
+            <a:r>
+              <a:rPr lang="en-US" dirty="0"/>
+              <a:t>Text</a:t>
+            </a:r>
           </a:p>
         </p:txBody>
       </p:sp>
@@ -7256,7 +7342,7 @@
           <a:lstStyle/>
           <a:p>
             <a:r>
-              <a:rPr lang="de-DE" dirty="0" err="1"/>
+              <a:rPr lang="en-US" dirty="0"/>
               <a:t>Decision</a:t>
             </a:r>
             <a:r>
@@ -7264,7 +7350,7 @@
               <a:t> </a:t>
             </a:r>
             <a:r>
-              <a:rPr lang="de-DE" dirty="0" err="1"/>
+              <a:rPr lang="en-US" dirty="0"/>
               <a:t>Tree</a:t>
             </a:r>
             <a:r>
@@ -7296,7 +7382,10 @@
           <a:bodyPr/>
           <a:lstStyle/>
           <a:p>
-            <a:endParaRPr lang="de-AT"/>
+            <a:r>
+              <a:rPr lang="en-US" dirty="0"/>
+              <a:t>A variant of the simple decision tree model for regression tasks</a:t>
+            </a:r>
           </a:p>
         </p:txBody>
       </p:sp>
@@ -7380,7 +7469,16 @@
           <a:bodyPr/>
           <a:lstStyle/>
           <a:p>
-            <a:endParaRPr lang="de-AT"/>
+            <a:r>
+              <a:rPr lang="en-US" dirty="0"/>
+              <a:t>Uses multiple decision trees trained on random subsets of the whole data set</a:t>
+            </a:r>
+          </a:p>
+          <a:p>
+            <a:r>
+              <a:rPr lang="en-US" dirty="0"/>
+              <a:t>Counters inherent instability of decision trees</a:t>
+            </a:r>
           </a:p>
         </p:txBody>
       </p:sp>
@@ -7440,10 +7538,9 @@
               <a:t>Hyperparameter </a:t>
             </a:r>
             <a:r>
-              <a:rPr lang="de-DE" dirty="0" err="1"/>
+              <a:rPr lang="en-US" dirty="0"/>
               <a:t>optimization</a:t>
             </a:r>
-            <a:endParaRPr lang="de-AT" dirty="0"/>
           </a:p>
         </p:txBody>
       </p:sp>
@@ -7468,7 +7565,7 @@
           <a:bodyPr/>
           <a:lstStyle/>
           <a:p>
-            <a:endParaRPr lang="de-AT"/>
+            <a:endParaRPr lang="de-AT" dirty="0"/>
           </a:p>
         </p:txBody>
       </p:sp>
@@ -7524,46 +7621,9 @@
           <a:lstStyle/>
           <a:p>
             <a:r>
-              <a:rPr lang="de-DE" dirty="0" err="1"/>
-              <a:t>Comparison</a:t>
-            </a:r>
-            <a:r>
-              <a:rPr lang="de-DE" dirty="0"/>
-              <a:t> </a:t>
-            </a:r>
-            <a:r>
-              <a:rPr lang="de-DE" dirty="0" err="1"/>
-              <a:t>to</a:t>
-            </a:r>
-            <a:r>
-              <a:rPr lang="de-DE" dirty="0"/>
-              <a:t> </a:t>
-            </a:r>
-            <a:r>
-              <a:rPr lang="de-DE" dirty="0" err="1"/>
-              <a:t>scikit</a:t>
-            </a:r>
-            <a:r>
-              <a:rPr lang="de-DE" dirty="0"/>
-              <a:t> </a:t>
-            </a:r>
-            <a:r>
-              <a:rPr lang="de-DE" dirty="0" err="1"/>
-              <a:t>learn</a:t>
-            </a:r>
-            <a:r>
-              <a:rPr lang="de-DE" dirty="0"/>
-              <a:t> </a:t>
-            </a:r>
-            <a:r>
-              <a:rPr lang="de-DE" dirty="0" err="1"/>
-              <a:t>DecisionTreeRegressor</a:t>
-            </a:r>
-            <a:r>
-              <a:rPr lang="de-DE" dirty="0"/>
-              <a:t> </a:t>
-            </a:r>
-            <a:endParaRPr lang="de-AT" dirty="0"/>
+              <a:rPr lang="en-US" dirty="0"/>
+              <a:t>Comparison to scikit learn DecisionTreeRegressor </a:t>
+            </a:r>
           </a:p>
         </p:txBody>
       </p:sp>
@@ -7588,7 +7648,7 @@
           <a:bodyPr/>
           <a:lstStyle/>
           <a:p>
-            <a:endParaRPr lang="de-AT"/>
+            <a:endParaRPr lang="de-AT" dirty="0"/>
           </a:p>
         </p:txBody>
       </p:sp>
@@ -7652,7 +7712,7 @@
               <a:t> </a:t>
             </a:r>
             <a:r>
-              <a:rPr lang="de-DE" dirty="0" err="1"/>
+              <a:rPr lang="en-US" dirty="0"/>
               <a:t>to</a:t>
             </a:r>
             <a:r>
@@ -7660,24 +7720,12 @@
               <a:t> </a:t>
             </a:r>
             <a:r>
-              <a:rPr lang="de-DE" dirty="0" err="1"/>
-              <a:t>scikit</a:t>
+              <a:rPr lang="en-US" dirty="0"/>
+              <a:t>scikit-learn</a:t>
             </a:r>
             <a:r>
               <a:rPr lang="de-DE" dirty="0"/>
-              <a:t> </a:t>
-            </a:r>
-            <a:r>
-              <a:rPr lang="de-DE" dirty="0" err="1"/>
-              <a:t>learn</a:t>
-            </a:r>
-            <a:r>
-              <a:rPr lang="de-DE" dirty="0"/>
-              <a:t> </a:t>
-            </a:r>
-            <a:r>
-              <a:rPr lang="de-DE" dirty="0" err="1"/>
-              <a:t>RandomForestRegressor</a:t>
+              <a:t> RandomForestRegressor</a:t>
             </a:r>
             <a:endParaRPr lang="de-AT" dirty="0"/>
           </a:p>
@@ -7704,7 +7752,7 @@
           <a:bodyPr/>
           <a:lstStyle/>
           <a:p>
-            <a:endParaRPr lang="de-AT"/>
+            <a:endParaRPr lang="de-AT" dirty="0"/>
           </a:p>
         </p:txBody>
       </p:sp>
@@ -7760,26 +7808,9 @@
           <a:lstStyle/>
           <a:p>
             <a:r>
-              <a:rPr lang="de-DE" dirty="0" err="1"/>
-              <a:t>Comparison</a:t>
-            </a:r>
-            <a:r>
-              <a:rPr lang="de-DE" dirty="0"/>
-              <a:t> </a:t>
-            </a:r>
-            <a:r>
-              <a:rPr lang="de-DE" dirty="0" err="1"/>
-              <a:t>to</a:t>
-            </a:r>
-            <a:r>
-              <a:rPr lang="de-DE" dirty="0"/>
-              <a:t> LLM </a:t>
-            </a:r>
-            <a:r>
-              <a:rPr lang="de-DE" dirty="0" err="1"/>
-              <a:t>version</a:t>
-            </a:r>
-            <a:endParaRPr lang="de-AT" dirty="0"/>
+              <a:rPr lang="en-US" dirty="0"/>
+              <a:t>Comparison to LLM version</a:t>
+            </a:r>
           </a:p>
         </p:txBody>
       </p:sp>
@@ -7804,7 +7835,7 @@
           <a:bodyPr/>
           <a:lstStyle/>
           <a:p>
-            <a:endParaRPr lang="de-AT"/>
+            <a:endParaRPr lang="de-AT" dirty="0"/>
           </a:p>
         </p:txBody>
       </p:sp>

--- a/ex2/Exercise_2_ppt.pptx
+++ b/ex2/Exercise_2_ppt.pptx
@@ -15,12 +15,12 @@
     <p:sldId id="264" r:id="rId9"/>
     <p:sldId id="262" r:id="rId10"/>
     <p:sldId id="263" r:id="rId11"/>
-    <p:sldId id="265" r:id="rId12"/>
-    <p:sldId id="266" r:id="rId13"/>
+    <p:sldId id="266" r:id="rId12"/>
+    <p:sldId id="265" r:id="rId13"/>
     <p:sldId id="267" r:id="rId14"/>
     <p:sldId id="268" r:id="rId15"/>
     <p:sldId id="269" r:id="rId16"/>
-    <p:sldId id="270" r:id="rId17"/>
+    <p:sldId id="272" r:id="rId17"/>
   </p:sldIdLst>
   <p:sldSz cx="12192000" cy="6858000"/>
   <p:notesSz cx="6858000" cy="9144000"/>
@@ -139,8 +139,8 @@
 <pc:chgInfo xmlns:a="http://schemas.openxmlformats.org/drawingml/2006/main" xmlns:r="http://schemas.openxmlformats.org/officeDocument/2006/relationships" xmlns:ac="http://schemas.microsoft.com/office/drawing/2013/main/command" xmlns:pc="http://schemas.microsoft.com/office/powerpoint/2013/main/command">
   <pc:docChgLst>
     <pc:chgData name="Haubenburger, Gabriel" userId="d79be2aa-0303-4748-b5e6-c8202455e92e" providerId="ADAL" clId="{C41F04A2-1B58-4C51-987F-CBD3CF99D29E}"/>
-    <pc:docChg chg="undo custSel addSld modSld sldOrd">
-      <pc:chgData name="Haubenburger, Gabriel" userId="d79be2aa-0303-4748-b5e6-c8202455e92e" providerId="ADAL" clId="{C41F04A2-1B58-4C51-987F-CBD3CF99D29E}" dt="2024-12-15T18:37:24.439" v="753" actId="20577"/>
+    <pc:docChg chg="undo custSel addSld delSld modSld sldOrd">
+      <pc:chgData name="Haubenburger, Gabriel" userId="d79be2aa-0303-4748-b5e6-c8202455e92e" providerId="ADAL" clId="{C41F04A2-1B58-4C51-987F-CBD3CF99D29E}" dt="2024-12-15T19:19:26.942" v="1117" actId="20577"/>
       <pc:docMkLst>
         <pc:docMk/>
       </pc:docMkLst>
@@ -213,8 +213,8 @@
           </ac:spMkLst>
         </pc:spChg>
       </pc:sldChg>
-      <pc:sldChg chg="modSp new mod ord">
-        <pc:chgData name="Haubenburger, Gabriel" userId="d79be2aa-0303-4748-b5e6-c8202455e92e" providerId="ADAL" clId="{C41F04A2-1B58-4C51-987F-CBD3CF99D29E}" dt="2024-12-15T18:34:39.875" v="470" actId="790"/>
+      <pc:sldChg chg="modSp new mod ord modShow">
+        <pc:chgData name="Haubenburger, Gabriel" userId="d79be2aa-0303-4748-b5e6-c8202455e92e" providerId="ADAL" clId="{C41F04A2-1B58-4C51-987F-CBD3CF99D29E}" dt="2024-12-15T19:14:33.468" v="769" actId="729"/>
         <pc:sldMkLst>
           <pc:docMk/>
           <pc:sldMk cId="156605029" sldId="260"/>
@@ -237,7 +237,7 @@
         </pc:spChg>
       </pc:sldChg>
       <pc:sldChg chg="modSp new mod">
-        <pc:chgData name="Haubenburger, Gabriel" userId="d79be2aa-0303-4748-b5e6-c8202455e92e" providerId="ADAL" clId="{C41F04A2-1B58-4C51-987F-CBD3CF99D29E}" dt="2024-12-15T18:33:12.835" v="463" actId="790"/>
+        <pc:chgData name="Haubenburger, Gabriel" userId="d79be2aa-0303-4748-b5e6-c8202455e92e" providerId="ADAL" clId="{C41F04A2-1B58-4C51-987F-CBD3CF99D29E}" dt="2024-12-15T19:19:26.942" v="1117" actId="20577"/>
         <pc:sldMkLst>
           <pc:docMk/>
           <pc:sldMk cId="2778680789" sldId="261"/>
@@ -248,6 +248,14 @@
             <pc:docMk/>
             <pc:sldMk cId="2778680789" sldId="261"/>
             <ac:spMk id="2" creationId="{DC99B76B-690A-D473-6489-8EBA89769C27}"/>
+          </ac:spMkLst>
+        </pc:spChg>
+        <pc:spChg chg="mod">
+          <ac:chgData name="Haubenburger, Gabriel" userId="d79be2aa-0303-4748-b5e6-c8202455e92e" providerId="ADAL" clId="{C41F04A2-1B58-4C51-987F-CBD3CF99D29E}" dt="2024-12-15T19:19:26.942" v="1117" actId="20577"/>
+          <ac:spMkLst>
+            <pc:docMk/>
+            <pc:sldMk cId="2778680789" sldId="261"/>
+            <ac:spMk id="3" creationId="{0A9D697E-4ADF-2F55-0E09-4F1AB55C3465}"/>
           </ac:spMkLst>
         </pc:spChg>
       </pc:sldChg>
@@ -296,8 +304,8 @@
           </ac:spMkLst>
         </pc:spChg>
       </pc:sldChg>
-      <pc:sldChg chg="modSp new mod">
-        <pc:chgData name="Haubenburger, Gabriel" userId="d79be2aa-0303-4748-b5e6-c8202455e92e" providerId="ADAL" clId="{C41F04A2-1B58-4C51-987F-CBD3CF99D29E}" dt="2024-12-15T18:34:00.480" v="466" actId="790"/>
+      <pc:sldChg chg="modSp new mod ord">
+        <pc:chgData name="Haubenburger, Gabriel" userId="d79be2aa-0303-4748-b5e6-c8202455e92e" providerId="ADAL" clId="{C41F04A2-1B58-4C51-987F-CBD3CF99D29E}" dt="2024-12-15T19:14:17.815" v="767"/>
         <pc:sldMkLst>
           <pc:docMk/>
           <pc:sldMk cId="3637246051" sldId="265"/>
@@ -311,12 +319,20 @@
           </ac:spMkLst>
         </pc:spChg>
       </pc:sldChg>
-      <pc:sldChg chg="new">
-        <pc:chgData name="Haubenburger, Gabriel" userId="d79be2aa-0303-4748-b5e6-c8202455e92e" providerId="ADAL" clId="{C41F04A2-1B58-4C51-987F-CBD3CF99D29E}" dt="2024-12-15T14:36:14.718" v="8" actId="680"/>
+      <pc:sldChg chg="modSp new mod">
+        <pc:chgData name="Haubenburger, Gabriel" userId="d79be2aa-0303-4748-b5e6-c8202455e92e" providerId="ADAL" clId="{C41F04A2-1B58-4C51-987F-CBD3CF99D29E}" dt="2024-12-15T19:14:09.238" v="765" actId="20577"/>
         <pc:sldMkLst>
           <pc:docMk/>
           <pc:sldMk cId="1764173400" sldId="266"/>
         </pc:sldMkLst>
+        <pc:spChg chg="mod">
+          <ac:chgData name="Haubenburger, Gabriel" userId="d79be2aa-0303-4748-b5e6-c8202455e92e" providerId="ADAL" clId="{C41F04A2-1B58-4C51-987F-CBD3CF99D29E}" dt="2024-12-15T19:14:09.238" v="765" actId="20577"/>
+          <ac:spMkLst>
+            <pc:docMk/>
+            <pc:sldMk cId="1764173400" sldId="266"/>
+            <ac:spMk id="2" creationId="{F2828560-3281-7AA8-FACE-BE9A95FCF4EE}"/>
+          </ac:spMkLst>
+        </pc:spChg>
       </pc:sldChg>
       <pc:sldChg chg="new">
         <pc:chgData name="Haubenburger, Gabriel" userId="d79be2aa-0303-4748-b5e6-c8202455e92e" providerId="ADAL" clId="{C41F04A2-1B58-4C51-987F-CBD3CF99D29E}" dt="2024-12-15T14:36:15.125" v="9" actId="680"/>
@@ -339,11 +355,18 @@
           <pc:sldMk cId="2731784210" sldId="269"/>
         </pc:sldMkLst>
       </pc:sldChg>
-      <pc:sldChg chg="new">
-        <pc:chgData name="Haubenburger, Gabriel" userId="d79be2aa-0303-4748-b5e6-c8202455e92e" providerId="ADAL" clId="{C41F04A2-1B58-4C51-987F-CBD3CF99D29E}" dt="2024-12-15T14:36:16.829" v="12" actId="680"/>
+      <pc:sldChg chg="new del">
+        <pc:chgData name="Haubenburger, Gabriel" userId="d79be2aa-0303-4748-b5e6-c8202455e92e" providerId="ADAL" clId="{C41F04A2-1B58-4C51-987F-CBD3CF99D29E}" dt="2024-12-15T19:14:23.976" v="768" actId="47"/>
         <pc:sldMkLst>
           <pc:docMk/>
           <pc:sldMk cId="2077306566" sldId="270"/>
+        </pc:sldMkLst>
+      </pc:sldChg>
+      <pc:sldChg chg="new">
+        <pc:chgData name="Haubenburger, Gabriel" userId="d79be2aa-0303-4748-b5e6-c8202455e92e" providerId="ADAL" clId="{C41F04A2-1B58-4C51-987F-CBD3CF99D29E}" dt="2024-12-15T19:14:38.309" v="770" actId="680"/>
+        <pc:sldMkLst>
+          <pc:docMk/>
+          <pc:sldMk cId="952875972" sldId="272"/>
         </pc:sldMkLst>
       </pc:sldChg>
     </pc:docChg>
@@ -6686,7 +6709,7 @@
           <p:cNvPr id="2" name="Title 1">
             <a:extLst>
               <a:ext uri="{FF2B5EF4-FFF2-40B4-BE49-F238E27FC236}">
-                <a16:creationId xmlns:a16="http://schemas.microsoft.com/office/drawing/2014/main" id="{4D54CD70-A7C7-B159-DB36-DD35BB897E4A}"/>
+                <a16:creationId xmlns:a16="http://schemas.microsoft.com/office/drawing/2014/main" id="{F2828560-3281-7AA8-FACE-BE9A95FCF4EE}"/>
               </a:ext>
             </a:extLst>
           </p:cNvPr>
@@ -6703,8 +6726,8 @@
           <a:lstStyle/>
           <a:p>
             <a:r>
-              <a:rPr lang="en-US" dirty="0"/>
-              <a:t>Conclusion</a:t>
+              <a:rPr lang="de-AT" dirty="0"/>
+              <a:t>Efficiency</a:t>
             </a:r>
           </a:p>
         </p:txBody>
@@ -6714,7 +6737,7 @@
           <p:cNvPr id="3" name="Content Placeholder 2">
             <a:extLst>
               <a:ext uri="{FF2B5EF4-FFF2-40B4-BE49-F238E27FC236}">
-                <a16:creationId xmlns:a16="http://schemas.microsoft.com/office/drawing/2014/main" id="{84CFF438-856F-957D-7156-C2F5B4AFDC20}"/>
+                <a16:creationId xmlns:a16="http://schemas.microsoft.com/office/drawing/2014/main" id="{C2C34ABA-A410-7029-1000-0F296A1EC0E5}"/>
               </a:ext>
             </a:extLst>
           </p:cNvPr>
@@ -6737,7 +6760,7 @@
     </p:spTree>
     <p:extLst>
       <p:ext uri="{BB962C8B-B14F-4D97-AF65-F5344CB8AC3E}">
-        <p14:creationId xmlns:p14="http://schemas.microsoft.com/office/powerpoint/2010/main" val="3637246051"/>
+        <p14:creationId xmlns:p14="http://schemas.microsoft.com/office/powerpoint/2010/main" val="1764173400"/>
       </p:ext>
     </p:extLst>
   </p:cSld>
@@ -6769,7 +6792,7 @@
           <p:cNvPr id="2" name="Title 1">
             <a:extLst>
               <a:ext uri="{FF2B5EF4-FFF2-40B4-BE49-F238E27FC236}">
-                <a16:creationId xmlns:a16="http://schemas.microsoft.com/office/drawing/2014/main" id="{F2828560-3281-7AA8-FACE-BE9A95FCF4EE}"/>
+                <a16:creationId xmlns:a16="http://schemas.microsoft.com/office/drawing/2014/main" id="{4D54CD70-A7C7-B159-DB36-DD35BB897E4A}"/>
               </a:ext>
             </a:extLst>
           </p:cNvPr>
@@ -6785,7 +6808,10 @@
           <a:bodyPr/>
           <a:lstStyle/>
           <a:p>
-            <a:endParaRPr lang="de-AT" dirty="0"/>
+            <a:r>
+              <a:rPr lang="en-US" dirty="0"/>
+              <a:t>Conclusion</a:t>
+            </a:r>
           </a:p>
         </p:txBody>
       </p:sp>
@@ -6794,7 +6820,7 @@
           <p:cNvPr id="3" name="Content Placeholder 2">
             <a:extLst>
               <a:ext uri="{FF2B5EF4-FFF2-40B4-BE49-F238E27FC236}">
-                <a16:creationId xmlns:a16="http://schemas.microsoft.com/office/drawing/2014/main" id="{C2C34ABA-A410-7029-1000-0F296A1EC0E5}"/>
+                <a16:creationId xmlns:a16="http://schemas.microsoft.com/office/drawing/2014/main" id="{84CFF438-856F-957D-7156-C2F5B4AFDC20}"/>
               </a:ext>
             </a:extLst>
           </p:cNvPr>
@@ -6817,7 +6843,7 @@
     </p:spTree>
     <p:extLst>
       <p:ext uri="{BB962C8B-B14F-4D97-AF65-F5344CB8AC3E}">
-        <p14:creationId xmlns:p14="http://schemas.microsoft.com/office/powerpoint/2010/main" val="1764173400"/>
+        <p14:creationId xmlns:p14="http://schemas.microsoft.com/office/powerpoint/2010/main" val="3637246051"/>
       </p:ext>
     </p:extLst>
   </p:cSld>
@@ -7089,7 +7115,7 @@
           <p:cNvPr id="2" name="Title 1">
             <a:extLst>
               <a:ext uri="{FF2B5EF4-FFF2-40B4-BE49-F238E27FC236}">
-                <a16:creationId xmlns:a16="http://schemas.microsoft.com/office/drawing/2014/main" id="{818E5137-9F21-7374-8AF7-83B95450444B}"/>
+                <a16:creationId xmlns:a16="http://schemas.microsoft.com/office/drawing/2014/main" id="{939E5666-F1C7-8D8F-D39D-C63D5A0AC930}"/>
               </a:ext>
             </a:extLst>
           </p:cNvPr>
@@ -7105,7 +7131,7 @@
           <a:bodyPr/>
           <a:lstStyle/>
           <a:p>
-            <a:endParaRPr lang="de-AT" dirty="0"/>
+            <a:endParaRPr lang="en-US"/>
           </a:p>
         </p:txBody>
       </p:sp>
@@ -7114,7 +7140,7 @@
           <p:cNvPr id="3" name="Content Placeholder 2">
             <a:extLst>
               <a:ext uri="{FF2B5EF4-FFF2-40B4-BE49-F238E27FC236}">
-                <a16:creationId xmlns:a16="http://schemas.microsoft.com/office/drawing/2014/main" id="{504F3F50-B242-B55C-903B-0FE55DB38A00}"/>
+                <a16:creationId xmlns:a16="http://schemas.microsoft.com/office/drawing/2014/main" id="{9A867062-5160-2B1A-950B-D0A63FD8017B}"/>
               </a:ext>
             </a:extLst>
           </p:cNvPr>
@@ -7130,14 +7156,14 @@
           <a:bodyPr/>
           <a:lstStyle/>
           <a:p>
-            <a:endParaRPr lang="de-AT" dirty="0"/>
+            <a:endParaRPr lang="en-US"/>
           </a:p>
         </p:txBody>
       </p:sp>
     </p:spTree>
     <p:extLst>
       <p:ext uri="{BB962C8B-B14F-4D97-AF65-F5344CB8AC3E}">
-        <p14:creationId xmlns:p14="http://schemas.microsoft.com/office/powerpoint/2010/main" val="2077306566"/>
+        <p14:creationId xmlns:p14="http://schemas.microsoft.com/office/powerpoint/2010/main" val="952875972"/>
       </p:ext>
     </p:extLst>
   </p:cSld>
@@ -7456,7 +7482,7 @@
 </file>
 
 <file path=ppt/slides/slide4.xml><?xml version="1.0" encoding="utf-8"?>
-<p:sld xmlns:a="http://schemas.openxmlformats.org/drawingml/2006/main" xmlns:r="http://schemas.openxmlformats.org/officeDocument/2006/relationships" xmlns:p="http://schemas.openxmlformats.org/presentationml/2006/main">
+<p:sld xmlns:a="http://schemas.openxmlformats.org/drawingml/2006/main" xmlns:r="http://schemas.openxmlformats.org/officeDocument/2006/relationships" xmlns:p="http://schemas.openxmlformats.org/presentationml/2006/main" show="0">
   <p:cSld>
     <p:spTree>
       <p:nvGrpSpPr>
@@ -7823,7 +7849,64 @@
           <a:bodyPr/>
           <a:lstStyle/>
           <a:p>
-            <a:endParaRPr lang="de-AT" dirty="0"/>
+            <a:r>
+              <a:rPr lang="en-US" dirty="0"/>
+              <a:t>We experimented with:</a:t>
+            </a:r>
+          </a:p>
+          <a:p>
+            <a:pPr lvl="1"/>
+            <a:r>
+              <a:rPr lang="en-US" dirty="0"/>
+              <a:t>Number of trees</a:t>
+            </a:r>
+          </a:p>
+          <a:p>
+            <a:pPr lvl="1"/>
+            <a:r>
+              <a:rPr lang="en-US" dirty="0"/>
+              <a:t>A maximum of features considered in a split</a:t>
+            </a:r>
+          </a:p>
+          <a:p>
+            <a:pPr lvl="1"/>
+            <a:r>
+              <a:rPr lang="en-US" dirty="0"/>
+              <a:t>Maximum tree depth</a:t>
+            </a:r>
+          </a:p>
+          <a:p>
+            <a:pPr lvl="1"/>
+            <a:r>
+              <a:rPr lang="en-US" dirty="0"/>
+              <a:t>A minimum of samples before a split</a:t>
+            </a:r>
+          </a:p>
+          <a:p>
+            <a:pPr lvl="1"/>
+            <a:r>
+              <a:rPr lang="en-US" dirty="0"/>
+              <a:t>A minimum of samples per leaf</a:t>
+            </a:r>
+          </a:p>
+          <a:p>
+            <a:pPr lvl="1"/>
+            <a:r>
+              <a:rPr lang="en-US" dirty="0"/>
+              <a:t>A maximum of leaf nodes</a:t>
+            </a:r>
+          </a:p>
+          <a:p>
+            <a:pPr lvl="1"/>
+            <a:r>
+              <a:rPr lang="en-US" dirty="0"/>
+              <a:t>?A maximum of samples </a:t>
+            </a:r>
+            <a:r>
+              <a:rPr lang="en-US"/>
+              <a:t>for each tree</a:t>
+            </a:r>
+            <a:endParaRPr lang="en-US" dirty="0"/>
           </a:p>
         </p:txBody>
       </p:sp>

--- a/ex2/Exercise_2_ppt.pptx
+++ b/ex2/Exercise_2_ppt.pptx
@@ -14,12 +14,13 @@
     <p:sldId id="264" r:id="rId8"/>
     <p:sldId id="262" r:id="rId9"/>
     <p:sldId id="263" r:id="rId10"/>
-    <p:sldId id="265" r:id="rId11"/>
-    <p:sldId id="266" r:id="rId12"/>
-    <p:sldId id="267" r:id="rId13"/>
-    <p:sldId id="268" r:id="rId14"/>
-    <p:sldId id="269" r:id="rId15"/>
-    <p:sldId id="270" r:id="rId16"/>
+    <p:sldId id="272" r:id="rId11"/>
+    <p:sldId id="265" r:id="rId12"/>
+    <p:sldId id="266" r:id="rId13"/>
+    <p:sldId id="267" r:id="rId14"/>
+    <p:sldId id="268" r:id="rId15"/>
+    <p:sldId id="269" r:id="rId16"/>
+    <p:sldId id="270" r:id="rId17"/>
   </p:sldIdLst>
   <p:sldSz cx="12192000" cy="6858000"/>
   <p:notesSz cx="6858000" cy="9144000"/>
@@ -129,7 +130,7 @@
 <file path=ppt/revisionInfo.xml><?xml version="1.0" encoding="utf-8"?>
 <p1510:revInfo xmlns:a="http://schemas.openxmlformats.org/drawingml/2006/main" xmlns:r="http://schemas.openxmlformats.org/officeDocument/2006/relationships" xmlns:p1510="http://schemas.microsoft.com/office/powerpoint/2015/10/main">
   <p1510:revLst>
-    <p1510:client id="{C41F04A2-1B58-4C51-987F-CBD3CF99D29E}" v="3" dt="2024-12-15T18:34:46.001"/>
+    <p1510:client id="{C41F04A2-1B58-4C51-987F-CBD3CF99D29E}" v="42" dt="2024-12-15T20:46:30.712"/>
   </p1510:revLst>
 </p1510:revInfo>
 </file>
@@ -138,8 +139,8 @@
 <pc:chgInfo xmlns:a="http://schemas.openxmlformats.org/drawingml/2006/main" xmlns:r="http://schemas.openxmlformats.org/officeDocument/2006/relationships" xmlns:ac="http://schemas.microsoft.com/office/drawing/2013/main/command" xmlns:pc="http://schemas.microsoft.com/office/powerpoint/2013/main/command">
   <pc:docChgLst>
     <pc:chgData name="Haubenburger, Gabriel" userId="d79be2aa-0303-4748-b5e6-c8202455e92e" providerId="ADAL" clId="{C41F04A2-1B58-4C51-987F-CBD3CF99D29E}"/>
-    <pc:docChg chg="undo custSel addSld modSld sldOrd">
-      <pc:chgData name="Haubenburger, Gabriel" userId="d79be2aa-0303-4748-b5e6-c8202455e92e" providerId="ADAL" clId="{C41F04A2-1B58-4C51-987F-CBD3CF99D29E}" dt="2024-12-15T18:37:24.439" v="753" actId="20577"/>
+    <pc:docChg chg="undo redo custSel addSld modSld sldOrd">
+      <pc:chgData name="Haubenburger, Gabriel" userId="d79be2aa-0303-4748-b5e6-c8202455e92e" providerId="ADAL" clId="{C41F04A2-1B58-4C51-987F-CBD3CF99D29E}" dt="2024-12-15T20:46:13.863" v="791"/>
       <pc:docMkLst>
         <pc:docMk/>
       </pc:docMkLst>
@@ -236,7 +237,7 @@
         </pc:spChg>
       </pc:sldChg>
       <pc:sldChg chg="modSp new mod">
-        <pc:chgData name="Haubenburger, Gabriel" userId="d79be2aa-0303-4748-b5e6-c8202455e92e" providerId="ADAL" clId="{C41F04A2-1B58-4C51-987F-CBD3CF99D29E}" dt="2024-12-15T18:33:12.835" v="463" actId="790"/>
+        <pc:chgData name="Haubenburger, Gabriel" userId="d79be2aa-0303-4748-b5e6-c8202455e92e" providerId="ADAL" clId="{C41F04A2-1B58-4C51-987F-CBD3CF99D29E}" dt="2024-12-15T20:46:13.863" v="791"/>
         <pc:sldMkLst>
           <pc:docMk/>
           <pc:sldMk cId="2778680789" sldId="261"/>
@@ -247,6 +248,14 @@
             <pc:docMk/>
             <pc:sldMk cId="2778680789" sldId="261"/>
             <ac:spMk id="2" creationId="{DC99B76B-690A-D473-6489-8EBA89769C27}"/>
+          </ac:spMkLst>
+        </pc:spChg>
+        <pc:spChg chg="mod">
+          <ac:chgData name="Haubenburger, Gabriel" userId="d79be2aa-0303-4748-b5e6-c8202455e92e" providerId="ADAL" clId="{C41F04A2-1B58-4C51-987F-CBD3CF99D29E}" dt="2024-12-15T20:46:13.863" v="791"/>
+          <ac:spMkLst>
+            <pc:docMk/>
+            <pc:sldMk cId="2778680789" sldId="261"/>
+            <ac:spMk id="3" creationId="{0A9D697E-4ADF-2F55-0E09-4F1AB55C3465}"/>
           </ac:spMkLst>
         </pc:spChg>
       </pc:sldChg>
@@ -345,6 +354,21 @@
           <pc:sldMk cId="2077306566" sldId="270"/>
         </pc:sldMkLst>
       </pc:sldChg>
+      <pc:sldChg chg="modSp mod">
+        <pc:chgData name="Haubenburger, Gabriel" userId="d79be2aa-0303-4748-b5e6-c8202455e92e" providerId="ADAL" clId="{C41F04A2-1B58-4C51-987F-CBD3CF99D29E}" dt="2024-12-15T20:45:54.393" v="790" actId="20577"/>
+        <pc:sldMkLst>
+          <pc:docMk/>
+          <pc:sldMk cId="945193923" sldId="271"/>
+        </pc:sldMkLst>
+        <pc:spChg chg="mod">
+          <ac:chgData name="Haubenburger, Gabriel" userId="d79be2aa-0303-4748-b5e6-c8202455e92e" providerId="ADAL" clId="{C41F04A2-1B58-4C51-987F-CBD3CF99D29E}" dt="2024-12-15T20:45:54.393" v="790" actId="20577"/>
+          <ac:spMkLst>
+            <pc:docMk/>
+            <pc:sldMk cId="945193923" sldId="271"/>
+            <ac:spMk id="3" creationId="{FFBFFA5E-236F-3279-8F0F-D69DEC44B6B0}"/>
+          </ac:spMkLst>
+        </pc:spChg>
+      </pc:sldChg>
     </pc:docChg>
   </pc:docChgLst>
 </pc:chgInfo>
@@ -395,7 +419,6 @@
               <a:rPr lang="en-US"/>
               <a:t>Click to edit Master title style</a:t>
             </a:r>
-            <a:endParaRPr lang="en-US" dirty="0"/>
           </a:p>
         </p:txBody>
       </p:sp>
@@ -515,7 +538,6 @@
               <a:rPr lang="en-US"/>
               <a:t>Click to edit Master subtitle style</a:t>
             </a:r>
-            <a:endParaRPr lang="en-US" dirty="0"/>
           </a:p>
         </p:txBody>
       </p:sp>
@@ -538,7 +560,7 @@
               <a:rPr lang="en-IN" smtClean="0"/>
               <a:t>15-12-2024</a:t>
             </a:fld>
-            <a:endParaRPr lang="en-IN" dirty="0"/>
+            <a:endParaRPr lang="en-IN"/>
           </a:p>
         </p:txBody>
       </p:sp>
@@ -557,7 +579,7 @@
           <a:bodyPr/>
           <a:lstStyle/>
           <a:p>
-            <a:endParaRPr lang="en-IN" dirty="0"/>
+            <a:endParaRPr lang="en-IN"/>
           </a:p>
         </p:txBody>
       </p:sp>
@@ -580,7 +602,7 @@
               <a:rPr lang="en-IN" smtClean="0"/>
               <a:t>‹#›</a:t>
             </a:fld>
-            <a:endParaRPr lang="en-IN" dirty="0"/>
+            <a:endParaRPr lang="en-IN"/>
           </a:p>
         </p:txBody>
       </p:sp>
@@ -644,7 +666,6 @@
               <a:rPr lang="en-US"/>
               <a:t>Click to edit Master title style</a:t>
             </a:r>
-            <a:endParaRPr lang="en-US" dirty="0"/>
           </a:p>
         </p:txBody>
       </p:sp>
@@ -720,7 +741,7 @@
           </a:lstStyle>
           <a:p>
             <a:r>
-              <a:rPr lang="en-US" dirty="0"/>
+              <a:rPr lang="en-US"/>
               <a:t>Click icon to add picture</a:t>
             </a:r>
           </a:p>
@@ -812,7 +833,7 @@
               <a:rPr lang="en-IN" smtClean="0"/>
               <a:t>15-12-2024</a:t>
             </a:fld>
-            <a:endParaRPr lang="en-IN" dirty="0"/>
+            <a:endParaRPr lang="en-IN"/>
           </a:p>
         </p:txBody>
       </p:sp>
@@ -831,7 +852,7 @@
           <a:bodyPr/>
           <a:lstStyle/>
           <a:p>
-            <a:endParaRPr lang="en-IN" dirty="0"/>
+            <a:endParaRPr lang="en-IN"/>
           </a:p>
         </p:txBody>
       </p:sp>
@@ -854,7 +875,7 @@
               <a:rPr lang="en-IN" smtClean="0"/>
               <a:t>‹#›</a:t>
             </a:fld>
-            <a:endParaRPr lang="en-IN" dirty="0"/>
+            <a:endParaRPr lang="en-IN"/>
           </a:p>
         </p:txBody>
       </p:sp>
@@ -916,7 +937,6 @@
               <a:rPr lang="en-US"/>
               <a:t>Click to edit Master title style</a:t>
             </a:r>
-            <a:endParaRPr lang="en-US" dirty="0"/>
           </a:p>
         </p:txBody>
       </p:sp>
@@ -1006,7 +1026,7 @@
               <a:rPr lang="en-IN" smtClean="0"/>
               <a:t>15-12-2024</a:t>
             </a:fld>
-            <a:endParaRPr lang="en-IN" dirty="0"/>
+            <a:endParaRPr lang="en-IN"/>
           </a:p>
         </p:txBody>
       </p:sp>
@@ -1025,7 +1045,7 @@
           <a:bodyPr/>
           <a:lstStyle/>
           <a:p>
-            <a:endParaRPr lang="en-IN" dirty="0"/>
+            <a:endParaRPr lang="en-IN"/>
           </a:p>
         </p:txBody>
       </p:sp>
@@ -1048,7 +1068,7 @@
               <a:rPr lang="en-IN" smtClean="0"/>
               <a:t>‹#›</a:t>
             </a:fld>
-            <a:endParaRPr lang="en-IN" dirty="0"/>
+            <a:endParaRPr lang="en-IN"/>
           </a:p>
         </p:txBody>
       </p:sp>
@@ -1110,7 +1130,6 @@
               <a:rPr lang="en-US"/>
               <a:t>Click to edit Master title style</a:t>
             </a:r>
-            <a:endParaRPr lang="en-US" dirty="0"/>
           </a:p>
         </p:txBody>
       </p:sp>
@@ -1279,7 +1298,7 @@
               <a:rPr lang="en-IN" smtClean="0"/>
               <a:t>15-12-2024</a:t>
             </a:fld>
-            <a:endParaRPr lang="en-IN" dirty="0"/>
+            <a:endParaRPr lang="en-IN"/>
           </a:p>
         </p:txBody>
       </p:sp>
@@ -1298,7 +1317,7 @@
           <a:bodyPr/>
           <a:lstStyle/>
           <a:p>
-            <a:endParaRPr lang="en-IN" dirty="0"/>
+            <a:endParaRPr lang="en-IN"/>
           </a:p>
         </p:txBody>
       </p:sp>
@@ -1321,7 +1340,7 @@
               <a:rPr lang="en-IN" smtClean="0"/>
               <a:t>‹#›</a:t>
             </a:fld>
-            <a:endParaRPr lang="en-IN" dirty="0"/>
+            <a:endParaRPr lang="en-IN"/>
           </a:p>
         </p:txBody>
       </p:sp>
@@ -1366,7 +1385,7 @@
           <a:p>
             <a:pPr lvl="0"/>
             <a:r>
-              <a:rPr lang="en-US" dirty="0"/>
+              <a:rPr lang="en-US"/>
               <a:t>“</a:t>
             </a:r>
           </a:p>
@@ -1413,7 +1432,7 @@
           <a:p>
             <a:pPr lvl="0"/>
             <a:r>
-              <a:rPr lang="en-US" dirty="0"/>
+              <a:rPr lang="en-US"/>
               <a:t>”</a:t>
             </a:r>
           </a:p>
@@ -1477,7 +1496,6 @@
               <a:rPr lang="en-US"/>
               <a:t>Click to edit Master title style</a:t>
             </a:r>
-            <a:endParaRPr lang="en-US" dirty="0"/>
           </a:p>
         </p:txBody>
       </p:sp>
@@ -1620,7 +1638,7 @@
               <a:rPr lang="en-IN" smtClean="0"/>
               <a:t>15-12-2024</a:t>
             </a:fld>
-            <a:endParaRPr lang="en-IN" dirty="0"/>
+            <a:endParaRPr lang="en-IN"/>
           </a:p>
         </p:txBody>
       </p:sp>
@@ -1639,7 +1657,7 @@
           <a:bodyPr/>
           <a:lstStyle/>
           <a:p>
-            <a:endParaRPr lang="en-IN" dirty="0"/>
+            <a:endParaRPr lang="en-IN"/>
           </a:p>
         </p:txBody>
       </p:sp>
@@ -1662,7 +1680,7 @@
               <a:rPr lang="en-IN" smtClean="0"/>
               <a:t>‹#›</a:t>
             </a:fld>
-            <a:endParaRPr lang="en-IN" dirty="0"/>
+            <a:endParaRPr lang="en-IN"/>
           </a:p>
         </p:txBody>
       </p:sp>
@@ -1719,7 +1737,6 @@
               <a:rPr lang="en-US"/>
               <a:t>Click to edit Master title style</a:t>
             </a:r>
-            <a:endParaRPr lang="en-US" dirty="0"/>
           </a:p>
         </p:txBody>
       </p:sp>
@@ -2243,7 +2260,7 @@
               <a:rPr lang="en-IN" smtClean="0"/>
               <a:t>15-12-2024</a:t>
             </a:fld>
-            <a:endParaRPr lang="en-IN" dirty="0"/>
+            <a:endParaRPr lang="en-IN"/>
           </a:p>
         </p:txBody>
       </p:sp>
@@ -2262,7 +2279,7 @@
           <a:bodyPr/>
           <a:lstStyle/>
           <a:p>
-            <a:endParaRPr lang="en-IN" dirty="0"/>
+            <a:endParaRPr lang="en-IN"/>
           </a:p>
         </p:txBody>
       </p:sp>
@@ -2285,7 +2302,7 @@
               <a:rPr lang="en-IN" smtClean="0"/>
               <a:t>‹#›</a:t>
             </a:fld>
-            <a:endParaRPr lang="en-IN" dirty="0"/>
+            <a:endParaRPr lang="en-IN"/>
           </a:p>
         </p:txBody>
       </p:sp>
@@ -2342,7 +2359,6 @@
               <a:rPr lang="en-US"/>
               <a:t>Click to edit Master title style</a:t>
             </a:r>
-            <a:endParaRPr lang="en-US" dirty="0"/>
           </a:p>
         </p:txBody>
       </p:sp>
@@ -2492,7 +2508,7 @@
           </a:lstStyle>
           <a:p>
             <a:r>
-              <a:rPr lang="en-US" dirty="0"/>
+              <a:rPr lang="en-US"/>
               <a:t>Click icon to add picture</a:t>
             </a:r>
           </a:p>
@@ -2711,7 +2727,7 @@
           </a:lstStyle>
           <a:p>
             <a:r>
-              <a:rPr lang="en-US" dirty="0"/>
+              <a:rPr lang="en-US"/>
               <a:t>Click icon to add picture</a:t>
             </a:r>
           </a:p>
@@ -2930,7 +2946,7 @@
           </a:lstStyle>
           <a:p>
             <a:r>
-              <a:rPr lang="en-US" dirty="0"/>
+              <a:rPr lang="en-US"/>
               <a:t>Click icon to add picture</a:t>
             </a:r>
           </a:p>
@@ -3100,7 +3116,7 @@
               <a:rPr lang="en-IN" smtClean="0"/>
               <a:t>15-12-2024</a:t>
             </a:fld>
-            <a:endParaRPr lang="en-IN" dirty="0"/>
+            <a:endParaRPr lang="en-IN"/>
           </a:p>
         </p:txBody>
       </p:sp>
@@ -3119,7 +3135,7 @@
           <a:bodyPr/>
           <a:lstStyle/>
           <a:p>
-            <a:endParaRPr lang="en-IN" dirty="0"/>
+            <a:endParaRPr lang="en-IN"/>
           </a:p>
         </p:txBody>
       </p:sp>
@@ -3142,7 +3158,7 @@
               <a:rPr lang="en-IN" smtClean="0"/>
               <a:t>‹#›</a:t>
             </a:fld>
-            <a:endParaRPr lang="en-IN" dirty="0"/>
+            <a:endParaRPr lang="en-IN"/>
           </a:p>
         </p:txBody>
       </p:sp>
@@ -3195,7 +3211,6 @@
               <a:rPr lang="en-US"/>
               <a:t>Click to edit Master title style</a:t>
             </a:r>
-            <a:endParaRPr lang="en-US" dirty="0"/>
           </a:p>
         </p:txBody>
       </p:sp>
@@ -3247,7 +3262,6 @@
               <a:rPr lang="en-US"/>
               <a:t>Fifth level</a:t>
             </a:r>
-            <a:endParaRPr lang="en-US" dirty="0"/>
           </a:p>
         </p:txBody>
       </p:sp>
@@ -3270,7 +3284,7 @@
               <a:rPr lang="en-IN" smtClean="0"/>
               <a:t>15-12-2024</a:t>
             </a:fld>
-            <a:endParaRPr lang="en-IN" dirty="0"/>
+            <a:endParaRPr lang="en-IN"/>
           </a:p>
         </p:txBody>
       </p:sp>
@@ -3289,7 +3303,7 @@
           <a:bodyPr/>
           <a:lstStyle/>
           <a:p>
-            <a:endParaRPr lang="en-IN" dirty="0"/>
+            <a:endParaRPr lang="en-IN"/>
           </a:p>
         </p:txBody>
       </p:sp>
@@ -3312,7 +3326,7 @@
               <a:rPr lang="en-IN" smtClean="0"/>
               <a:t>‹#›</a:t>
             </a:fld>
-            <a:endParaRPr lang="en-IN" dirty="0"/>
+            <a:endParaRPr lang="en-IN"/>
           </a:p>
         </p:txBody>
       </p:sp>
@@ -3370,7 +3384,6 @@
               <a:rPr lang="en-US"/>
               <a:t>Click to edit Master title style</a:t>
             </a:r>
-            <a:endParaRPr lang="en-US" dirty="0"/>
           </a:p>
         </p:txBody>
       </p:sp>
@@ -3427,7 +3440,6 @@
               <a:rPr lang="en-US"/>
               <a:t>Fifth level</a:t>
             </a:r>
-            <a:endParaRPr lang="en-US" dirty="0"/>
           </a:p>
         </p:txBody>
       </p:sp>
@@ -3450,7 +3462,7 @@
               <a:rPr lang="en-IN" smtClean="0"/>
               <a:t>15-12-2024</a:t>
             </a:fld>
-            <a:endParaRPr lang="en-IN" dirty="0"/>
+            <a:endParaRPr lang="en-IN"/>
           </a:p>
         </p:txBody>
       </p:sp>
@@ -3469,7 +3481,7 @@
           <a:bodyPr/>
           <a:lstStyle/>
           <a:p>
-            <a:endParaRPr lang="en-IN" dirty="0"/>
+            <a:endParaRPr lang="en-IN"/>
           </a:p>
         </p:txBody>
       </p:sp>
@@ -3492,7 +3504,7 @@
               <a:rPr lang="en-IN" smtClean="0"/>
               <a:t>‹#›</a:t>
             </a:fld>
-            <a:endParaRPr lang="en-IN" dirty="0"/>
+            <a:endParaRPr lang="en-IN"/>
           </a:p>
         </p:txBody>
       </p:sp>
@@ -3545,7 +3557,6 @@
               <a:rPr lang="en-US"/>
               <a:t>Click to edit Master title style</a:t>
             </a:r>
-            <a:endParaRPr lang="en-US" dirty="0"/>
           </a:p>
         </p:txBody>
       </p:sp>
@@ -3597,7 +3608,6 @@
               <a:rPr lang="en-US"/>
               <a:t>Fifth level</a:t>
             </a:r>
-            <a:endParaRPr lang="en-US" dirty="0"/>
           </a:p>
         </p:txBody>
       </p:sp>
@@ -3620,7 +3630,7 @@
               <a:rPr lang="en-IN" smtClean="0"/>
               <a:t>15-12-2024</a:t>
             </a:fld>
-            <a:endParaRPr lang="en-IN" dirty="0"/>
+            <a:endParaRPr lang="en-IN"/>
           </a:p>
         </p:txBody>
       </p:sp>
@@ -3639,7 +3649,7 @@
           <a:bodyPr/>
           <a:lstStyle/>
           <a:p>
-            <a:endParaRPr lang="en-IN" dirty="0"/>
+            <a:endParaRPr lang="en-IN"/>
           </a:p>
         </p:txBody>
       </p:sp>
@@ -3662,7 +3672,7 @@
               <a:rPr lang="en-IN" smtClean="0"/>
               <a:t>‹#›</a:t>
             </a:fld>
-            <a:endParaRPr lang="en-IN" dirty="0"/>
+            <a:endParaRPr lang="en-IN"/>
           </a:p>
         </p:txBody>
       </p:sp>
@@ -3724,7 +3734,6 @@
               <a:rPr lang="en-US"/>
               <a:t>Click to edit Master title style</a:t>
             </a:r>
-            <a:endParaRPr lang="en-US" dirty="0"/>
           </a:p>
         </p:txBody>
       </p:sp>
@@ -3867,7 +3876,7 @@
               <a:rPr lang="en-IN" smtClean="0"/>
               <a:t>15-12-2024</a:t>
             </a:fld>
-            <a:endParaRPr lang="en-IN" dirty="0"/>
+            <a:endParaRPr lang="en-IN"/>
           </a:p>
         </p:txBody>
       </p:sp>
@@ -3886,7 +3895,7 @@
           <a:bodyPr/>
           <a:lstStyle/>
           <a:p>
-            <a:endParaRPr lang="en-IN" dirty="0"/>
+            <a:endParaRPr lang="en-IN"/>
           </a:p>
         </p:txBody>
       </p:sp>
@@ -3909,7 +3918,7 @@
               <a:rPr lang="en-IN" smtClean="0"/>
               <a:t>‹#›</a:t>
             </a:fld>
-            <a:endParaRPr lang="en-IN" dirty="0"/>
+            <a:endParaRPr lang="en-IN"/>
           </a:p>
         </p:txBody>
       </p:sp>
@@ -3962,7 +3971,6 @@
               <a:rPr lang="en-US"/>
               <a:t>Click to edit Master title style</a:t>
             </a:r>
-            <a:endParaRPr lang="en-US" dirty="0"/>
           </a:p>
         </p:txBody>
       </p:sp>
@@ -4049,7 +4057,6 @@
               <a:rPr lang="en-US"/>
               <a:t>Fifth level</a:t>
             </a:r>
-            <a:endParaRPr lang="en-US" dirty="0"/>
           </a:p>
         </p:txBody>
       </p:sp>
@@ -4136,7 +4143,6 @@
               <a:rPr lang="en-US"/>
               <a:t>Fifth level</a:t>
             </a:r>
-            <a:endParaRPr lang="en-US" dirty="0"/>
           </a:p>
         </p:txBody>
       </p:sp>
@@ -4159,7 +4165,7 @@
               <a:rPr lang="en-IN" smtClean="0"/>
               <a:t>15-12-2024</a:t>
             </a:fld>
-            <a:endParaRPr lang="en-IN" dirty="0"/>
+            <a:endParaRPr lang="en-IN"/>
           </a:p>
         </p:txBody>
       </p:sp>
@@ -4178,7 +4184,7 @@
           <a:bodyPr/>
           <a:lstStyle/>
           <a:p>
-            <a:endParaRPr lang="en-IN" dirty="0"/>
+            <a:endParaRPr lang="en-IN"/>
           </a:p>
         </p:txBody>
       </p:sp>
@@ -4201,7 +4207,7 @@
               <a:rPr lang="en-IN" smtClean="0"/>
               <a:t>‹#›</a:t>
             </a:fld>
-            <a:endParaRPr lang="en-IN" dirty="0"/>
+            <a:endParaRPr lang="en-IN"/>
           </a:p>
         </p:txBody>
       </p:sp>
@@ -4258,7 +4264,6 @@
               <a:rPr lang="en-US"/>
               <a:t>Click to edit Master title style</a:t>
             </a:r>
-            <a:endParaRPr lang="en-US" dirty="0"/>
           </a:p>
         </p:txBody>
       </p:sp>
@@ -4419,7 +4424,6 @@
               <a:rPr lang="en-US"/>
               <a:t>Fifth level</a:t>
             </a:r>
-            <a:endParaRPr lang="en-US" dirty="0"/>
           </a:p>
         </p:txBody>
       </p:sp>
@@ -4580,7 +4584,6 @@
               <a:rPr lang="en-US"/>
               <a:t>Fifth level</a:t>
             </a:r>
-            <a:endParaRPr lang="en-US" dirty="0"/>
           </a:p>
         </p:txBody>
       </p:sp>
@@ -4603,7 +4606,7 @@
               <a:rPr lang="en-IN" smtClean="0"/>
               <a:t>15-12-2024</a:t>
             </a:fld>
-            <a:endParaRPr lang="en-IN" dirty="0"/>
+            <a:endParaRPr lang="en-IN"/>
           </a:p>
         </p:txBody>
       </p:sp>
@@ -4622,7 +4625,7 @@
           <a:bodyPr/>
           <a:lstStyle/>
           <a:p>
-            <a:endParaRPr lang="en-IN" dirty="0"/>
+            <a:endParaRPr lang="en-IN"/>
           </a:p>
         </p:txBody>
       </p:sp>
@@ -4645,7 +4648,7 @@
               <a:rPr lang="en-IN" smtClean="0"/>
               <a:t>‹#›</a:t>
             </a:fld>
-            <a:endParaRPr lang="en-IN" dirty="0"/>
+            <a:endParaRPr lang="en-IN"/>
           </a:p>
         </p:txBody>
       </p:sp>
@@ -4698,7 +4701,6 @@
               <a:rPr lang="en-US"/>
               <a:t>Click to edit Master title style</a:t>
             </a:r>
-            <a:endParaRPr lang="en-US" dirty="0"/>
           </a:p>
         </p:txBody>
       </p:sp>
@@ -4721,7 +4723,7 @@
               <a:rPr lang="en-IN" smtClean="0"/>
               <a:t>15-12-2024</a:t>
             </a:fld>
-            <a:endParaRPr lang="en-IN" dirty="0"/>
+            <a:endParaRPr lang="en-IN"/>
           </a:p>
         </p:txBody>
       </p:sp>
@@ -4740,7 +4742,7 @@
           <a:bodyPr/>
           <a:lstStyle/>
           <a:p>
-            <a:endParaRPr lang="en-IN" dirty="0"/>
+            <a:endParaRPr lang="en-IN"/>
           </a:p>
         </p:txBody>
       </p:sp>
@@ -4763,7 +4765,7 @@
               <a:rPr lang="en-IN" smtClean="0"/>
               <a:t>‹#›</a:t>
             </a:fld>
-            <a:endParaRPr lang="en-IN" dirty="0"/>
+            <a:endParaRPr lang="en-IN"/>
           </a:p>
         </p:txBody>
       </p:sp>
@@ -4816,7 +4818,7 @@
               <a:rPr lang="en-IN" smtClean="0"/>
               <a:t>15-12-2024</a:t>
             </a:fld>
-            <a:endParaRPr lang="en-IN" dirty="0"/>
+            <a:endParaRPr lang="en-IN"/>
           </a:p>
         </p:txBody>
       </p:sp>
@@ -4835,7 +4837,7 @@
           <a:bodyPr/>
           <a:lstStyle/>
           <a:p>
-            <a:endParaRPr lang="en-IN" dirty="0"/>
+            <a:endParaRPr lang="en-IN"/>
           </a:p>
         </p:txBody>
       </p:sp>
@@ -4858,7 +4860,7 @@
               <a:rPr lang="en-IN" smtClean="0"/>
               <a:t>‹#›</a:t>
             </a:fld>
-            <a:endParaRPr lang="en-IN" dirty="0"/>
+            <a:endParaRPr lang="en-IN"/>
           </a:p>
         </p:txBody>
       </p:sp>
@@ -4920,7 +4922,6 @@
               <a:rPr lang="en-US"/>
               <a:t>Click to edit Master title style</a:t>
             </a:r>
-            <a:endParaRPr lang="en-US" dirty="0"/>
           </a:p>
         </p:txBody>
       </p:sp>
@@ -5007,7 +5008,6 @@
               <a:rPr lang="en-US"/>
               <a:t>Fifth level</a:t>
             </a:r>
-            <a:endParaRPr lang="en-US" dirty="0"/>
           </a:p>
         </p:txBody>
       </p:sp>
@@ -5095,7 +5095,7 @@
               <a:rPr lang="en-IN" smtClean="0"/>
               <a:t>15-12-2024</a:t>
             </a:fld>
-            <a:endParaRPr lang="en-IN" dirty="0"/>
+            <a:endParaRPr lang="en-IN"/>
           </a:p>
         </p:txBody>
       </p:sp>
@@ -5114,7 +5114,7 @@
           <a:bodyPr/>
           <a:lstStyle/>
           <a:p>
-            <a:endParaRPr lang="en-IN" dirty="0"/>
+            <a:endParaRPr lang="en-IN"/>
           </a:p>
         </p:txBody>
       </p:sp>
@@ -5137,7 +5137,7 @@
               <a:rPr lang="en-IN" smtClean="0"/>
               <a:t>‹#›</a:t>
             </a:fld>
-            <a:endParaRPr lang="en-IN" dirty="0"/>
+            <a:endParaRPr lang="en-IN"/>
           </a:p>
         </p:txBody>
       </p:sp>
@@ -5201,7 +5201,6 @@
               <a:rPr lang="en-US"/>
               <a:t>Click to edit Master title style</a:t>
             </a:r>
-            <a:endParaRPr lang="en-US" dirty="0"/>
           </a:p>
         </p:txBody>
       </p:sp>
@@ -5277,7 +5276,7 @@
           </a:lstStyle>
           <a:p>
             <a:r>
-              <a:rPr lang="en-US" dirty="0"/>
+              <a:rPr lang="en-US"/>
               <a:t>Click icon to add picture</a:t>
             </a:r>
           </a:p>
@@ -5369,7 +5368,7 @@
               <a:rPr lang="en-IN" smtClean="0"/>
               <a:t>15-12-2024</a:t>
             </a:fld>
-            <a:endParaRPr lang="en-IN" dirty="0"/>
+            <a:endParaRPr lang="en-IN"/>
           </a:p>
         </p:txBody>
       </p:sp>
@@ -5388,7 +5387,7 @@
           <a:bodyPr/>
           <a:lstStyle/>
           <a:p>
-            <a:endParaRPr lang="en-IN" dirty="0"/>
+            <a:endParaRPr lang="en-IN"/>
           </a:p>
         </p:txBody>
       </p:sp>
@@ -5411,7 +5410,7 @@
               <a:rPr lang="en-IN" smtClean="0"/>
               <a:t>‹#›</a:t>
             </a:fld>
-            <a:endParaRPr lang="en-IN" dirty="0"/>
+            <a:endParaRPr lang="en-IN"/>
           </a:p>
         </p:txBody>
       </p:sp>
@@ -5694,7 +5693,6 @@
               <a:rPr lang="en-US"/>
               <a:t>Click to edit Master title style</a:t>
             </a:r>
-            <a:endParaRPr lang="en-US" dirty="0"/>
           </a:p>
         </p:txBody>
       </p:sp>
@@ -5756,7 +5754,6 @@
               <a:rPr lang="en-US"/>
               <a:t>Fifth level</a:t>
             </a:r>
-            <a:endParaRPr lang="en-US" dirty="0"/>
           </a:p>
         </p:txBody>
       </p:sp>
@@ -5798,7 +5795,7 @@
               <a:rPr lang="en-IN" smtClean="0"/>
               <a:t>15-12-2024</a:t>
             </a:fld>
-            <a:endParaRPr lang="en-IN" dirty="0"/>
+            <a:endParaRPr lang="en-IN"/>
           </a:p>
         </p:txBody>
       </p:sp>
@@ -5836,7 +5833,7 @@
             </a:lvl1pPr>
           </a:lstStyle>
           <a:p>
-            <a:endParaRPr lang="en-IN" dirty="0"/>
+            <a:endParaRPr lang="en-IN"/>
           </a:p>
         </p:txBody>
       </p:sp>
@@ -5877,7 +5874,7 @@
               <a:rPr lang="en-IN" smtClean="0"/>
               <a:t>‹#›</a:t>
             </a:fld>
-            <a:endParaRPr lang="en-IN" dirty="0"/>
+            <a:endParaRPr lang="en-IN"/>
           </a:p>
         </p:txBody>
       </p:sp>
@@ -6354,13 +6351,13 @@
           <a:p>
             <a:pPr algn="ctr"/>
             <a:r>
-              <a:rPr lang="en-IN" sz="3200" b="1" i="0" u="none" strike="noStrike" baseline="0" dirty="0">
+              <a:rPr lang="en-IN" sz="3200" b="1" i="0" u="none" strike="noStrike" baseline="0">
                 <a:latin typeface="Times New Roman" panose="02020603050405020304" pitchFamily="18" charset="0"/>
                 <a:cs typeface="Times New Roman" panose="02020603050405020304" pitchFamily="18" charset="0"/>
               </a:rPr>
               <a:t>EXERCISE 2: IMPLEMENTATION</a:t>
             </a:r>
-            <a:endParaRPr lang="en-IN" sz="3200" b="1" dirty="0">
+            <a:endParaRPr lang="en-IN" sz="3200" b="1">
               <a:latin typeface="Times New Roman" panose="02020603050405020304" pitchFamily="18" charset="0"/>
               <a:cs typeface="Times New Roman" panose="02020603050405020304" pitchFamily="18" charset="0"/>
             </a:endParaRPr>
@@ -6397,42 +6394,42 @@
           <a:p>
             <a:pPr algn="just"/>
             <a:r>
-              <a:rPr lang="en-IN" sz="2000" cap="none" dirty="0">
+              <a:rPr lang="en-IN" sz="2000" cap="none">
                 <a:latin typeface="Times New Roman" panose="02020603050405020304" pitchFamily="18" charset="0"/>
                 <a:cs typeface="Times New Roman" panose="02020603050405020304" pitchFamily="18" charset="0"/>
               </a:rPr>
               <a:t>In this exercise, we </a:t>
             </a:r>
             <a:r>
-              <a:rPr lang="en-US" sz="2000" cap="none" dirty="0">
+              <a:rPr lang="en-US" sz="2000" cap="none">
                 <a:latin typeface="Times New Roman" panose="02020603050405020304" pitchFamily="18" charset="0"/>
                 <a:cs typeface="Times New Roman" panose="02020603050405020304" pitchFamily="18" charset="0"/>
               </a:rPr>
               <a:t>implemented a </a:t>
             </a:r>
             <a:r>
-              <a:rPr lang="en-US" cap="none" dirty="0">
+              <a:rPr lang="en-US" cap="none">
                 <a:latin typeface="Times New Roman" panose="02020603050405020304" pitchFamily="18" charset="0"/>
                 <a:cs typeface="Times New Roman" panose="02020603050405020304" pitchFamily="18" charset="0"/>
               </a:rPr>
               <a:t>R</a:t>
             </a:r>
             <a:r>
-              <a:rPr lang="en-US" sz="2000" cap="none" dirty="0">
+              <a:rPr lang="en-US" sz="2000" cap="none">
                 <a:latin typeface="Times New Roman" panose="02020603050405020304" pitchFamily="18" charset="0"/>
                 <a:cs typeface="Times New Roman" panose="02020603050405020304" pitchFamily="18" charset="0"/>
               </a:rPr>
               <a:t>andom </a:t>
             </a:r>
             <a:r>
-              <a:rPr lang="en-US" cap="none" dirty="0">
+              <a:rPr lang="en-US" cap="none">
                 <a:latin typeface="Times New Roman" panose="02020603050405020304" pitchFamily="18" charset="0"/>
                 <a:cs typeface="Times New Roman" panose="02020603050405020304" pitchFamily="18" charset="0"/>
               </a:rPr>
               <a:t>F</a:t>
             </a:r>
             <a:r>
-              <a:rPr lang="en-US" sz="2000" cap="none" dirty="0">
+              <a:rPr lang="en-US" sz="2000" cap="none">
                 <a:latin typeface="Times New Roman" panose="02020603050405020304" pitchFamily="18" charset="0"/>
                 <a:cs typeface="Times New Roman" panose="02020603050405020304" pitchFamily="18" charset="0"/>
               </a:rPr>
@@ -6442,14 +6439,14 @@
           <a:p>
             <a:pPr algn="just"/>
             <a:r>
-              <a:rPr lang="en-US" sz="2000" cap="none" dirty="0">
+              <a:rPr lang="en-US" sz="2000" cap="none">
                 <a:latin typeface="Times New Roman" panose="02020603050405020304" pitchFamily="18" charset="0"/>
                 <a:cs typeface="Times New Roman" panose="02020603050405020304" pitchFamily="18" charset="0"/>
               </a:rPr>
               <a:t>Trees) for predicting numeric values. We selected two datasets, namely, colleges (large, high dimensional with missing values) and real estate valuation (small, low dimensional and no missing value). The colleges dataset has 51 attributes which are numeric, ordinal and nominal. The target attribute is taken as “percent_pell_grant”. The real estate valuation dataset has 8 attributes which are all numeric and the target attribute is “Y house price of unit area</a:t>
             </a:r>
             <a:r>
-              <a:rPr lang="en-US" sz="2000" dirty="0">
+              <a:rPr lang="en-US" sz="2000">
                 <a:latin typeface="Times New Roman" panose="02020603050405020304" pitchFamily="18" charset="0"/>
                 <a:cs typeface="Times New Roman" panose="02020603050405020304" pitchFamily="18" charset="0"/>
               </a:rPr>
@@ -6458,7 +6455,7 @@
           </a:p>
           <a:p>
             <a:pPr algn="just"/>
-            <a:endParaRPr lang="en-IN" sz="2000" dirty="0">
+            <a:endParaRPr lang="en-IN" sz="2000">
               <a:latin typeface="Times New Roman" panose="02020603050405020304" pitchFamily="18" charset="0"/>
               <a:cs typeface="Times New Roman" panose="02020603050405020304" pitchFamily="18" charset="0"/>
             </a:endParaRPr>
@@ -6495,7 +6492,7 @@
           <a:p>
             <a:pPr algn="l"/>
             <a:r>
-              <a:rPr lang="en-IN" sz="2000" b="0" i="0" u="none" strike="noStrike" baseline="0" dirty="0">
+              <a:rPr lang="en-IN" sz="2000" b="0" i="0" u="none" strike="noStrike" baseline="0">
                 <a:latin typeface="Times New Roman" panose="02020603050405020304" pitchFamily="18" charset="0"/>
                 <a:cs typeface="Times New Roman" panose="02020603050405020304" pitchFamily="18" charset="0"/>
               </a:rPr>
@@ -6505,7 +6502,7 @@
           <a:p>
             <a:pPr algn="l"/>
             <a:r>
-              <a:rPr lang="en-IN" sz="2000" b="0" i="0" u="none" strike="noStrike" baseline="0" dirty="0">
+              <a:rPr lang="en-IN" sz="2000" b="0" i="0" u="none" strike="noStrike" baseline="0">
                 <a:latin typeface="Times New Roman" panose="02020603050405020304" pitchFamily="18" charset="0"/>
                 <a:cs typeface="Times New Roman" panose="02020603050405020304" pitchFamily="18" charset="0"/>
               </a:rPr>
@@ -6515,13 +6512,13 @@
           <a:p>
             <a:pPr algn="l"/>
             <a:r>
-              <a:rPr lang="en-IN" sz="2000" b="0" i="0" u="none" strike="noStrike" baseline="0" dirty="0">
+              <a:rPr lang="en-IN" sz="2000" b="0" i="0" u="none" strike="noStrike" baseline="0">
                 <a:latin typeface="Times New Roman" panose="02020603050405020304" pitchFamily="18" charset="0"/>
                 <a:cs typeface="Times New Roman" panose="02020603050405020304" pitchFamily="18" charset="0"/>
               </a:rPr>
               <a:t>Haubenburger Gabriel (11840531)</a:t>
             </a:r>
-            <a:endParaRPr lang="en-IN" sz="2000" dirty="0">
+            <a:endParaRPr lang="en-IN" sz="2000">
               <a:latin typeface="Times New Roman" panose="02020603050405020304" pitchFamily="18" charset="0"/>
               <a:cs typeface="Times New Roman" panose="02020603050405020304" pitchFamily="18" charset="0"/>
             </a:endParaRPr>
@@ -6558,7 +6555,7 @@
           <a:p>
             <a:pPr algn="ctr"/>
             <a:r>
-              <a:rPr lang="en-IN" sz="2400" b="1" dirty="0">
+              <a:rPr lang="en-IN" sz="2400" b="1">
                 <a:latin typeface="Times New Roman" panose="02020603050405020304" pitchFamily="18" charset="0"/>
                 <a:cs typeface="Times New Roman" panose="02020603050405020304" pitchFamily="18" charset="0"/>
               </a:rPr>
@@ -6602,7 +6599,7 @@
           <p:cNvPr id="2" name="Title 1">
             <a:extLst>
               <a:ext uri="{FF2B5EF4-FFF2-40B4-BE49-F238E27FC236}">
-                <a16:creationId xmlns:a16="http://schemas.microsoft.com/office/drawing/2014/main" id="{4D54CD70-A7C7-B159-DB36-DD35BB897E4A}"/>
+                <a16:creationId xmlns:a16="http://schemas.microsoft.com/office/drawing/2014/main" id="{F2828560-3281-7AA8-FACE-BE9A95FCF4EE}"/>
               </a:ext>
             </a:extLst>
           </p:cNvPr>
@@ -6619,8 +6616,8 @@
           <a:lstStyle/>
           <a:p>
             <a:r>
-              <a:rPr lang="en-US" dirty="0"/>
-              <a:t>Conclusion</a:t>
+              <a:rPr lang="de-AT"/>
+              <a:t>Efficiency</a:t>
             </a:r>
           </a:p>
         </p:txBody>
@@ -6630,7 +6627,7 @@
           <p:cNvPr id="3" name="Content Placeholder 2">
             <a:extLst>
               <a:ext uri="{FF2B5EF4-FFF2-40B4-BE49-F238E27FC236}">
-                <a16:creationId xmlns:a16="http://schemas.microsoft.com/office/drawing/2014/main" id="{84CFF438-856F-957D-7156-C2F5B4AFDC20}"/>
+                <a16:creationId xmlns:a16="http://schemas.microsoft.com/office/drawing/2014/main" id="{C2C34ABA-A410-7029-1000-0F296A1EC0E5}"/>
               </a:ext>
             </a:extLst>
           </p:cNvPr>
@@ -6646,14 +6643,14 @@
           <a:bodyPr/>
           <a:lstStyle/>
           <a:p>
-            <a:endParaRPr lang="de-AT" dirty="0"/>
+            <a:endParaRPr lang="de-AT"/>
           </a:p>
         </p:txBody>
       </p:sp>
     </p:spTree>
     <p:extLst>
       <p:ext uri="{BB962C8B-B14F-4D97-AF65-F5344CB8AC3E}">
-        <p14:creationId xmlns:p14="http://schemas.microsoft.com/office/powerpoint/2010/main" val="3637246051"/>
+        <p14:creationId xmlns:p14="http://schemas.microsoft.com/office/powerpoint/2010/main" val="4222534279"/>
       </p:ext>
     </p:extLst>
   </p:cSld>
@@ -6685,7 +6682,7 @@
           <p:cNvPr id="2" name="Title 1">
             <a:extLst>
               <a:ext uri="{FF2B5EF4-FFF2-40B4-BE49-F238E27FC236}">
-                <a16:creationId xmlns:a16="http://schemas.microsoft.com/office/drawing/2014/main" id="{F2828560-3281-7AA8-FACE-BE9A95FCF4EE}"/>
+                <a16:creationId xmlns:a16="http://schemas.microsoft.com/office/drawing/2014/main" id="{4D54CD70-A7C7-B159-DB36-DD35BB897E4A}"/>
               </a:ext>
             </a:extLst>
           </p:cNvPr>
@@ -6701,7 +6698,10 @@
           <a:bodyPr/>
           <a:lstStyle/>
           <a:p>
-            <a:endParaRPr lang="de-AT" dirty="0"/>
+            <a:r>
+              <a:rPr lang="en-US"/>
+              <a:t>Conclusion</a:t>
+            </a:r>
           </a:p>
         </p:txBody>
       </p:sp>
@@ -6710,7 +6710,7 @@
           <p:cNvPr id="3" name="Content Placeholder 2">
             <a:extLst>
               <a:ext uri="{FF2B5EF4-FFF2-40B4-BE49-F238E27FC236}">
-                <a16:creationId xmlns:a16="http://schemas.microsoft.com/office/drawing/2014/main" id="{C2C34ABA-A410-7029-1000-0F296A1EC0E5}"/>
+                <a16:creationId xmlns:a16="http://schemas.microsoft.com/office/drawing/2014/main" id="{84CFF438-856F-957D-7156-C2F5B4AFDC20}"/>
               </a:ext>
             </a:extLst>
           </p:cNvPr>
@@ -6726,14 +6726,14 @@
           <a:bodyPr/>
           <a:lstStyle/>
           <a:p>
-            <a:endParaRPr lang="de-AT" dirty="0"/>
+            <a:endParaRPr lang="de-AT"/>
           </a:p>
         </p:txBody>
       </p:sp>
     </p:spTree>
     <p:extLst>
       <p:ext uri="{BB962C8B-B14F-4D97-AF65-F5344CB8AC3E}">
-        <p14:creationId xmlns:p14="http://schemas.microsoft.com/office/powerpoint/2010/main" val="1764173400"/>
+        <p14:creationId xmlns:p14="http://schemas.microsoft.com/office/powerpoint/2010/main" val="3637246051"/>
       </p:ext>
     </p:extLst>
   </p:cSld>
@@ -6765,7 +6765,7 @@
           <p:cNvPr id="2" name="Title 1">
             <a:extLst>
               <a:ext uri="{FF2B5EF4-FFF2-40B4-BE49-F238E27FC236}">
-                <a16:creationId xmlns:a16="http://schemas.microsoft.com/office/drawing/2014/main" id="{C9BDEEB6-777B-7139-49B8-78BA05B48F84}"/>
+                <a16:creationId xmlns:a16="http://schemas.microsoft.com/office/drawing/2014/main" id="{F2828560-3281-7AA8-FACE-BE9A95FCF4EE}"/>
               </a:ext>
             </a:extLst>
           </p:cNvPr>
@@ -6781,7 +6781,7 @@
           <a:bodyPr/>
           <a:lstStyle/>
           <a:p>
-            <a:endParaRPr lang="de-AT" dirty="0"/>
+            <a:endParaRPr lang="de-AT"/>
           </a:p>
         </p:txBody>
       </p:sp>
@@ -6790,7 +6790,7 @@
           <p:cNvPr id="3" name="Content Placeholder 2">
             <a:extLst>
               <a:ext uri="{FF2B5EF4-FFF2-40B4-BE49-F238E27FC236}">
-                <a16:creationId xmlns:a16="http://schemas.microsoft.com/office/drawing/2014/main" id="{3244DD77-BA9C-4A0C-D04C-7099FEF90762}"/>
+                <a16:creationId xmlns:a16="http://schemas.microsoft.com/office/drawing/2014/main" id="{C2C34ABA-A410-7029-1000-0F296A1EC0E5}"/>
               </a:ext>
             </a:extLst>
           </p:cNvPr>
@@ -6806,14 +6806,14 @@
           <a:bodyPr/>
           <a:lstStyle/>
           <a:p>
-            <a:endParaRPr lang="de-AT" dirty="0"/>
+            <a:endParaRPr lang="de-AT"/>
           </a:p>
         </p:txBody>
       </p:sp>
     </p:spTree>
     <p:extLst>
       <p:ext uri="{BB962C8B-B14F-4D97-AF65-F5344CB8AC3E}">
-        <p14:creationId xmlns:p14="http://schemas.microsoft.com/office/powerpoint/2010/main" val="1936087243"/>
+        <p14:creationId xmlns:p14="http://schemas.microsoft.com/office/powerpoint/2010/main" val="1764173400"/>
       </p:ext>
     </p:extLst>
   </p:cSld>
@@ -6845,7 +6845,7 @@
           <p:cNvPr id="2" name="Title 1">
             <a:extLst>
               <a:ext uri="{FF2B5EF4-FFF2-40B4-BE49-F238E27FC236}">
-                <a16:creationId xmlns:a16="http://schemas.microsoft.com/office/drawing/2014/main" id="{B8031770-91DB-E235-9154-D52999D90641}"/>
+                <a16:creationId xmlns:a16="http://schemas.microsoft.com/office/drawing/2014/main" id="{C9BDEEB6-777B-7139-49B8-78BA05B48F84}"/>
               </a:ext>
             </a:extLst>
           </p:cNvPr>
@@ -6861,7 +6861,7 @@
           <a:bodyPr/>
           <a:lstStyle/>
           <a:p>
-            <a:endParaRPr lang="de-AT" dirty="0"/>
+            <a:endParaRPr lang="de-AT"/>
           </a:p>
         </p:txBody>
       </p:sp>
@@ -6870,7 +6870,7 @@
           <p:cNvPr id="3" name="Content Placeholder 2">
             <a:extLst>
               <a:ext uri="{FF2B5EF4-FFF2-40B4-BE49-F238E27FC236}">
-                <a16:creationId xmlns:a16="http://schemas.microsoft.com/office/drawing/2014/main" id="{77AC39F9-30E5-45C4-7885-2A40A50E6108}"/>
+                <a16:creationId xmlns:a16="http://schemas.microsoft.com/office/drawing/2014/main" id="{3244DD77-BA9C-4A0C-D04C-7099FEF90762}"/>
               </a:ext>
             </a:extLst>
           </p:cNvPr>
@@ -6886,14 +6886,14 @@
           <a:bodyPr/>
           <a:lstStyle/>
           <a:p>
-            <a:endParaRPr lang="de-AT" dirty="0"/>
+            <a:endParaRPr lang="de-AT"/>
           </a:p>
         </p:txBody>
       </p:sp>
     </p:spTree>
     <p:extLst>
       <p:ext uri="{BB962C8B-B14F-4D97-AF65-F5344CB8AC3E}">
-        <p14:creationId xmlns:p14="http://schemas.microsoft.com/office/powerpoint/2010/main" val="868701430"/>
+        <p14:creationId xmlns:p14="http://schemas.microsoft.com/office/powerpoint/2010/main" val="1936087243"/>
       </p:ext>
     </p:extLst>
   </p:cSld>
@@ -6925,7 +6925,7 @@
           <p:cNvPr id="2" name="Title 1">
             <a:extLst>
               <a:ext uri="{FF2B5EF4-FFF2-40B4-BE49-F238E27FC236}">
-                <a16:creationId xmlns:a16="http://schemas.microsoft.com/office/drawing/2014/main" id="{9C3C3A8D-1E82-EA30-3D13-AFF5A3349BE0}"/>
+                <a16:creationId xmlns:a16="http://schemas.microsoft.com/office/drawing/2014/main" id="{B8031770-91DB-E235-9154-D52999D90641}"/>
               </a:ext>
             </a:extLst>
           </p:cNvPr>
@@ -6941,7 +6941,7 @@
           <a:bodyPr/>
           <a:lstStyle/>
           <a:p>
-            <a:endParaRPr lang="de-AT" dirty="0"/>
+            <a:endParaRPr lang="de-AT"/>
           </a:p>
         </p:txBody>
       </p:sp>
@@ -6950,7 +6950,7 @@
           <p:cNvPr id="3" name="Content Placeholder 2">
             <a:extLst>
               <a:ext uri="{FF2B5EF4-FFF2-40B4-BE49-F238E27FC236}">
-                <a16:creationId xmlns:a16="http://schemas.microsoft.com/office/drawing/2014/main" id="{B0FC1963-7441-5AFB-0B26-C4C1AB405478}"/>
+                <a16:creationId xmlns:a16="http://schemas.microsoft.com/office/drawing/2014/main" id="{77AC39F9-30E5-45C4-7885-2A40A50E6108}"/>
               </a:ext>
             </a:extLst>
           </p:cNvPr>
@@ -6966,14 +6966,14 @@
           <a:bodyPr/>
           <a:lstStyle/>
           <a:p>
-            <a:endParaRPr lang="de-AT" dirty="0"/>
+            <a:endParaRPr lang="de-AT"/>
           </a:p>
         </p:txBody>
       </p:sp>
     </p:spTree>
     <p:extLst>
       <p:ext uri="{BB962C8B-B14F-4D97-AF65-F5344CB8AC3E}">
-        <p14:creationId xmlns:p14="http://schemas.microsoft.com/office/powerpoint/2010/main" val="2731784210"/>
+        <p14:creationId xmlns:p14="http://schemas.microsoft.com/office/powerpoint/2010/main" val="868701430"/>
       </p:ext>
     </p:extLst>
   </p:cSld>
@@ -7005,6 +7005,86 @@
           <p:cNvPr id="2" name="Title 1">
             <a:extLst>
               <a:ext uri="{FF2B5EF4-FFF2-40B4-BE49-F238E27FC236}">
+                <a16:creationId xmlns:a16="http://schemas.microsoft.com/office/drawing/2014/main" id="{9C3C3A8D-1E82-EA30-3D13-AFF5A3349BE0}"/>
+              </a:ext>
+            </a:extLst>
+          </p:cNvPr>
+          <p:cNvSpPr>
+            <a:spLocks noGrp="1"/>
+          </p:cNvSpPr>
+          <p:nvPr>
+            <p:ph type="title"/>
+          </p:nvPr>
+        </p:nvSpPr>
+        <p:spPr/>
+        <p:txBody>
+          <a:bodyPr/>
+          <a:lstStyle/>
+          <a:p>
+            <a:endParaRPr lang="de-AT"/>
+          </a:p>
+        </p:txBody>
+      </p:sp>
+      <p:sp>
+        <p:nvSpPr>
+          <p:cNvPr id="3" name="Content Placeholder 2">
+            <a:extLst>
+              <a:ext uri="{FF2B5EF4-FFF2-40B4-BE49-F238E27FC236}">
+                <a16:creationId xmlns:a16="http://schemas.microsoft.com/office/drawing/2014/main" id="{B0FC1963-7441-5AFB-0B26-C4C1AB405478}"/>
+              </a:ext>
+            </a:extLst>
+          </p:cNvPr>
+          <p:cNvSpPr>
+            <a:spLocks noGrp="1"/>
+          </p:cNvSpPr>
+          <p:nvPr>
+            <p:ph idx="1"/>
+          </p:nvPr>
+        </p:nvSpPr>
+        <p:spPr/>
+        <p:txBody>
+          <a:bodyPr/>
+          <a:lstStyle/>
+          <a:p>
+            <a:endParaRPr lang="de-AT"/>
+          </a:p>
+        </p:txBody>
+      </p:sp>
+    </p:spTree>
+    <p:extLst>
+      <p:ext uri="{BB962C8B-B14F-4D97-AF65-F5344CB8AC3E}">
+        <p14:creationId xmlns:p14="http://schemas.microsoft.com/office/powerpoint/2010/main" val="2731784210"/>
+      </p:ext>
+    </p:extLst>
+  </p:cSld>
+  <p:clrMapOvr>
+    <a:masterClrMapping/>
+  </p:clrMapOvr>
+</p:sld>
+</file>
+
+<file path=ppt/slides/slide16.xml><?xml version="1.0" encoding="utf-8"?>
+<p:sld xmlns:a="http://schemas.openxmlformats.org/drawingml/2006/main" xmlns:r="http://schemas.openxmlformats.org/officeDocument/2006/relationships" xmlns:p="http://schemas.openxmlformats.org/presentationml/2006/main">
+  <p:cSld>
+    <p:spTree>
+      <p:nvGrpSpPr>
+        <p:cNvPr id="1" name=""/>
+        <p:cNvGrpSpPr/>
+        <p:nvPr/>
+      </p:nvGrpSpPr>
+      <p:grpSpPr>
+        <a:xfrm>
+          <a:off x="0" y="0"/>
+          <a:ext cx="0" cy="0"/>
+          <a:chOff x="0" y="0"/>
+          <a:chExt cx="0" cy="0"/>
+        </a:xfrm>
+      </p:grpSpPr>
+      <p:sp>
+        <p:nvSpPr>
+          <p:cNvPr id="2" name="Title 1">
+            <a:extLst>
+              <a:ext uri="{FF2B5EF4-FFF2-40B4-BE49-F238E27FC236}">
                 <a16:creationId xmlns:a16="http://schemas.microsoft.com/office/drawing/2014/main" id="{818E5137-9F21-7374-8AF7-83B95450444B}"/>
               </a:ext>
             </a:extLst>
@@ -7021,7 +7101,7 @@
           <a:bodyPr/>
           <a:lstStyle/>
           <a:p>
-            <a:endParaRPr lang="de-AT" dirty="0"/>
+            <a:endParaRPr lang="de-AT"/>
           </a:p>
         </p:txBody>
       </p:sp>
@@ -7046,7 +7126,7 @@
           <a:bodyPr/>
           <a:lstStyle/>
           <a:p>
-            <a:endParaRPr lang="de-AT" dirty="0"/>
+            <a:endParaRPr lang="de-AT"/>
           </a:p>
         </p:txBody>
       </p:sp>
@@ -7102,7 +7182,7 @@
           <a:lstStyle/>
           <a:p>
             <a:r>
-              <a:rPr lang="en-IN" dirty="0"/>
+              <a:rPr lang="en-IN"/>
               <a:t>Datasets</a:t>
             </a:r>
           </a:p>
@@ -7130,57 +7210,57 @@
           <a:lstStyle/>
           <a:p>
             <a:r>
-              <a:rPr lang="en-IN" dirty="0"/>
+              <a:rPr lang="en-IN"/>
               <a:t>Real Estate Valuation</a:t>
             </a:r>
           </a:p>
           <a:p>
             <a:pPr lvl="1"/>
             <a:r>
-              <a:rPr lang="en-IN" dirty="0"/>
+              <a:rPr lang="en-IN"/>
               <a:t>6 features + target</a:t>
             </a:r>
           </a:p>
           <a:p>
             <a:pPr lvl="1"/>
             <a:r>
-              <a:rPr lang="en-IN" dirty="0"/>
+              <a:rPr lang="en-IN"/>
               <a:t>414 instances</a:t>
             </a:r>
           </a:p>
           <a:p>
             <a:r>
-              <a:rPr lang="en-IN" dirty="0"/>
+              <a:rPr lang="en-IN"/>
               <a:t>Colleges</a:t>
             </a:r>
           </a:p>
           <a:p>
             <a:pPr lvl="1"/>
             <a:r>
-              <a:rPr lang="en-IN" dirty="0"/>
+              <a:rPr lang="en-IN"/>
               <a:t>48 features</a:t>
             </a:r>
           </a:p>
           <a:p>
             <a:pPr lvl="1"/>
             <a:r>
-              <a:rPr lang="en-IN" dirty="0"/>
+              <a:rPr lang="en-IN"/>
               <a:t>7063 instances</a:t>
             </a:r>
           </a:p>
           <a:p>
             <a:pPr lvl="1"/>
             <a:r>
-              <a:rPr lang="en-IN" dirty="0"/>
+              <a:rPr lang="en-IN"/>
               <a:t>Large number of missing values</a:t>
             </a:r>
           </a:p>
           <a:p>
             <a:pPr lvl="1"/>
-            <a:endParaRPr lang="en-IN" dirty="0"/>
-          </a:p>
-          <a:p>
-            <a:endParaRPr lang="en-IN" dirty="0"/>
+            <a:endParaRPr lang="en-IN"/>
+          </a:p>
+          <a:p>
+            <a:endParaRPr lang="en-IN"/>
           </a:p>
         </p:txBody>
       </p:sp>
@@ -7241,10 +7321,10 @@
           <a:lstStyle/>
           <a:p>
             <a:r>
-              <a:rPr lang="de-DE" sz="3600" dirty="0"/>
+              <a:rPr lang="de-DE" sz="3600"/>
               <a:t>Preprocessing:</a:t>
             </a:r>
-            <a:endParaRPr lang="de-AT" sz="3600" dirty="0"/>
+            <a:endParaRPr lang="de-AT" sz="3600"/>
           </a:p>
         </p:txBody>
       </p:sp>
@@ -7277,7 +7357,7 @@
           <a:lstStyle/>
           <a:p>
             <a:r>
-              <a:rPr lang="de-AT" sz="1600" dirty="0">
+              <a:rPr lang="de-AT" sz="1600">
                 <a:latin typeface="Times New Roman" panose="02020603050405020304" pitchFamily="18" charset="0"/>
                 <a:cs typeface="Times New Roman" panose="02020603050405020304" pitchFamily="18" charset="0"/>
               </a:rPr>
@@ -7290,7 +7370,7 @@
               <a:buAutoNum type="arabicPeriod"/>
             </a:pPr>
             <a:r>
-              <a:rPr lang="de-AT" sz="1600" dirty="0">
+              <a:rPr lang="de-AT" sz="1600">
                 <a:latin typeface="Times New Roman" panose="02020603050405020304" pitchFamily="18" charset="0"/>
                 <a:cs typeface="Times New Roman" panose="02020603050405020304" pitchFamily="18" charset="0"/>
               </a:rPr>
@@ -7303,7 +7383,7 @@
               <a:buAutoNum type="arabicPeriod"/>
             </a:pPr>
             <a:r>
-              <a:rPr lang="de-AT" sz="1600" dirty="0">
+              <a:rPr lang="de-AT" sz="1600">
                 <a:latin typeface="Times New Roman" panose="02020603050405020304" pitchFamily="18" charset="0"/>
                 <a:cs typeface="Times New Roman" panose="02020603050405020304" pitchFamily="18" charset="0"/>
               </a:rPr>
@@ -7316,25 +7396,56 @@
               <a:buAutoNum type="arabicPeriod"/>
             </a:pPr>
             <a:r>
-              <a:rPr lang="en-US" sz="1600" dirty="0">
+              <a:rPr lang="en-US" sz="1600">
                 <a:latin typeface="Times New Roman" panose="02020603050405020304" pitchFamily="18" charset="0"/>
                 <a:cs typeface="Times New Roman" panose="02020603050405020304" pitchFamily="18" charset="0"/>
               </a:rPr>
               <a:t>Scaled the X3 distance to the nearest MRT station column using Robust scalar as it had a large range of values. The last column </a:t>
             </a:r>
             <a:r>
-              <a:rPr lang="en-US" sz="1600" cap="none" dirty="0">
+              <a:rPr lang="en-US" sz="1600" cap="none">
                 <a:latin typeface="Times New Roman" panose="02020603050405020304" pitchFamily="18" charset="0"/>
                 <a:cs typeface="Times New Roman" panose="02020603050405020304" pitchFamily="18" charset="0"/>
               </a:rPr>
               <a:t>“Y house price of unit area</a:t>
             </a:r>
             <a:r>
-              <a:rPr lang="en-US" sz="1600" dirty="0">
+              <a:rPr lang="en-US" sz="1600">
                 <a:latin typeface="Times New Roman" panose="02020603050405020304" pitchFamily="18" charset="0"/>
                 <a:cs typeface="Times New Roman" panose="02020603050405020304" pitchFamily="18" charset="0"/>
               </a:rPr>
-              <a:t>” is the target attribute. Colleges: </a:t>
+              <a:t>” is the target attribute. </a:t>
+            </a:r>
+          </a:p>
+          <a:p>
+            <a:pPr marL="342900" marR="0" lvl="0" indent="-342900" algn="l" defTabSz="457200" rtl="0" eaLnBrk="1" fontAlgn="auto" latinLnBrk="0" hangingPunct="1">
+              <a:lnSpc>
+                <a:spcPct val="100000"/>
+              </a:lnSpc>
+              <a:spcBef>
+                <a:spcPts val="1000"/>
+              </a:spcBef>
+              <a:spcAft>
+                <a:spcPts val="0"/>
+              </a:spcAft>
+              <a:buClr>
+                <a:srgbClr val="1E5155">
+                  <a:lumMod val="40000"/>
+                  <a:lumOff val="60000"/>
+                </a:srgbClr>
+              </a:buClr>
+              <a:buSzPct val="80000"/>
+              <a:buFont typeface="Wingdings 3" charset="2"/>
+              <a:buChar char=""/>
+              <a:tabLst/>
+              <a:defRPr/>
+            </a:pPr>
+            <a:r>
+              <a:rPr lang="en-US" sz="1600">
+                <a:latin typeface="Times New Roman" panose="02020603050405020304" pitchFamily="18" charset="0"/>
+                <a:cs typeface="Times New Roman" panose="02020603050405020304" pitchFamily="18" charset="0"/>
+              </a:rPr>
+              <a:t>Colleges: </a:t>
             </a:r>
           </a:p>
           <a:p>
@@ -7343,7 +7454,7 @@
               <a:buAutoNum type="arabicPeriod"/>
             </a:pPr>
             <a:r>
-              <a:rPr lang="en-US" sz="1600" dirty="0">
+              <a:rPr lang="en-US" sz="1600">
                 <a:latin typeface="Times New Roman" panose="02020603050405020304" pitchFamily="18" charset="0"/>
                 <a:cs typeface="Times New Roman" panose="02020603050405020304" pitchFamily="18" charset="0"/>
               </a:rPr>
@@ -7356,7 +7467,7 @@
               <a:buAutoNum type="arabicPeriod"/>
             </a:pPr>
             <a:r>
-              <a:rPr lang="en-US" sz="1600" dirty="0">
+              <a:rPr lang="en-US" sz="1600">
                 <a:latin typeface="Times New Roman" panose="02020603050405020304" pitchFamily="18" charset="0"/>
                 <a:cs typeface="Times New Roman" panose="02020603050405020304" pitchFamily="18" charset="0"/>
               </a:rPr>
@@ -7369,7 +7480,7 @@
               <a:buAutoNum type="arabicPeriod"/>
             </a:pPr>
             <a:r>
-              <a:rPr lang="en-US" sz="1600" dirty="0">
+              <a:rPr lang="en-US" sz="1600">
                 <a:latin typeface="Times New Roman" panose="02020603050405020304" pitchFamily="18" charset="0"/>
                 <a:cs typeface="Times New Roman" panose="02020603050405020304" pitchFamily="18" charset="0"/>
               </a:rPr>
@@ -7382,7 +7493,7 @@
               <a:buAutoNum type="arabicPeriod"/>
             </a:pPr>
             <a:r>
-              <a:rPr lang="en-US" sz="1600" dirty="0">
+              <a:rPr lang="en-US" sz="1600">
                 <a:latin typeface="Times New Roman" panose="02020603050405020304" pitchFamily="18" charset="0"/>
                 <a:cs typeface="Times New Roman" panose="02020603050405020304" pitchFamily="18" charset="0"/>
               </a:rPr>
@@ -7395,7 +7506,7 @@
               <a:buAutoNum type="arabicPeriod"/>
             </a:pPr>
             <a:r>
-              <a:rPr lang="en-US" sz="1600" dirty="0">
+              <a:rPr lang="en-US" sz="1600">
                 <a:latin typeface="Times New Roman" panose="02020603050405020304" pitchFamily="18" charset="0"/>
                 <a:cs typeface="Times New Roman" panose="02020603050405020304" pitchFamily="18" charset="0"/>
               </a:rPr>
@@ -7408,21 +7519,21 @@
               <a:buAutoNum type="arabicPeriod"/>
             </a:pPr>
             <a:r>
-              <a:rPr lang="en-US" sz="1600" dirty="0">
+              <a:rPr lang="en-US" sz="1600">
                 <a:latin typeface="Times New Roman" panose="02020603050405020304" pitchFamily="18" charset="0"/>
                 <a:cs typeface="Times New Roman" panose="02020603050405020304" pitchFamily="18" charset="0"/>
               </a:rPr>
               <a:t>Finally, we selected  '</a:t>
             </a:r>
             <a:r>
-              <a:rPr lang="en-US" sz="1600" dirty="0" err="1">
+              <a:rPr lang="en-US" sz="1600" err="1">
                 <a:latin typeface="Times New Roman" panose="02020603050405020304" pitchFamily="18" charset="0"/>
                 <a:cs typeface="Times New Roman" panose="02020603050405020304" pitchFamily="18" charset="0"/>
               </a:rPr>
               <a:t>percent_pell_grant</a:t>
             </a:r>
             <a:r>
-              <a:rPr lang="en-US" sz="1600" dirty="0">
+              <a:rPr lang="en-US" sz="1600">
                 <a:latin typeface="Times New Roman" panose="02020603050405020304" pitchFamily="18" charset="0"/>
                 <a:cs typeface="Times New Roman" panose="02020603050405020304" pitchFamily="18" charset="0"/>
               </a:rPr>
@@ -7430,13 +7541,13 @@
             </a:r>
           </a:p>
           <a:p>
-            <a:endParaRPr lang="en-US" sz="1600" dirty="0">
+            <a:endParaRPr lang="en-US" sz="1600">
               <a:latin typeface="Times New Roman" panose="02020603050405020304" pitchFamily="18" charset="0"/>
               <a:cs typeface="Times New Roman" panose="02020603050405020304" pitchFamily="18" charset="0"/>
             </a:endParaRPr>
           </a:p>
           <a:p>
-            <a:endParaRPr lang="en-US" sz="1600" dirty="0">
+            <a:endParaRPr lang="en-US" sz="1600">
               <a:latin typeface="Times New Roman" panose="02020603050405020304" pitchFamily="18" charset="0"/>
               <a:cs typeface="Times New Roman" panose="02020603050405020304" pitchFamily="18" charset="0"/>
             </a:endParaRPr>
@@ -7446,7 +7557,7 @@
               <a:buNone/>
             </a:pPr>
             <a:r>
-              <a:rPr lang="de-AT" sz="1600" dirty="0">
+              <a:rPr lang="de-AT" sz="1600">
                 <a:latin typeface="Times New Roman" panose="02020603050405020304" pitchFamily="18" charset="0"/>
                 <a:cs typeface="Times New Roman" panose="02020603050405020304" pitchFamily="18" charset="0"/>
               </a:rPr>
@@ -7507,22 +7618,22 @@
           <a:lstStyle/>
           <a:p>
             <a:r>
-              <a:rPr lang="en-US" dirty="0"/>
+              <a:rPr lang="en-US"/>
               <a:t>Decision</a:t>
             </a:r>
             <a:r>
-              <a:rPr lang="de-DE" dirty="0"/>
+              <a:rPr lang="de-DE"/>
               <a:t> </a:t>
             </a:r>
             <a:r>
-              <a:rPr lang="en-US" dirty="0"/>
+              <a:rPr lang="en-US"/>
               <a:t>Tree</a:t>
             </a:r>
             <a:r>
-              <a:rPr lang="de-DE" dirty="0"/>
+              <a:rPr lang="de-DE"/>
               <a:t> Regressor</a:t>
             </a:r>
-            <a:endParaRPr lang="de-AT" dirty="0"/>
+            <a:endParaRPr lang="de-AT"/>
           </a:p>
         </p:txBody>
       </p:sp>
@@ -7548,7 +7659,7 @@
           <a:lstStyle/>
           <a:p>
             <a:r>
-              <a:rPr lang="en-US" dirty="0"/>
+              <a:rPr lang="en-US"/>
               <a:t>A variant of the simple decision tree model for regression tasks</a:t>
             </a:r>
           </a:p>
@@ -7606,10 +7717,10 @@
           <a:lstStyle/>
           <a:p>
             <a:r>
-              <a:rPr lang="de-DE" dirty="0"/>
+              <a:rPr lang="de-DE"/>
               <a:t>Random Forest Regressor</a:t>
             </a:r>
-            <a:endParaRPr lang="de-AT" dirty="0"/>
+            <a:endParaRPr lang="de-AT"/>
           </a:p>
         </p:txBody>
       </p:sp>
@@ -7635,13 +7746,13 @@
           <a:lstStyle/>
           <a:p>
             <a:r>
-              <a:rPr lang="en-US" dirty="0"/>
+              <a:rPr lang="en-US"/>
               <a:t>Uses multiple decision trees trained on random subsets of the whole data set</a:t>
             </a:r>
           </a:p>
           <a:p>
             <a:r>
-              <a:rPr lang="en-US" dirty="0"/>
+              <a:rPr lang="en-US"/>
               <a:t>Counters inherent instability of decision trees</a:t>
             </a:r>
           </a:p>
@@ -7699,11 +7810,11 @@
           <a:lstStyle/>
           <a:p>
             <a:r>
-              <a:rPr lang="de-DE" dirty="0"/>
+              <a:rPr lang="de-DE"/>
               <a:t>Hyperparameter </a:t>
             </a:r>
             <a:r>
-              <a:rPr lang="en-US" dirty="0"/>
+              <a:rPr lang="en-US"/>
               <a:t>optimization</a:t>
             </a:r>
           </a:p>
@@ -7730,7 +7841,62 @@
           <a:bodyPr/>
           <a:lstStyle/>
           <a:p>
-            <a:endParaRPr lang="de-AT" dirty="0"/>
+            <a:r>
+              <a:rPr lang="en-US"/>
+              <a:t>We experimented with:</a:t>
+            </a:r>
+          </a:p>
+          <a:p>
+            <a:pPr lvl="1"/>
+            <a:r>
+              <a:rPr lang="en-US"/>
+              <a:t>Number of trees</a:t>
+            </a:r>
+          </a:p>
+          <a:p>
+            <a:pPr lvl="1"/>
+            <a:r>
+              <a:rPr lang="en-US"/>
+              <a:t>A maximum of features considered in a split</a:t>
+            </a:r>
+          </a:p>
+          <a:p>
+            <a:pPr lvl="1"/>
+            <a:r>
+              <a:rPr lang="en-US"/>
+              <a:t>Maximum tree depth</a:t>
+            </a:r>
+          </a:p>
+          <a:p>
+            <a:pPr lvl="1"/>
+            <a:r>
+              <a:rPr lang="en-US"/>
+              <a:t>A minimum of samples before a split</a:t>
+            </a:r>
+          </a:p>
+          <a:p>
+            <a:pPr lvl="1"/>
+            <a:r>
+              <a:rPr lang="en-US"/>
+              <a:t>A minimum of samples per leaf</a:t>
+            </a:r>
+          </a:p>
+          <a:p>
+            <a:pPr lvl="1"/>
+            <a:r>
+              <a:rPr lang="en-US"/>
+              <a:t>A maximum of leaf nodes</a:t>
+            </a:r>
+          </a:p>
+          <a:p>
+            <a:pPr lvl="1"/>
+            <a:r>
+              <a:rPr lang="en-US"/>
+              <a:t>?A maximum of samples for each tree</a:t>
+            </a:r>
+          </a:p>
+          <a:p>
+            <a:endParaRPr lang="de-AT"/>
           </a:p>
         </p:txBody>
       </p:sp>
@@ -7786,7 +7952,7 @@
           <a:lstStyle/>
           <a:p>
             <a:r>
-              <a:rPr lang="en-US" dirty="0"/>
+              <a:rPr lang="en-US"/>
               <a:t>Comparison to scikit learn DecisionTreeRegressor </a:t>
             </a:r>
           </a:p>
@@ -7813,7 +7979,7 @@
           <a:bodyPr/>
           <a:lstStyle/>
           <a:p>
-            <a:endParaRPr lang="de-AT" dirty="0"/>
+            <a:endParaRPr lang="de-AT"/>
           </a:p>
         </p:txBody>
       </p:sp>
@@ -7869,30 +8035,30 @@
           <a:lstStyle/>
           <a:p>
             <a:r>
-              <a:rPr lang="en-US" dirty="0"/>
+              <a:rPr lang="en-US"/>
               <a:t>Comparison</a:t>
             </a:r>
             <a:r>
-              <a:rPr lang="de-DE" dirty="0"/>
+              <a:rPr lang="de-DE"/>
               <a:t> </a:t>
             </a:r>
             <a:r>
-              <a:rPr lang="en-US" dirty="0"/>
+              <a:rPr lang="en-US"/>
               <a:t>to</a:t>
             </a:r>
             <a:r>
-              <a:rPr lang="de-DE" dirty="0"/>
+              <a:rPr lang="de-DE"/>
               <a:t> </a:t>
             </a:r>
             <a:r>
-              <a:rPr lang="en-US" dirty="0"/>
+              <a:rPr lang="en-US"/>
               <a:t>scikit-learn</a:t>
             </a:r>
             <a:r>
-              <a:rPr lang="de-DE" dirty="0"/>
+              <a:rPr lang="de-DE"/>
               <a:t> RandomForestRegressor</a:t>
             </a:r>
-            <a:endParaRPr lang="de-AT" dirty="0"/>
+            <a:endParaRPr lang="de-AT"/>
           </a:p>
         </p:txBody>
       </p:sp>
@@ -7917,7 +8083,7 @@
           <a:bodyPr/>
           <a:lstStyle/>
           <a:p>
-            <a:endParaRPr lang="de-AT" dirty="0"/>
+            <a:endParaRPr lang="de-AT"/>
           </a:p>
         </p:txBody>
       </p:sp>
@@ -7973,7 +8139,7 @@
           <a:lstStyle/>
           <a:p>
             <a:r>
-              <a:rPr lang="en-US" dirty="0"/>
+              <a:rPr lang="en-US"/>
               <a:t>Comparison to LLM version</a:t>
             </a:r>
           </a:p>
@@ -8000,7 +8166,7 @@
           <a:bodyPr/>
           <a:lstStyle/>
           <a:p>
-            <a:endParaRPr lang="de-AT" dirty="0"/>
+            <a:endParaRPr lang="de-AT"/>
           </a:p>
         </p:txBody>
       </p:sp>

--- a/ex2/Exercise_2_ppt.pptx
+++ b/ex2/Exercise_2_ppt.pptx
@@ -140,7 +140,7 @@
   <pc:docChgLst>
     <pc:chgData name="Haubenburger, Gabriel" userId="d79be2aa-0303-4748-b5e6-c8202455e92e" providerId="ADAL" clId="{C41F04A2-1B58-4C51-987F-CBD3CF99D29E}"/>
     <pc:docChg chg="undo redo custSel addSld modSld sldOrd">
-      <pc:chgData name="Haubenburger, Gabriel" userId="d79be2aa-0303-4748-b5e6-c8202455e92e" providerId="ADAL" clId="{C41F04A2-1B58-4C51-987F-CBD3CF99D29E}" dt="2024-12-15T20:46:13.863" v="791"/>
+      <pc:chgData name="Haubenburger, Gabriel" userId="d79be2aa-0303-4748-b5e6-c8202455e92e" providerId="ADAL" clId="{C41F04A2-1B58-4C51-987F-CBD3CF99D29E}" dt="2024-12-15T21:19:51.198" v="967" actId="20577"/>
       <pc:docMkLst>
         <pc:docMk/>
       </pc:docMkLst>
@@ -237,7 +237,7 @@
         </pc:spChg>
       </pc:sldChg>
       <pc:sldChg chg="modSp new mod">
-        <pc:chgData name="Haubenburger, Gabriel" userId="d79be2aa-0303-4748-b5e6-c8202455e92e" providerId="ADAL" clId="{C41F04A2-1B58-4C51-987F-CBD3CF99D29E}" dt="2024-12-15T20:46:13.863" v="791"/>
+        <pc:chgData name="Haubenburger, Gabriel" userId="d79be2aa-0303-4748-b5e6-c8202455e92e" providerId="ADAL" clId="{C41F04A2-1B58-4C51-987F-CBD3CF99D29E}" dt="2024-12-15T21:10:13.801" v="792" actId="20577"/>
         <pc:sldMkLst>
           <pc:docMk/>
           <pc:sldMk cId="2778680789" sldId="261"/>
@@ -251,7 +251,7 @@
           </ac:spMkLst>
         </pc:spChg>
         <pc:spChg chg="mod">
-          <ac:chgData name="Haubenburger, Gabriel" userId="d79be2aa-0303-4748-b5e6-c8202455e92e" providerId="ADAL" clId="{C41F04A2-1B58-4C51-987F-CBD3CF99D29E}" dt="2024-12-15T20:46:13.863" v="791"/>
+          <ac:chgData name="Haubenburger, Gabriel" userId="d79be2aa-0303-4748-b5e6-c8202455e92e" providerId="ADAL" clId="{C41F04A2-1B58-4C51-987F-CBD3CF99D29E}" dt="2024-12-15T21:10:13.801" v="792" actId="20577"/>
           <ac:spMkLst>
             <pc:docMk/>
             <pc:sldMk cId="2778680789" sldId="261"/>
@@ -290,7 +290,7 @@
         </pc:spChg>
       </pc:sldChg>
       <pc:sldChg chg="modSp new mod ord">
-        <pc:chgData name="Haubenburger, Gabriel" userId="d79be2aa-0303-4748-b5e6-c8202455e92e" providerId="ADAL" clId="{C41F04A2-1B58-4C51-987F-CBD3CF99D29E}" dt="2024-12-15T18:33:20.022" v="464" actId="790"/>
+        <pc:chgData name="Haubenburger, Gabriel" userId="d79be2aa-0303-4748-b5e6-c8202455e92e" providerId="ADAL" clId="{C41F04A2-1B58-4C51-987F-CBD3CF99D29E}" dt="2024-12-15T21:19:51.198" v="967" actId="20577"/>
         <pc:sldMkLst>
           <pc:docMk/>
           <pc:sldMk cId="1949933045" sldId="264"/>
@@ -301,6 +301,14 @@
             <pc:docMk/>
             <pc:sldMk cId="1949933045" sldId="264"/>
             <ac:spMk id="2" creationId="{44507AA4-E8F1-18B6-384D-A7EAF861E7A6}"/>
+          </ac:spMkLst>
+        </pc:spChg>
+        <pc:spChg chg="mod">
+          <ac:chgData name="Haubenburger, Gabriel" userId="d79be2aa-0303-4748-b5e6-c8202455e92e" providerId="ADAL" clId="{C41F04A2-1B58-4C51-987F-CBD3CF99D29E}" dt="2024-12-15T21:19:51.198" v="967" actId="20577"/>
+          <ac:spMkLst>
+            <pc:docMk/>
+            <pc:sldMk cId="1949933045" sldId="264"/>
+            <ac:spMk id="3" creationId="{20C3F7A4-DC70-2815-C3BC-43BFCD5E11B8}"/>
           </ac:spMkLst>
         </pc:spChg>
       </pc:sldChg>
@@ -7842,61 +7850,61 @@
           <a:lstStyle/>
           <a:p>
             <a:r>
-              <a:rPr lang="en-US"/>
+              <a:rPr lang="en-US" dirty="0"/>
               <a:t>We experimented with:</a:t>
             </a:r>
           </a:p>
           <a:p>
             <a:pPr lvl="1"/>
             <a:r>
-              <a:rPr lang="en-US"/>
+              <a:rPr lang="en-US" dirty="0"/>
               <a:t>Number of trees</a:t>
             </a:r>
           </a:p>
           <a:p>
             <a:pPr lvl="1"/>
             <a:r>
-              <a:rPr lang="en-US"/>
+              <a:rPr lang="en-US" dirty="0"/>
               <a:t>A maximum of features considered in a split</a:t>
             </a:r>
           </a:p>
           <a:p>
             <a:pPr lvl="1"/>
             <a:r>
-              <a:rPr lang="en-US"/>
+              <a:rPr lang="en-US" dirty="0"/>
               <a:t>Maximum tree depth</a:t>
             </a:r>
           </a:p>
           <a:p>
             <a:pPr lvl="1"/>
             <a:r>
-              <a:rPr lang="en-US"/>
+              <a:rPr lang="en-US" dirty="0"/>
               <a:t>A minimum of samples before a split</a:t>
             </a:r>
           </a:p>
           <a:p>
             <a:pPr lvl="1"/>
             <a:r>
-              <a:rPr lang="en-US"/>
+              <a:rPr lang="en-US" dirty="0"/>
               <a:t>A minimum of samples per leaf</a:t>
             </a:r>
           </a:p>
           <a:p>
             <a:pPr lvl="1"/>
             <a:r>
-              <a:rPr lang="en-US"/>
+              <a:rPr lang="en-US" dirty="0"/>
               <a:t>A maximum of leaf nodes</a:t>
             </a:r>
           </a:p>
           <a:p>
             <a:pPr lvl="1"/>
             <a:r>
-              <a:rPr lang="en-US"/>
-              <a:t>?A maximum of samples for each tree</a:t>
-            </a:r>
-          </a:p>
-          <a:p>
-            <a:endParaRPr lang="de-AT"/>
+              <a:rPr lang="en-US" dirty="0"/>
+              <a:t>A maximum of samples for each tree</a:t>
+            </a:r>
+          </a:p>
+          <a:p>
+            <a:endParaRPr lang="de-AT" dirty="0"/>
           </a:p>
         </p:txBody>
       </p:sp>
@@ -7979,7 +7987,27 @@
           <a:bodyPr/>
           <a:lstStyle/>
           <a:p>
-            <a:endParaRPr lang="de-AT"/>
+            <a:r>
+              <a:rPr lang="en-US" dirty="0"/>
+              <a:t>Overall much faster training times</a:t>
+            </a:r>
+          </a:p>
+          <a:p>
+            <a:r>
+              <a:rPr lang="en-US" dirty="0"/>
+              <a:t>Slightly </a:t>
+            </a:r>
+            <a:r>
+              <a:rPr lang="en-US"/>
+              <a:t>smaller prediction times</a:t>
+            </a:r>
+            <a:endParaRPr lang="en-US" dirty="0"/>
+          </a:p>
+          <a:p>
+            <a:r>
+              <a:rPr lang="en-US" dirty="0"/>
+              <a:t>Roughly comparable, but usually slightly better scores</a:t>
+            </a:r>
           </a:p>
         </p:txBody>
       </p:sp>

--- a/ex2/Exercise_2_ppt.pptx
+++ b/ex2/Exercise_2_ppt.pptx
@@ -140,7 +140,7 @@
   <pc:docChgLst>
     <pc:chgData name="Haubenburger, Gabriel" userId="d79be2aa-0303-4748-b5e6-c8202455e92e" providerId="ADAL" clId="{C41F04A2-1B58-4C51-987F-CBD3CF99D29E}"/>
     <pc:docChg chg="undo redo custSel addSld modSld sldOrd">
-      <pc:chgData name="Haubenburger, Gabriel" userId="d79be2aa-0303-4748-b5e6-c8202455e92e" providerId="ADAL" clId="{C41F04A2-1B58-4C51-987F-CBD3CF99D29E}" dt="2024-12-15T21:19:51.198" v="967" actId="20577"/>
+      <pc:chgData name="Haubenburger, Gabriel" userId="d79be2aa-0303-4748-b5e6-c8202455e92e" providerId="ADAL" clId="{C41F04A2-1B58-4C51-987F-CBD3CF99D29E}" dt="2024-12-15T21:28:42.223" v="1512" actId="20577"/>
       <pc:docMkLst>
         <pc:docMk/>
       </pc:docMkLst>
@@ -260,7 +260,7 @@
         </pc:spChg>
       </pc:sldChg>
       <pc:sldChg chg="modSp new mod">
-        <pc:chgData name="Haubenburger, Gabriel" userId="d79be2aa-0303-4748-b5e6-c8202455e92e" providerId="ADAL" clId="{C41F04A2-1B58-4C51-987F-CBD3CF99D29E}" dt="2024-12-15T18:34:26.137" v="469" actId="790"/>
+        <pc:chgData name="Haubenburger, Gabriel" userId="d79be2aa-0303-4748-b5e6-c8202455e92e" providerId="ADAL" clId="{C41F04A2-1B58-4C51-987F-CBD3CF99D29E}" dt="2024-12-15T21:21:50.503" v="970" actId="20577"/>
         <pc:sldMkLst>
           <pc:docMk/>
           <pc:sldMk cId="2625827110" sldId="262"/>
@@ -273,9 +273,17 @@
             <ac:spMk id="2" creationId="{ACF1EA68-71E2-CFFF-77D9-9092BD40F57C}"/>
           </ac:spMkLst>
         </pc:spChg>
+        <pc:spChg chg="mod">
+          <ac:chgData name="Haubenburger, Gabriel" userId="d79be2aa-0303-4748-b5e6-c8202455e92e" providerId="ADAL" clId="{C41F04A2-1B58-4C51-987F-CBD3CF99D29E}" dt="2024-12-15T21:21:50.503" v="970" actId="20577"/>
+          <ac:spMkLst>
+            <pc:docMk/>
+            <pc:sldMk cId="2625827110" sldId="262"/>
+            <ac:spMk id="3" creationId="{862D0347-F04C-D218-02C2-4F0512D86408}"/>
+          </ac:spMkLst>
+        </pc:spChg>
       </pc:sldChg>
       <pc:sldChg chg="modSp new mod">
-        <pc:chgData name="Haubenburger, Gabriel" userId="d79be2aa-0303-4748-b5e6-c8202455e92e" providerId="ADAL" clId="{C41F04A2-1B58-4C51-987F-CBD3CF99D29E}" dt="2024-12-15T18:33:53.071" v="465" actId="790"/>
+        <pc:chgData name="Haubenburger, Gabriel" userId="d79be2aa-0303-4748-b5e6-c8202455e92e" providerId="ADAL" clId="{C41F04A2-1B58-4C51-987F-CBD3CF99D29E}" dt="2024-12-15T21:24:14.247" v="1071" actId="20577"/>
         <pc:sldMkLst>
           <pc:docMk/>
           <pc:sldMk cId="271810423" sldId="263"/>
@@ -288,9 +296,17 @@
             <ac:spMk id="2" creationId="{2D8F8289-407F-B67A-7169-6CF13174AF57}"/>
           </ac:spMkLst>
         </pc:spChg>
+        <pc:spChg chg="mod">
+          <ac:chgData name="Haubenburger, Gabriel" userId="d79be2aa-0303-4748-b5e6-c8202455e92e" providerId="ADAL" clId="{C41F04A2-1B58-4C51-987F-CBD3CF99D29E}" dt="2024-12-15T21:24:14.247" v="1071" actId="20577"/>
+          <ac:spMkLst>
+            <pc:docMk/>
+            <pc:sldMk cId="271810423" sldId="263"/>
+            <ac:spMk id="3" creationId="{0358DEBD-0580-CCFC-97FB-D946EFFD3344}"/>
+          </ac:spMkLst>
+        </pc:spChg>
       </pc:sldChg>
       <pc:sldChg chg="modSp new mod ord">
-        <pc:chgData name="Haubenburger, Gabriel" userId="d79be2aa-0303-4748-b5e6-c8202455e92e" providerId="ADAL" clId="{C41F04A2-1B58-4C51-987F-CBD3CF99D29E}" dt="2024-12-15T21:19:51.198" v="967" actId="20577"/>
+        <pc:chgData name="Haubenburger, Gabriel" userId="d79be2aa-0303-4748-b5e6-c8202455e92e" providerId="ADAL" clId="{C41F04A2-1B58-4C51-987F-CBD3CF99D29E}" dt="2024-12-15T21:28:42.223" v="1512" actId="20577"/>
         <pc:sldMkLst>
           <pc:docMk/>
           <pc:sldMk cId="1949933045" sldId="264"/>
@@ -304,7 +320,7 @@
           </ac:spMkLst>
         </pc:spChg>
         <pc:spChg chg="mod">
-          <ac:chgData name="Haubenburger, Gabriel" userId="d79be2aa-0303-4748-b5e6-c8202455e92e" providerId="ADAL" clId="{C41F04A2-1B58-4C51-987F-CBD3CF99D29E}" dt="2024-12-15T21:19:51.198" v="967" actId="20577"/>
+          <ac:chgData name="Haubenburger, Gabriel" userId="d79be2aa-0303-4748-b5e6-c8202455e92e" providerId="ADAL" clId="{C41F04A2-1B58-4C51-987F-CBD3CF99D29E}" dt="2024-12-15T21:28:42.223" v="1512" actId="20577"/>
           <ac:spMkLst>
             <pc:docMk/>
             <pc:sldMk cId="1949933045" sldId="264"/>
@@ -374,6 +390,21 @@
             <pc:docMk/>
             <pc:sldMk cId="945193923" sldId="271"/>
             <ac:spMk id="3" creationId="{FFBFFA5E-236F-3279-8F0F-D69DEC44B6B0}"/>
+          </ac:spMkLst>
+        </pc:spChg>
+      </pc:sldChg>
+      <pc:sldChg chg="modSp mod">
+        <pc:chgData name="Haubenburger, Gabriel" userId="d79be2aa-0303-4748-b5e6-c8202455e92e" providerId="ADAL" clId="{C41F04A2-1B58-4C51-987F-CBD3CF99D29E}" dt="2024-12-15T21:27:35.279" v="1447" actId="20577"/>
+        <pc:sldMkLst>
+          <pc:docMk/>
+          <pc:sldMk cId="4222534279" sldId="272"/>
+        </pc:sldMkLst>
+        <pc:spChg chg="mod">
+          <ac:chgData name="Haubenburger, Gabriel" userId="d79be2aa-0303-4748-b5e6-c8202455e92e" providerId="ADAL" clId="{C41F04A2-1B58-4C51-987F-CBD3CF99D29E}" dt="2024-12-15T21:27:35.279" v="1447" actId="20577"/>
+          <ac:spMkLst>
+            <pc:docMk/>
+            <pc:sldMk cId="4222534279" sldId="272"/>
+            <ac:spMk id="3" creationId="{C2C34ABA-A410-7029-1000-0F296A1EC0E5}"/>
           </ac:spMkLst>
         </pc:spChg>
       </pc:sldChg>
@@ -6651,7 +6682,43 @@
           <a:bodyPr/>
           <a:lstStyle/>
           <a:p>
-            <a:endParaRPr lang="de-AT"/>
+            <a:r>
+              <a:rPr lang="en-US" dirty="0"/>
+              <a:t>Our implementation had a notable gap in efficiency compared to the scikit learn version</a:t>
+            </a:r>
+          </a:p>
+          <a:p>
+            <a:r>
+              <a:rPr lang="en-US" dirty="0"/>
+              <a:t>Mainly from using own trees</a:t>
+            </a:r>
+          </a:p>
+          <a:p>
+            <a:r>
+              <a:rPr lang="en-US" dirty="0"/>
+              <a:t>Possible reasons:</a:t>
+            </a:r>
+          </a:p>
+          <a:p>
+            <a:pPr lvl="1"/>
+            <a:r>
+              <a:rPr lang="en-US" dirty="0"/>
+              <a:t>Penalty from implementation in an interpreted language</a:t>
+            </a:r>
+          </a:p>
+          <a:p>
+            <a:pPr lvl="1"/>
+            <a:r>
+              <a:rPr lang="en-US" dirty="0"/>
+              <a:t>Lacking optimization</a:t>
+            </a:r>
+          </a:p>
+          <a:p>
+            <a:pPr lvl="1"/>
+            <a:r>
+              <a:rPr lang="en-US" dirty="0"/>
+              <a:t>Bugs</a:t>
+            </a:r>
           </a:p>
         </p:txBody>
       </p:sp>
@@ -7989,24 +8056,23 @@
           <a:p>
             <a:r>
               <a:rPr lang="en-US" dirty="0"/>
-              <a:t>Overall much faster training times</a:t>
-            </a:r>
-          </a:p>
-          <a:p>
+              <a:t>Much faster training times</a:t>
+            </a:r>
+          </a:p>
+          <a:p>
+            <a:r>
+              <a:rPr lang="en-US"/>
+              <a:t>Faster prediction </a:t>
+            </a:r>
             <a:r>
               <a:rPr lang="en-US" dirty="0"/>
-              <a:t>Slightly </a:t>
-            </a:r>
-            <a:r>
-              <a:rPr lang="en-US"/>
-              <a:t>smaller prediction times</a:t>
-            </a:r>
-            <a:endParaRPr lang="en-US" dirty="0"/>
+              <a:t>times</a:t>
+            </a:r>
           </a:p>
           <a:p>
             <a:r>
               <a:rPr lang="en-US" dirty="0"/>
-              <a:t>Roughly comparable, but usually slightly better scores</a:t>
+              <a:t>Way worse scores overall (overfitting)</a:t>
             </a:r>
           </a:p>
         </p:txBody>
@@ -8111,7 +8177,22 @@
           <a:bodyPr/>
           <a:lstStyle/>
           <a:p>
-            <a:endParaRPr lang="de-AT"/>
+            <a:r>
+              <a:rPr lang="en-US" dirty="0"/>
+              <a:t>Overall much faster training times</a:t>
+            </a:r>
+          </a:p>
+          <a:p>
+            <a:r>
+              <a:rPr lang="en-US" dirty="0"/>
+              <a:t>Slightly smaller prediction times</a:t>
+            </a:r>
+          </a:p>
+          <a:p>
+            <a:r>
+              <a:rPr lang="en-US" dirty="0"/>
+              <a:t>Roughly comparable, but usually slightly better scores</a:t>
+            </a:r>
           </a:p>
         </p:txBody>
       </p:sp>
@@ -8194,7 +8275,89 @@
           <a:bodyPr/>
           <a:lstStyle/>
           <a:p>
-            <a:endParaRPr lang="de-AT"/>
+            <a:r>
+              <a:rPr lang="de-AT" dirty="0"/>
+              <a:t>Much </a:t>
+            </a:r>
+            <a:r>
+              <a:rPr lang="de-AT" dirty="0" err="1"/>
+              <a:t>shorter</a:t>
+            </a:r>
+            <a:r>
+              <a:rPr lang="de-AT" dirty="0"/>
+              <a:t> code (</a:t>
+            </a:r>
+            <a:r>
+              <a:rPr lang="de-AT" dirty="0" err="1"/>
+              <a:t>less</a:t>
+            </a:r>
+            <a:r>
+              <a:rPr lang="de-AT" dirty="0"/>
+              <a:t> </a:t>
+            </a:r>
+            <a:r>
+              <a:rPr lang="de-AT" dirty="0" err="1"/>
+              <a:t>parameters</a:t>
+            </a:r>
+            <a:r>
+              <a:rPr lang="de-AT" dirty="0"/>
+              <a:t>)</a:t>
+            </a:r>
+          </a:p>
+          <a:p>
+            <a:r>
+              <a:rPr lang="de-AT" dirty="0" err="1"/>
+              <a:t>Seems</a:t>
+            </a:r>
+            <a:r>
+              <a:rPr lang="de-AT" dirty="0"/>
+              <a:t> </a:t>
+            </a:r>
+            <a:r>
+              <a:rPr lang="de-AT" dirty="0" err="1"/>
+              <a:t>to</a:t>
+            </a:r>
+            <a:r>
+              <a:rPr lang="de-AT" dirty="0"/>
+              <a:t> also </a:t>
+            </a:r>
+            <a:r>
+              <a:rPr lang="de-AT" dirty="0" err="1"/>
+              <a:t>work</a:t>
+            </a:r>
+            <a:r>
+              <a:rPr lang="de-AT" dirty="0"/>
+              <a:t> on </a:t>
+            </a:r>
+            <a:r>
+              <a:rPr lang="de-AT" dirty="0" err="1"/>
+              <a:t>the</a:t>
+            </a:r>
+            <a:r>
+              <a:rPr lang="de-AT" dirty="0"/>
+              <a:t> </a:t>
+            </a:r>
+            <a:r>
+              <a:rPr lang="de-AT" dirty="0" err="1"/>
+              <a:t>preprocessed</a:t>
+            </a:r>
+            <a:r>
+              <a:rPr lang="de-AT" dirty="0"/>
+              <a:t> </a:t>
+            </a:r>
+            <a:r>
+              <a:rPr lang="de-AT" dirty="0" err="1"/>
+              <a:t>data</a:t>
+            </a:r>
+            <a:r>
+              <a:rPr lang="de-AT" dirty="0"/>
+              <a:t> </a:t>
+            </a:r>
+            <a:r>
+              <a:rPr lang="de-AT" dirty="0" err="1"/>
+              <a:t>sets</a:t>
+            </a:r>
+            <a:endParaRPr lang="de-AT" dirty="0"/>
           </a:p>
         </p:txBody>
       </p:sp>

--- a/ex2/Exercise_2_ppt.pptx
+++ b/ex2/Exercise_2_ppt.pptx
@@ -20,7 +20,6 @@
     <p:sldId id="267" r:id="rId14"/>
     <p:sldId id="268" r:id="rId15"/>
     <p:sldId id="269" r:id="rId16"/>
-    <p:sldId id="270" r:id="rId17"/>
   </p:sldIdLst>
   <p:sldSz cx="12192000" cy="6858000"/>
   <p:notesSz cx="6858000" cy="9144000"/>
@@ -139,8 +138,8 @@
 <pc:chgInfo xmlns:a="http://schemas.openxmlformats.org/drawingml/2006/main" xmlns:r="http://schemas.openxmlformats.org/officeDocument/2006/relationships" xmlns:ac="http://schemas.microsoft.com/office/drawing/2013/main/command" xmlns:pc="http://schemas.microsoft.com/office/powerpoint/2013/main/command">
   <pc:docChgLst>
     <pc:chgData name="Haubenburger, Gabriel" userId="d79be2aa-0303-4748-b5e6-c8202455e92e" providerId="ADAL" clId="{C41F04A2-1B58-4C51-987F-CBD3CF99D29E}"/>
-    <pc:docChg chg="undo redo custSel addSld modSld sldOrd">
-      <pc:chgData name="Haubenburger, Gabriel" userId="d79be2aa-0303-4748-b5e6-c8202455e92e" providerId="ADAL" clId="{C41F04A2-1B58-4C51-987F-CBD3CF99D29E}" dt="2024-12-15T21:28:42.223" v="1512" actId="20577"/>
+    <pc:docChg chg="undo redo custSel addSld delSld modSld sldOrd">
+      <pc:chgData name="Haubenburger, Gabriel" userId="d79be2aa-0303-4748-b5e6-c8202455e92e" providerId="ADAL" clId="{C41F04A2-1B58-4C51-987F-CBD3CF99D29E}" dt="2024-12-15T21:45:59.391" v="1676" actId="47"/>
       <pc:docMkLst>
         <pc:docMk/>
       </pc:docMkLst>
@@ -168,7 +167,7 @@
         </pc:spChg>
       </pc:sldChg>
       <pc:sldChg chg="modSp new mod">
-        <pc:chgData name="Haubenburger, Gabriel" userId="d79be2aa-0303-4748-b5e6-c8202455e92e" providerId="ADAL" clId="{C41F04A2-1B58-4C51-987F-CBD3CF99D29E}" dt="2024-12-15T18:35:41.124" v="541" actId="790"/>
+        <pc:chgData name="Haubenburger, Gabriel" userId="d79be2aa-0303-4748-b5e6-c8202455e92e" providerId="ADAL" clId="{C41F04A2-1B58-4C51-987F-CBD3CF99D29E}" dt="2024-12-15T21:45:33.724" v="1675" actId="20577"/>
         <pc:sldMkLst>
           <pc:docMk/>
           <pc:sldMk cId="225849889" sldId="258"/>
@@ -182,7 +181,7 @@
           </ac:spMkLst>
         </pc:spChg>
         <pc:spChg chg="mod">
-          <ac:chgData name="Haubenburger, Gabriel" userId="d79be2aa-0303-4748-b5e6-c8202455e92e" providerId="ADAL" clId="{C41F04A2-1B58-4C51-987F-CBD3CF99D29E}" dt="2024-12-15T18:35:41.124" v="541" actId="790"/>
+          <ac:chgData name="Haubenburger, Gabriel" userId="d79be2aa-0303-4748-b5e6-c8202455e92e" providerId="ADAL" clId="{C41F04A2-1B58-4C51-987F-CBD3CF99D29E}" dt="2024-12-15T21:45:33.724" v="1675" actId="20577"/>
           <ac:spMkLst>
             <pc:docMk/>
             <pc:sldMk cId="225849889" sldId="258"/>
@@ -329,7 +328,7 @@
         </pc:spChg>
       </pc:sldChg>
       <pc:sldChg chg="modSp new mod">
-        <pc:chgData name="Haubenburger, Gabriel" userId="d79be2aa-0303-4748-b5e6-c8202455e92e" providerId="ADAL" clId="{C41F04A2-1B58-4C51-987F-CBD3CF99D29E}" dt="2024-12-15T18:34:00.480" v="466" actId="790"/>
+        <pc:chgData name="Haubenburger, Gabriel" userId="d79be2aa-0303-4748-b5e6-c8202455e92e" providerId="ADAL" clId="{C41F04A2-1B58-4C51-987F-CBD3CF99D29E}" dt="2024-12-15T21:44:36.216" v="1610" actId="20577"/>
         <pc:sldMkLst>
           <pc:docMk/>
           <pc:sldMk cId="3637246051" sldId="265"/>
@@ -340,6 +339,14 @@
             <pc:docMk/>
             <pc:sldMk cId="3637246051" sldId="265"/>
             <ac:spMk id="2" creationId="{4D54CD70-A7C7-B159-DB36-DD35BB897E4A}"/>
+          </ac:spMkLst>
+        </pc:spChg>
+        <pc:spChg chg="mod">
+          <ac:chgData name="Haubenburger, Gabriel" userId="d79be2aa-0303-4748-b5e6-c8202455e92e" providerId="ADAL" clId="{C41F04A2-1B58-4C51-987F-CBD3CF99D29E}" dt="2024-12-15T21:44:36.216" v="1610" actId="20577"/>
+          <ac:spMkLst>
+            <pc:docMk/>
+            <pc:sldMk cId="3637246051" sldId="265"/>
+            <ac:spMk id="3" creationId="{84CFF438-856F-957D-7156-C2F5B4AFDC20}"/>
           </ac:spMkLst>
         </pc:spChg>
       </pc:sldChg>
@@ -371,8 +378,8 @@
           <pc:sldMk cId="2731784210" sldId="269"/>
         </pc:sldMkLst>
       </pc:sldChg>
-      <pc:sldChg chg="new">
-        <pc:chgData name="Haubenburger, Gabriel" userId="d79be2aa-0303-4748-b5e6-c8202455e92e" providerId="ADAL" clId="{C41F04A2-1B58-4C51-987F-CBD3CF99D29E}" dt="2024-12-15T14:36:16.829" v="12" actId="680"/>
+      <pc:sldChg chg="new del">
+        <pc:chgData name="Haubenburger, Gabriel" userId="d79be2aa-0303-4748-b5e6-c8202455e92e" providerId="ADAL" clId="{C41F04A2-1B58-4C51-987F-CBD3CF99D29E}" dt="2024-12-15T21:45:59.391" v="1676" actId="47"/>
         <pc:sldMkLst>
           <pc:docMk/>
           <pc:sldMk cId="2077306566" sldId="270"/>
@@ -394,13 +401,13 @@
         </pc:spChg>
       </pc:sldChg>
       <pc:sldChg chg="modSp mod">
-        <pc:chgData name="Haubenburger, Gabriel" userId="d79be2aa-0303-4748-b5e6-c8202455e92e" providerId="ADAL" clId="{C41F04A2-1B58-4C51-987F-CBD3CF99D29E}" dt="2024-12-15T21:27:35.279" v="1447" actId="20577"/>
+        <pc:chgData name="Haubenburger, Gabriel" userId="d79be2aa-0303-4748-b5e6-c8202455e92e" providerId="ADAL" clId="{C41F04A2-1B58-4C51-987F-CBD3CF99D29E}" dt="2024-12-15T21:43:46.194" v="1547" actId="313"/>
         <pc:sldMkLst>
           <pc:docMk/>
           <pc:sldMk cId="4222534279" sldId="272"/>
         </pc:sldMkLst>
         <pc:spChg chg="mod">
-          <ac:chgData name="Haubenburger, Gabriel" userId="d79be2aa-0303-4748-b5e6-c8202455e92e" providerId="ADAL" clId="{C41F04A2-1B58-4C51-987F-CBD3CF99D29E}" dt="2024-12-15T21:27:35.279" v="1447" actId="20577"/>
+          <ac:chgData name="Haubenburger, Gabriel" userId="d79be2aa-0303-4748-b5e6-c8202455e92e" providerId="ADAL" clId="{C41F04A2-1B58-4C51-987F-CBD3CF99D29E}" dt="2024-12-15T21:43:46.194" v="1547" actId="313"/>
           <ac:spMkLst>
             <pc:docMk/>
             <pc:sldMk cId="4222534279" sldId="272"/>
@@ -6720,6 +6727,13 @@
               <a:t>Bugs</a:t>
             </a:r>
           </a:p>
+          <a:p>
+            <a:pPr lvl="1"/>
+            <a:r>
+              <a:rPr lang="en-US" dirty="0"/>
+              <a:t>Insufficient parallelization </a:t>
+            </a:r>
+          </a:p>
         </p:txBody>
       </p:sp>
     </p:spTree>
@@ -6801,7 +6815,75 @@
           <a:bodyPr/>
           <a:lstStyle/>
           <a:p>
-            <a:endParaRPr lang="de-AT"/>
+            <a:r>
+              <a:rPr lang="de-AT" dirty="0" err="1"/>
+              <a:t>Good</a:t>
+            </a:r>
+            <a:r>
+              <a:rPr lang="de-AT" dirty="0"/>
+              <a:t> </a:t>
+            </a:r>
+            <a:r>
+              <a:rPr lang="de-AT" dirty="0" err="1"/>
+              <a:t>scores</a:t>
+            </a:r>
+            <a:r>
+              <a:rPr lang="de-AT" dirty="0"/>
+              <a:t> </a:t>
+            </a:r>
+            <a:r>
+              <a:rPr lang="de-AT" dirty="0" err="1"/>
+              <a:t>with</a:t>
+            </a:r>
+            <a:r>
+              <a:rPr lang="de-AT" dirty="0"/>
+              <a:t> </a:t>
+            </a:r>
+            <a:r>
+              <a:rPr lang="de-AT" dirty="0" err="1"/>
+              <a:t>relatively</a:t>
+            </a:r>
+            <a:r>
+              <a:rPr lang="de-AT" dirty="0"/>
+              <a:t> </a:t>
+            </a:r>
+            <a:r>
+              <a:rPr lang="de-AT" dirty="0" err="1"/>
+              <a:t>few</a:t>
+            </a:r>
+            <a:r>
+              <a:rPr lang="de-AT" dirty="0"/>
+              <a:t> </a:t>
+            </a:r>
+            <a:r>
+              <a:rPr lang="de-AT" dirty="0" err="1"/>
+              <a:t>samples</a:t>
+            </a:r>
+            <a:r>
+              <a:rPr lang="de-AT" dirty="0"/>
+              <a:t> </a:t>
+            </a:r>
+            <a:r>
+              <a:rPr lang="de-AT" dirty="0" err="1"/>
+              <a:t>for</a:t>
+            </a:r>
+            <a:r>
+              <a:rPr lang="de-AT" dirty="0"/>
+              <a:t> </a:t>
+            </a:r>
+            <a:r>
+              <a:rPr lang="de-AT" dirty="0" err="1"/>
+              <a:t>each</a:t>
+            </a:r>
+            <a:r>
+              <a:rPr lang="de-AT" dirty="0"/>
+              <a:t> </a:t>
+            </a:r>
+            <a:r>
+              <a:rPr lang="de-AT" dirty="0" err="1"/>
+              <a:t>tree</a:t>
+            </a:r>
+            <a:endParaRPr lang="de-AT" dirty="0"/>
           </a:p>
         </p:txBody>
       </p:sp>
@@ -7138,86 +7220,6 @@
 </p:sld>
 </file>
 
-<file path=ppt/slides/slide16.xml><?xml version="1.0" encoding="utf-8"?>
-<p:sld xmlns:a="http://schemas.openxmlformats.org/drawingml/2006/main" xmlns:r="http://schemas.openxmlformats.org/officeDocument/2006/relationships" xmlns:p="http://schemas.openxmlformats.org/presentationml/2006/main">
-  <p:cSld>
-    <p:spTree>
-      <p:nvGrpSpPr>
-        <p:cNvPr id="1" name=""/>
-        <p:cNvGrpSpPr/>
-        <p:nvPr/>
-      </p:nvGrpSpPr>
-      <p:grpSpPr>
-        <a:xfrm>
-          <a:off x="0" y="0"/>
-          <a:ext cx="0" cy="0"/>
-          <a:chOff x="0" y="0"/>
-          <a:chExt cx="0" cy="0"/>
-        </a:xfrm>
-      </p:grpSpPr>
-      <p:sp>
-        <p:nvSpPr>
-          <p:cNvPr id="2" name="Title 1">
-            <a:extLst>
-              <a:ext uri="{FF2B5EF4-FFF2-40B4-BE49-F238E27FC236}">
-                <a16:creationId xmlns:a16="http://schemas.microsoft.com/office/drawing/2014/main" id="{818E5137-9F21-7374-8AF7-83B95450444B}"/>
-              </a:ext>
-            </a:extLst>
-          </p:cNvPr>
-          <p:cNvSpPr>
-            <a:spLocks noGrp="1"/>
-          </p:cNvSpPr>
-          <p:nvPr>
-            <p:ph type="title"/>
-          </p:nvPr>
-        </p:nvSpPr>
-        <p:spPr/>
-        <p:txBody>
-          <a:bodyPr/>
-          <a:lstStyle/>
-          <a:p>
-            <a:endParaRPr lang="de-AT"/>
-          </a:p>
-        </p:txBody>
-      </p:sp>
-      <p:sp>
-        <p:nvSpPr>
-          <p:cNvPr id="3" name="Content Placeholder 2">
-            <a:extLst>
-              <a:ext uri="{FF2B5EF4-FFF2-40B4-BE49-F238E27FC236}">
-                <a16:creationId xmlns:a16="http://schemas.microsoft.com/office/drawing/2014/main" id="{504F3F50-B242-B55C-903B-0FE55DB38A00}"/>
-              </a:ext>
-            </a:extLst>
-          </p:cNvPr>
-          <p:cNvSpPr>
-            <a:spLocks noGrp="1"/>
-          </p:cNvSpPr>
-          <p:nvPr>
-            <p:ph idx="1"/>
-          </p:nvPr>
-        </p:nvSpPr>
-        <p:spPr/>
-        <p:txBody>
-          <a:bodyPr/>
-          <a:lstStyle/>
-          <a:p>
-            <a:endParaRPr lang="de-AT"/>
-          </a:p>
-        </p:txBody>
-      </p:sp>
-    </p:spTree>
-    <p:extLst>
-      <p:ext uri="{BB962C8B-B14F-4D97-AF65-F5344CB8AC3E}">
-        <p14:creationId xmlns:p14="http://schemas.microsoft.com/office/powerpoint/2010/main" val="2077306566"/>
-      </p:ext>
-    </p:extLst>
-  </p:cSld>
-  <p:clrMapOvr>
-    <a:masterClrMapping/>
-  </p:clrMapOvr>
-</p:sld>
-</file>
-
 <file path=ppt/slides/slide2.xml><?xml version="1.0" encoding="utf-8"?>
 <p:sld xmlns:a="http://schemas.openxmlformats.org/drawingml/2006/main" xmlns:r="http://schemas.openxmlformats.org/officeDocument/2006/relationships" xmlns:p="http://schemas.openxmlformats.org/presentationml/2006/main">
   <p:cSld>
@@ -7734,8 +7736,20 @@
           <a:lstStyle/>
           <a:p>
             <a:r>
-              <a:rPr lang="en-US"/>
+              <a:rPr lang="en-US" dirty="0"/>
               <a:t>A variant of the simple decision tree model for regression tasks</a:t>
+            </a:r>
+          </a:p>
+          <a:p>
+            <a:r>
+              <a:rPr lang="en-US" dirty="0"/>
+              <a:t>White Box</a:t>
+            </a:r>
+          </a:p>
+          <a:p>
+            <a:r>
+              <a:rPr lang="en-US" dirty="0"/>
+              <a:t>Prone to overfitting - (Pre-)Pruning can help</a:t>
             </a:r>
           </a:p>
         </p:txBody>

--- a/ex2/Exercise_2_ppt.pptx
+++ b/ex2/Exercise_2_ppt.pptx
@@ -139,7 +139,7 @@
   <pc:docChgLst>
     <pc:chgData name="Haubenburger, Gabriel" userId="d79be2aa-0303-4748-b5e6-c8202455e92e" providerId="ADAL" clId="{C41F04A2-1B58-4C51-987F-CBD3CF99D29E}"/>
     <pc:docChg chg="undo redo custSel addSld delSld modSld sldOrd">
-      <pc:chgData name="Haubenburger, Gabriel" userId="d79be2aa-0303-4748-b5e6-c8202455e92e" providerId="ADAL" clId="{C41F04A2-1B58-4C51-987F-CBD3CF99D29E}" dt="2024-12-15T21:45:59.391" v="1676" actId="47"/>
+      <pc:chgData name="Haubenburger, Gabriel" userId="d79be2aa-0303-4748-b5e6-c8202455e92e" providerId="ADAL" clId="{C41F04A2-1B58-4C51-987F-CBD3CF99D29E}" dt="2024-12-15T21:53:59.061" v="1842" actId="20577"/>
       <pc:docMkLst>
         <pc:docMk/>
       </pc:docMkLst>
@@ -328,7 +328,7 @@
         </pc:spChg>
       </pc:sldChg>
       <pc:sldChg chg="modSp new mod">
-        <pc:chgData name="Haubenburger, Gabriel" userId="d79be2aa-0303-4748-b5e6-c8202455e92e" providerId="ADAL" clId="{C41F04A2-1B58-4C51-987F-CBD3CF99D29E}" dt="2024-12-15T21:44:36.216" v="1610" actId="20577"/>
+        <pc:chgData name="Haubenburger, Gabriel" userId="d79be2aa-0303-4748-b5e6-c8202455e92e" providerId="ADAL" clId="{C41F04A2-1B58-4C51-987F-CBD3CF99D29E}" dt="2024-12-15T21:50:41.240" v="1776" actId="21"/>
         <pc:sldMkLst>
           <pc:docMk/>
           <pc:sldMk cId="3637246051" sldId="265"/>
@@ -342,7 +342,7 @@
           </ac:spMkLst>
         </pc:spChg>
         <pc:spChg chg="mod">
-          <ac:chgData name="Haubenburger, Gabriel" userId="d79be2aa-0303-4748-b5e6-c8202455e92e" providerId="ADAL" clId="{C41F04A2-1B58-4C51-987F-CBD3CF99D29E}" dt="2024-12-15T21:44:36.216" v="1610" actId="20577"/>
+          <ac:chgData name="Haubenburger, Gabriel" userId="d79be2aa-0303-4748-b5e6-c8202455e92e" providerId="ADAL" clId="{C41F04A2-1B58-4C51-987F-CBD3CF99D29E}" dt="2024-12-15T21:50:41.240" v="1776" actId="21"/>
           <ac:spMkLst>
             <pc:docMk/>
             <pc:sldMk cId="3637246051" sldId="265"/>
@@ -401,13 +401,13 @@
         </pc:spChg>
       </pc:sldChg>
       <pc:sldChg chg="modSp mod">
-        <pc:chgData name="Haubenburger, Gabriel" userId="d79be2aa-0303-4748-b5e6-c8202455e92e" providerId="ADAL" clId="{C41F04A2-1B58-4C51-987F-CBD3CF99D29E}" dt="2024-12-15T21:43:46.194" v="1547" actId="313"/>
+        <pc:chgData name="Haubenburger, Gabriel" userId="d79be2aa-0303-4748-b5e6-c8202455e92e" providerId="ADAL" clId="{C41F04A2-1B58-4C51-987F-CBD3CF99D29E}" dt="2024-12-15T21:53:59.061" v="1842" actId="20577"/>
         <pc:sldMkLst>
           <pc:docMk/>
           <pc:sldMk cId="4222534279" sldId="272"/>
         </pc:sldMkLst>
         <pc:spChg chg="mod">
-          <ac:chgData name="Haubenburger, Gabriel" userId="d79be2aa-0303-4748-b5e6-c8202455e92e" providerId="ADAL" clId="{C41F04A2-1B58-4C51-987F-CBD3CF99D29E}" dt="2024-12-15T21:43:46.194" v="1547" actId="313"/>
+          <ac:chgData name="Haubenburger, Gabriel" userId="d79be2aa-0303-4748-b5e6-c8202455e92e" providerId="ADAL" clId="{C41F04A2-1B58-4C51-987F-CBD3CF99D29E}" dt="2024-12-15T21:53:59.061" v="1842" actId="20577"/>
           <ac:spMkLst>
             <pc:docMk/>
             <pc:sldMk cId="4222534279" sldId="272"/>
@@ -6686,7 +6686,9 @@
         </p:nvSpPr>
         <p:spPr/>
         <p:txBody>
-          <a:bodyPr/>
+          <a:bodyPr>
+            <a:normAutofit/>
+          </a:bodyPr>
           <a:lstStyle/>
           <a:p>
             <a:r>
@@ -6697,8 +6699,99 @@
           <a:p>
             <a:r>
               <a:rPr lang="en-US" dirty="0"/>
-              <a:t>Mainly from using own trees</a:t>
-            </a:r>
+              <a:t>Mainly from using own trees </a:t>
+            </a:r>
+          </a:p>
+          <a:p>
+            <a:r>
+              <a:rPr lang="de-AT" dirty="0"/>
+              <a:t>Training </a:t>
+            </a:r>
+            <a:r>
+              <a:rPr lang="de-AT" dirty="0" err="1"/>
+              <a:t>times</a:t>
+            </a:r>
+            <a:r>
+              <a:rPr lang="de-AT" dirty="0"/>
+              <a:t> </a:t>
+            </a:r>
+            <a:r>
+              <a:rPr lang="de-AT" dirty="0" err="1"/>
+              <a:t>for</a:t>
+            </a:r>
+            <a:r>
+              <a:rPr lang="de-AT" dirty="0"/>
+              <a:t> </a:t>
+            </a:r>
+            <a:r>
+              <a:rPr lang="de-AT" dirty="0" err="1"/>
+              <a:t>single</a:t>
+            </a:r>
+            <a:r>
+              <a:rPr lang="de-AT" dirty="0"/>
+              <a:t> </a:t>
+            </a:r>
+            <a:r>
+              <a:rPr lang="de-AT" dirty="0" err="1"/>
+              <a:t>full</a:t>
+            </a:r>
+            <a:r>
+              <a:rPr lang="de-AT" dirty="0"/>
+              <a:t> DT on Colleges </a:t>
+            </a:r>
+            <a:r>
+              <a:rPr lang="de-AT" dirty="0" err="1"/>
+              <a:t>went</a:t>
+            </a:r>
+            <a:r>
+              <a:rPr lang="de-AT" dirty="0"/>
+              <a:t> </a:t>
+            </a:r>
+            <a:r>
+              <a:rPr lang="de-AT" dirty="0" err="1"/>
+              <a:t>from</a:t>
+            </a:r>
+            <a:r>
+              <a:rPr lang="de-AT" dirty="0"/>
+              <a:t> &gt; 400s </a:t>
+            </a:r>
+            <a:r>
+              <a:rPr lang="de-AT" dirty="0" err="1"/>
+              <a:t>to</a:t>
+            </a:r>
+            <a:r>
+              <a:rPr lang="de-AT" dirty="0"/>
+              <a:t> ~25s, </a:t>
+            </a:r>
+            <a:r>
+              <a:rPr lang="de-AT" dirty="0" err="1"/>
+              <a:t>compared</a:t>
+            </a:r>
+            <a:r>
+              <a:rPr lang="de-AT" dirty="0"/>
+              <a:t> </a:t>
+            </a:r>
+            <a:r>
+              <a:rPr lang="de-AT" dirty="0" err="1"/>
+              <a:t>to</a:t>
+            </a:r>
+            <a:r>
+              <a:rPr lang="de-AT" dirty="0"/>
+              <a:t> ~0.02s </a:t>
+            </a:r>
+            <a:r>
+              <a:rPr lang="de-AT" dirty="0" err="1"/>
+              <a:t>for</a:t>
+            </a:r>
+            <a:r>
+              <a:rPr lang="de-AT" dirty="0"/>
+              <a:t> SKL </a:t>
+            </a:r>
+            <a:r>
+              <a:rPr lang="de-AT"/>
+              <a:t>version</a:t>
+            </a:r>
+            <a:endParaRPr lang="en-US" dirty="0"/>
           </a:p>
           <a:p>
             <a:r>
@@ -6717,7 +6810,7 @@
             <a:pPr lvl="1"/>
             <a:r>
               <a:rPr lang="en-US" dirty="0"/>
-              <a:t>Lacking optimization</a:t>
+              <a:t>Lacking optimization </a:t>
             </a:r>
           </a:p>
           <a:p>

--- a/ex2/Exercise_2_ppt.pptx
+++ b/ex2/Exercise_2_ppt.pptx
@@ -22,11 +22,6 @@
     <p:sldId id="273" r:id="rId16"/>
     <p:sldId id="272" r:id="rId17"/>
     <p:sldId id="265" r:id="rId18"/>
-    <p:sldId id="266" r:id="rId19"/>
-    <p:sldId id="267" r:id="rId20"/>
-    <p:sldId id="268" r:id="rId21"/>
-    <p:sldId id="269" r:id="rId22"/>
-    <p:sldId id="270" r:id="rId23"/>
   </p:sldIdLst>
   <p:sldSz cx="12192000" cy="6858000"/>
   <p:notesSz cx="6858000" cy="9144000"/>
@@ -141,6 +136,160 @@
 </p1510:revInfo>
 </file>
 
+<file path=ppt/changesInfos/changesInfo1.xml><?xml version="1.0" encoding="utf-8"?>
+<pc:chgInfo xmlns:a="http://schemas.openxmlformats.org/drawingml/2006/main" xmlns:r="http://schemas.openxmlformats.org/officeDocument/2006/relationships" xmlns:ac="http://schemas.microsoft.com/office/drawing/2013/main/command" xmlns:pc="http://schemas.microsoft.com/office/powerpoint/2013/main/command">
+  <pc:docChgLst>
+    <pc:chgData name="Haubenburger, Gabriel" userId="d79be2aa-0303-4748-b5e6-c8202455e92e" providerId="ADAL" clId="{C41F04A2-1B58-4C51-987F-CBD3CF99D29E}"/>
+    <pc:docChg chg="custSel delSld modSld">
+      <pc:chgData name="Haubenburger, Gabriel" userId="d79be2aa-0303-4748-b5e6-c8202455e92e" providerId="ADAL" clId="{C41F04A2-1B58-4C51-987F-CBD3CF99D29E}" dt="2024-12-16T07:02:16.079" v="391" actId="790"/>
+      <pc:docMkLst>
+        <pc:docMk/>
+      </pc:docMkLst>
+      <pc:sldChg chg="modSp mod">
+        <pc:chgData name="Haubenburger, Gabriel" userId="d79be2aa-0303-4748-b5e6-c8202455e92e" providerId="ADAL" clId="{C41F04A2-1B58-4C51-987F-CBD3CF99D29E}" dt="2024-12-16T06:50:34.855" v="0"/>
+        <pc:sldMkLst>
+          <pc:docMk/>
+          <pc:sldMk cId="225849889" sldId="258"/>
+        </pc:sldMkLst>
+        <pc:spChg chg="mod">
+          <ac:chgData name="Haubenburger, Gabriel" userId="d79be2aa-0303-4748-b5e6-c8202455e92e" providerId="ADAL" clId="{C41F04A2-1B58-4C51-987F-CBD3CF99D29E}" dt="2024-12-16T06:50:34.855" v="0"/>
+          <ac:spMkLst>
+            <pc:docMk/>
+            <pc:sldMk cId="225849889" sldId="258"/>
+            <ac:spMk id="3" creationId="{BB3969EE-A50A-F4A8-56A6-D2F56033ADBA}"/>
+          </ac:spMkLst>
+        </pc:spChg>
+      </pc:sldChg>
+      <pc:sldChg chg="modSp mod">
+        <pc:chgData name="Haubenburger, Gabriel" userId="d79be2aa-0303-4748-b5e6-c8202455e92e" providerId="ADAL" clId="{C41F04A2-1B58-4C51-987F-CBD3CF99D29E}" dt="2024-12-16T06:50:48.302" v="1"/>
+        <pc:sldMkLst>
+          <pc:docMk/>
+          <pc:sldMk cId="4244075057" sldId="259"/>
+        </pc:sldMkLst>
+        <pc:spChg chg="mod">
+          <ac:chgData name="Haubenburger, Gabriel" userId="d79be2aa-0303-4748-b5e6-c8202455e92e" providerId="ADAL" clId="{C41F04A2-1B58-4C51-987F-CBD3CF99D29E}" dt="2024-12-16T06:50:48.302" v="1"/>
+          <ac:spMkLst>
+            <pc:docMk/>
+            <pc:sldMk cId="4244075057" sldId="259"/>
+            <ac:spMk id="3" creationId="{BC38231A-ECB4-0153-0411-F74632AD3135}"/>
+          </ac:spMkLst>
+        </pc:spChg>
+      </pc:sldChg>
+      <pc:sldChg chg="modSp mod">
+        <pc:chgData name="Haubenburger, Gabriel" userId="d79be2aa-0303-4748-b5e6-c8202455e92e" providerId="ADAL" clId="{C41F04A2-1B58-4C51-987F-CBD3CF99D29E}" dt="2024-12-16T06:57:35.668" v="180" actId="20577"/>
+        <pc:sldMkLst>
+          <pc:docMk/>
+          <pc:sldMk cId="271810423" sldId="263"/>
+        </pc:sldMkLst>
+        <pc:spChg chg="mod">
+          <ac:chgData name="Haubenburger, Gabriel" userId="d79be2aa-0303-4748-b5e6-c8202455e92e" providerId="ADAL" clId="{C41F04A2-1B58-4C51-987F-CBD3CF99D29E}" dt="2024-12-16T06:57:35.668" v="180" actId="20577"/>
+          <ac:spMkLst>
+            <pc:docMk/>
+            <pc:sldMk cId="271810423" sldId="263"/>
+            <ac:spMk id="3" creationId="{0358DEBD-0580-CCFC-97FB-D946EFFD3344}"/>
+          </ac:spMkLst>
+        </pc:spChg>
+      </pc:sldChg>
+      <pc:sldChg chg="modSp mod">
+        <pc:chgData name="Haubenburger, Gabriel" userId="d79be2aa-0303-4748-b5e6-c8202455e92e" providerId="ADAL" clId="{C41F04A2-1B58-4C51-987F-CBD3CF99D29E}" dt="2024-12-16T07:02:16.079" v="391" actId="790"/>
+        <pc:sldMkLst>
+          <pc:docMk/>
+          <pc:sldMk cId="3637246051" sldId="265"/>
+        </pc:sldMkLst>
+        <pc:spChg chg="mod">
+          <ac:chgData name="Haubenburger, Gabriel" userId="d79be2aa-0303-4748-b5e6-c8202455e92e" providerId="ADAL" clId="{C41F04A2-1B58-4C51-987F-CBD3CF99D29E}" dt="2024-12-16T07:02:16.079" v="391" actId="790"/>
+          <ac:spMkLst>
+            <pc:docMk/>
+            <pc:sldMk cId="3637246051" sldId="265"/>
+            <ac:spMk id="3" creationId="{84CFF438-856F-957D-7156-C2F5B4AFDC20}"/>
+          </ac:spMkLst>
+        </pc:spChg>
+      </pc:sldChg>
+      <pc:sldChg chg="del">
+        <pc:chgData name="Haubenburger, Gabriel" userId="d79be2aa-0303-4748-b5e6-c8202455e92e" providerId="ADAL" clId="{C41F04A2-1B58-4C51-987F-CBD3CF99D29E}" dt="2024-12-16T06:54:05.830" v="16" actId="47"/>
+        <pc:sldMkLst>
+          <pc:docMk/>
+          <pc:sldMk cId="1764173400" sldId="266"/>
+        </pc:sldMkLst>
+      </pc:sldChg>
+      <pc:sldChg chg="del">
+        <pc:chgData name="Haubenburger, Gabriel" userId="d79be2aa-0303-4748-b5e6-c8202455e92e" providerId="ADAL" clId="{C41F04A2-1B58-4C51-987F-CBD3CF99D29E}" dt="2024-12-16T06:54:06.602" v="17" actId="47"/>
+        <pc:sldMkLst>
+          <pc:docMk/>
+          <pc:sldMk cId="1936087243" sldId="267"/>
+        </pc:sldMkLst>
+      </pc:sldChg>
+      <pc:sldChg chg="del">
+        <pc:chgData name="Haubenburger, Gabriel" userId="d79be2aa-0303-4748-b5e6-c8202455e92e" providerId="ADAL" clId="{C41F04A2-1B58-4C51-987F-CBD3CF99D29E}" dt="2024-12-16T06:54:07.225" v="18" actId="47"/>
+        <pc:sldMkLst>
+          <pc:docMk/>
+          <pc:sldMk cId="868701430" sldId="268"/>
+        </pc:sldMkLst>
+      </pc:sldChg>
+      <pc:sldChg chg="del">
+        <pc:chgData name="Haubenburger, Gabriel" userId="d79be2aa-0303-4748-b5e6-c8202455e92e" providerId="ADAL" clId="{C41F04A2-1B58-4C51-987F-CBD3CF99D29E}" dt="2024-12-16T06:54:07.913" v="19" actId="47"/>
+        <pc:sldMkLst>
+          <pc:docMk/>
+          <pc:sldMk cId="2731784210" sldId="269"/>
+        </pc:sldMkLst>
+      </pc:sldChg>
+      <pc:sldChg chg="del">
+        <pc:chgData name="Haubenburger, Gabriel" userId="d79be2aa-0303-4748-b5e6-c8202455e92e" providerId="ADAL" clId="{C41F04A2-1B58-4C51-987F-CBD3CF99D29E}" dt="2024-12-16T06:54:08.827" v="20" actId="47"/>
+        <pc:sldMkLst>
+          <pc:docMk/>
+          <pc:sldMk cId="2077306566" sldId="270"/>
+        </pc:sldMkLst>
+      </pc:sldChg>
+      <pc:sldChg chg="modSp mod">
+        <pc:chgData name="Haubenburger, Gabriel" userId="d79be2aa-0303-4748-b5e6-c8202455e92e" providerId="ADAL" clId="{C41F04A2-1B58-4C51-987F-CBD3CF99D29E}" dt="2024-12-16T06:53:52.327" v="14"/>
+        <pc:sldMkLst>
+          <pc:docMk/>
+          <pc:sldMk cId="4222534279" sldId="272"/>
+        </pc:sldMkLst>
+        <pc:spChg chg="mod">
+          <ac:chgData name="Haubenburger, Gabriel" userId="d79be2aa-0303-4748-b5e6-c8202455e92e" providerId="ADAL" clId="{C41F04A2-1B58-4C51-987F-CBD3CF99D29E}" dt="2024-12-16T06:53:52.327" v="14"/>
+          <ac:spMkLst>
+            <pc:docMk/>
+            <pc:sldMk cId="4222534279" sldId="272"/>
+            <ac:spMk id="3" creationId="{C2C34ABA-A410-7029-1000-0F296A1EC0E5}"/>
+          </ac:spMkLst>
+        </pc:spChg>
+      </pc:sldChg>
+      <pc:sldChg chg="modSp mod">
+        <pc:chgData name="Haubenburger, Gabriel" userId="d79be2aa-0303-4748-b5e6-c8202455e92e" providerId="ADAL" clId="{C41F04A2-1B58-4C51-987F-CBD3CF99D29E}" dt="2024-12-16T06:53:35.204" v="13" actId="20577"/>
+        <pc:sldMkLst>
+          <pc:docMk/>
+          <pc:sldMk cId="1301165960" sldId="273"/>
+        </pc:sldMkLst>
+        <pc:spChg chg="mod">
+          <ac:chgData name="Haubenburger, Gabriel" userId="d79be2aa-0303-4748-b5e6-c8202455e92e" providerId="ADAL" clId="{C41F04A2-1B58-4C51-987F-CBD3CF99D29E}" dt="2024-12-16T06:53:35.204" v="13" actId="20577"/>
+          <ac:spMkLst>
+            <pc:docMk/>
+            <pc:sldMk cId="1301165960" sldId="273"/>
+            <ac:spMk id="3" creationId="{E891079C-1F56-4C81-8E96-3272DC335B4F}"/>
+          </ac:spMkLst>
+        </pc:spChg>
+      </pc:sldChg>
+      <pc:sldChg chg="modSp mod">
+        <pc:chgData name="Haubenburger, Gabriel" userId="d79be2aa-0303-4748-b5e6-c8202455e92e" providerId="ADAL" clId="{C41F04A2-1B58-4C51-987F-CBD3CF99D29E}" dt="2024-12-16T06:52:41.845" v="7" actId="313"/>
+        <pc:sldMkLst>
+          <pc:docMk/>
+          <pc:sldMk cId="34964441" sldId="274"/>
+        </pc:sldMkLst>
+        <pc:spChg chg="mod">
+          <ac:chgData name="Haubenburger, Gabriel" userId="d79be2aa-0303-4748-b5e6-c8202455e92e" providerId="ADAL" clId="{C41F04A2-1B58-4C51-987F-CBD3CF99D29E}" dt="2024-12-16T06:52:41.845" v="7" actId="313"/>
+          <ac:spMkLst>
+            <pc:docMk/>
+            <pc:sldMk cId="34964441" sldId="274"/>
+            <ac:spMk id="3" creationId="{0358DEBD-0580-CCFC-97FB-D946EFFD3344}"/>
+          </ac:spMkLst>
+        </pc:spChg>
+      </pc:sldChg>
+    </pc:docChg>
+  </pc:docChgLst>
+</pc:chgInfo>
+</file>
+
 <file path=ppt/slideLayouts/slideLayout1.xml><?xml version="1.0" encoding="utf-8"?>
 <p:sldLayout xmlns:a="http://schemas.openxmlformats.org/drawingml/2006/main" xmlns:r="http://schemas.openxmlformats.org/officeDocument/2006/relationships" xmlns:p="http://schemas.openxmlformats.org/presentationml/2006/main" type="title" preserve="1">
   <p:cSld name="Title Slide">
@@ -325,7 +474,7 @@
           <a:p>
             <a:fld id="{0950DE9D-A889-4DD2-8CFA-0EF30468CF8D}" type="datetimeFigureOut">
               <a:rPr lang="en-IN" smtClean="0"/>
-              <a:t>15-12-2024</a:t>
+              <a:t>16-12-2024</a:t>
             </a:fld>
             <a:endParaRPr lang="en-IN"/>
           </a:p>
@@ -598,7 +747,7 @@
           <a:p>
             <a:fld id="{0950DE9D-A889-4DD2-8CFA-0EF30468CF8D}" type="datetimeFigureOut">
               <a:rPr lang="en-IN" smtClean="0"/>
-              <a:t>15-12-2024</a:t>
+              <a:t>16-12-2024</a:t>
             </a:fld>
             <a:endParaRPr lang="en-IN"/>
           </a:p>
@@ -791,7 +940,7 @@
           <a:p>
             <a:fld id="{0950DE9D-A889-4DD2-8CFA-0EF30468CF8D}" type="datetimeFigureOut">
               <a:rPr lang="en-IN" smtClean="0"/>
-              <a:t>15-12-2024</a:t>
+              <a:t>16-12-2024</a:t>
             </a:fld>
             <a:endParaRPr lang="en-IN"/>
           </a:p>
@@ -1063,7 +1212,7 @@
           <a:p>
             <a:fld id="{0950DE9D-A889-4DD2-8CFA-0EF30468CF8D}" type="datetimeFigureOut">
               <a:rPr lang="en-IN" smtClean="0"/>
-              <a:t>15-12-2024</a:t>
+              <a:t>16-12-2024</a:t>
             </a:fld>
             <a:endParaRPr lang="en-IN"/>
           </a:p>
@@ -1403,7 +1552,7 @@
           <a:p>
             <a:fld id="{0950DE9D-A889-4DD2-8CFA-0EF30468CF8D}" type="datetimeFigureOut">
               <a:rPr lang="en-IN" smtClean="0"/>
-              <a:t>15-12-2024</a:t>
+              <a:t>16-12-2024</a:t>
             </a:fld>
             <a:endParaRPr lang="en-IN"/>
           </a:p>
@@ -2025,7 +2174,7 @@
           <a:p>
             <a:fld id="{0950DE9D-A889-4DD2-8CFA-0EF30468CF8D}" type="datetimeFigureOut">
               <a:rPr lang="en-IN" smtClean="0"/>
-              <a:t>15-12-2024</a:t>
+              <a:t>16-12-2024</a:t>
             </a:fld>
             <a:endParaRPr lang="en-IN"/>
           </a:p>
@@ -2881,7 +3030,7 @@
           <a:p>
             <a:fld id="{0950DE9D-A889-4DD2-8CFA-0EF30468CF8D}" type="datetimeFigureOut">
               <a:rPr lang="en-IN" smtClean="0"/>
-              <a:t>15-12-2024</a:t>
+              <a:t>16-12-2024</a:t>
             </a:fld>
             <a:endParaRPr lang="en-IN"/>
           </a:p>
@@ -3049,7 +3198,7 @@
           <a:p>
             <a:fld id="{0950DE9D-A889-4DD2-8CFA-0EF30468CF8D}" type="datetimeFigureOut">
               <a:rPr lang="en-IN" smtClean="0"/>
-              <a:t>15-12-2024</a:t>
+              <a:t>16-12-2024</a:t>
             </a:fld>
             <a:endParaRPr lang="en-IN"/>
           </a:p>
@@ -3227,7 +3376,7 @@
           <a:p>
             <a:fld id="{0950DE9D-A889-4DD2-8CFA-0EF30468CF8D}" type="datetimeFigureOut">
               <a:rPr lang="en-IN" smtClean="0"/>
-              <a:t>15-12-2024</a:t>
+              <a:t>16-12-2024</a:t>
             </a:fld>
             <a:endParaRPr lang="en-IN"/>
           </a:p>
@@ -3395,7 +3544,7 @@
           <a:p>
             <a:fld id="{0950DE9D-A889-4DD2-8CFA-0EF30468CF8D}" type="datetimeFigureOut">
               <a:rPr lang="en-IN" smtClean="0"/>
-              <a:t>15-12-2024</a:t>
+              <a:t>16-12-2024</a:t>
             </a:fld>
             <a:endParaRPr lang="en-IN"/>
           </a:p>
@@ -3641,7 +3790,7 @@
           <a:p>
             <a:fld id="{0950DE9D-A889-4DD2-8CFA-0EF30468CF8D}" type="datetimeFigureOut">
               <a:rPr lang="en-IN" smtClean="0"/>
-              <a:t>15-12-2024</a:t>
+              <a:t>16-12-2024</a:t>
             </a:fld>
             <a:endParaRPr lang="en-IN"/>
           </a:p>
@@ -3930,7 +4079,7 @@
           <a:p>
             <a:fld id="{0950DE9D-A889-4DD2-8CFA-0EF30468CF8D}" type="datetimeFigureOut">
               <a:rPr lang="en-IN" smtClean="0"/>
-              <a:t>15-12-2024</a:t>
+              <a:t>16-12-2024</a:t>
             </a:fld>
             <a:endParaRPr lang="en-IN"/>
           </a:p>
@@ -4371,7 +4520,7 @@
           <a:p>
             <a:fld id="{0950DE9D-A889-4DD2-8CFA-0EF30468CF8D}" type="datetimeFigureOut">
               <a:rPr lang="en-IN" smtClean="0"/>
-              <a:t>15-12-2024</a:t>
+              <a:t>16-12-2024</a:t>
             </a:fld>
             <a:endParaRPr lang="en-IN"/>
           </a:p>
@@ -4488,7 +4637,7 @@
           <a:p>
             <a:fld id="{0950DE9D-A889-4DD2-8CFA-0EF30468CF8D}" type="datetimeFigureOut">
               <a:rPr lang="en-IN" smtClean="0"/>
-              <a:t>15-12-2024</a:t>
+              <a:t>16-12-2024</a:t>
             </a:fld>
             <a:endParaRPr lang="en-IN"/>
           </a:p>
@@ -4583,7 +4732,7 @@
           <a:p>
             <a:fld id="{0950DE9D-A889-4DD2-8CFA-0EF30468CF8D}" type="datetimeFigureOut">
               <a:rPr lang="en-IN" smtClean="0"/>
-              <a:t>15-12-2024</a:t>
+              <a:t>16-12-2024</a:t>
             </a:fld>
             <a:endParaRPr lang="en-IN"/>
           </a:p>
@@ -4860,7 +5009,7 @@
           <a:p>
             <a:fld id="{0950DE9D-A889-4DD2-8CFA-0EF30468CF8D}" type="datetimeFigureOut">
               <a:rPr lang="en-IN" smtClean="0"/>
-              <a:t>15-12-2024</a:t>
+              <a:t>16-12-2024</a:t>
             </a:fld>
             <a:endParaRPr lang="en-IN"/>
           </a:p>
@@ -5133,7 +5282,7 @@
           <a:p>
             <a:fld id="{0950DE9D-A889-4DD2-8CFA-0EF30468CF8D}" type="datetimeFigureOut">
               <a:rPr lang="en-IN" smtClean="0"/>
-              <a:t>15-12-2024</a:t>
+              <a:t>16-12-2024</a:t>
             </a:fld>
             <a:endParaRPr lang="en-IN"/>
           </a:p>
@@ -5560,7 +5709,7 @@
           <a:p>
             <a:fld id="{0950DE9D-A889-4DD2-8CFA-0EF30468CF8D}" type="datetimeFigureOut">
               <a:rPr lang="en-IN" smtClean="0"/>
-              <a:t>15-12-2024</a:t>
+              <a:t>16-12-2024</a:t>
             </a:fld>
             <a:endParaRPr lang="en-IN"/>
           </a:p>
@@ -7953,8 +8102,12 @@
           <a:lstStyle/>
           <a:p>
             <a:r>
+              <a:rPr lang="de-AT" dirty="0" err="1"/>
+              <a:t>Far</a:t>
+            </a:r>
+            <a:r>
               <a:rPr lang="de-AT" dirty="0"/>
-              <a:t>Much </a:t>
+              <a:t> </a:t>
             </a:r>
             <a:r>
               <a:rPr lang="de-AT" dirty="0" err="1"/>
@@ -8035,6 +8188,88 @@
               <a:t>sets</a:t>
             </a:r>
             <a:endParaRPr lang="de-AT" dirty="0"/>
+          </a:p>
+          <a:p>
+            <a:r>
+              <a:rPr lang="de-AT" dirty="0" err="1"/>
+              <a:t>Far</a:t>
+            </a:r>
+            <a:r>
+              <a:rPr lang="de-AT" dirty="0"/>
+              <a:t> </a:t>
+            </a:r>
+            <a:r>
+              <a:rPr lang="de-AT" dirty="0" err="1"/>
+              <a:t>less</a:t>
+            </a:r>
+            <a:r>
+              <a:rPr lang="de-AT" dirty="0"/>
+              <a:t> </a:t>
+            </a:r>
+            <a:r>
+              <a:rPr lang="de-AT" dirty="0" err="1"/>
+              <a:t>paramenters</a:t>
+            </a:r>
+            <a:r>
+              <a:rPr lang="de-AT" dirty="0"/>
+              <a:t>, but </a:t>
+            </a:r>
+            <a:r>
+              <a:rPr lang="de-AT" dirty="0" err="1"/>
+              <a:t>seems</a:t>
+            </a:r>
+            <a:r>
+              <a:rPr lang="de-AT" dirty="0"/>
+              <a:t> </a:t>
+            </a:r>
+            <a:r>
+              <a:rPr lang="de-AT" dirty="0" err="1"/>
+              <a:t>to</a:t>
+            </a:r>
+            <a:r>
+              <a:rPr lang="de-AT" dirty="0"/>
+              <a:t> </a:t>
+            </a:r>
+            <a:r>
+              <a:rPr lang="de-AT" dirty="0" err="1"/>
+              <a:t>be</a:t>
+            </a:r>
+            <a:r>
+              <a:rPr lang="de-AT" dirty="0"/>
+              <a:t> a solid </a:t>
+            </a:r>
+            <a:r>
+              <a:rPr lang="de-AT" dirty="0" err="1"/>
+              <a:t>base</a:t>
+            </a:r>
+            <a:r>
+              <a:rPr lang="de-AT" dirty="0"/>
+              <a:t> </a:t>
+            </a:r>
+            <a:r>
+              <a:rPr lang="de-AT" dirty="0" err="1"/>
+              <a:t>version</a:t>
+            </a:r>
+            <a:r>
+              <a:rPr lang="de-AT" dirty="0"/>
+              <a:t> </a:t>
+            </a:r>
+            <a:r>
+              <a:rPr lang="de-AT" dirty="0" err="1"/>
+              <a:t>to</a:t>
+            </a:r>
+            <a:r>
+              <a:rPr lang="de-AT" dirty="0"/>
+              <a:t> </a:t>
+            </a:r>
+            <a:r>
+              <a:rPr lang="de-AT" dirty="0" err="1"/>
+              <a:t>iterate</a:t>
+            </a:r>
+            <a:r>
+              <a:rPr lang="de-AT" dirty="0"/>
+              <a:t> on</a:t>
+            </a:r>
           </a:p>
         </p:txBody>
       </p:sp>
@@ -8185,7 +8420,7 @@
               <a:t>LLM: </a:t>
             </a:r>
             <a:r>
-              <a:rPr lang="de-AT" dirty="0" err="1"/>
+              <a:rPr lang="en-US" dirty="0"/>
               <a:t>faster</a:t>
             </a:r>
             <a:r>
@@ -8217,8 +8452,8 @@
               <a:t>, but </a:t>
             </a:r>
             <a:r>
-              <a:rPr lang="de-AT" dirty="0" err="1"/>
-              <a:t>sacrifies</a:t>
+              <a:rPr lang="en-US" dirty="0"/>
+              <a:t>sacrifices</a:t>
             </a:r>
             <a:r>
               <a:rPr lang="de-AT" dirty="0"/>
@@ -9019,7 +9254,7 @@
             </a:r>
             <a:r>
               <a:rPr lang="de-AT" dirty="0" err="1"/>
-              <a:t>lower</a:t>
+              <a:t>higher</a:t>
             </a:r>
             <a:r>
               <a:rPr lang="de-AT" dirty="0"/>
@@ -9614,8 +9849,99 @@
           <a:p>
             <a:r>
               <a:rPr lang="en-US" dirty="0"/>
-              <a:t>Mainly from using own trees</a:t>
-            </a:r>
+              <a:t>Mainly from using own trees </a:t>
+            </a:r>
+          </a:p>
+          <a:p>
+            <a:r>
+              <a:rPr lang="de-AT" dirty="0"/>
+              <a:t>Training </a:t>
+            </a:r>
+            <a:r>
+              <a:rPr lang="de-AT" dirty="0" err="1"/>
+              <a:t>times</a:t>
+            </a:r>
+            <a:r>
+              <a:rPr lang="de-AT" dirty="0"/>
+              <a:t> </a:t>
+            </a:r>
+            <a:r>
+              <a:rPr lang="de-AT" dirty="0" err="1"/>
+              <a:t>for</a:t>
+            </a:r>
+            <a:r>
+              <a:rPr lang="de-AT" dirty="0"/>
+              <a:t> </a:t>
+            </a:r>
+            <a:r>
+              <a:rPr lang="de-AT" dirty="0" err="1"/>
+              <a:t>single</a:t>
+            </a:r>
+            <a:r>
+              <a:rPr lang="de-AT" dirty="0"/>
+              <a:t> </a:t>
+            </a:r>
+            <a:r>
+              <a:rPr lang="de-AT" dirty="0" err="1"/>
+              <a:t>full</a:t>
+            </a:r>
+            <a:r>
+              <a:rPr lang="de-AT" dirty="0"/>
+              <a:t> DT on Colleges </a:t>
+            </a:r>
+            <a:r>
+              <a:rPr lang="de-AT" dirty="0" err="1"/>
+              <a:t>went</a:t>
+            </a:r>
+            <a:r>
+              <a:rPr lang="de-AT" dirty="0"/>
+              <a:t> </a:t>
+            </a:r>
+            <a:r>
+              <a:rPr lang="de-AT" dirty="0" err="1"/>
+              <a:t>from</a:t>
+            </a:r>
+            <a:r>
+              <a:rPr lang="de-AT" dirty="0"/>
+              <a:t> &gt; 400s </a:t>
+            </a:r>
+            <a:r>
+              <a:rPr lang="de-AT" dirty="0" err="1"/>
+              <a:t>to</a:t>
+            </a:r>
+            <a:r>
+              <a:rPr lang="de-AT" dirty="0"/>
+              <a:t> ~25s, </a:t>
+            </a:r>
+            <a:r>
+              <a:rPr lang="de-AT" dirty="0" err="1"/>
+              <a:t>compared</a:t>
+            </a:r>
+            <a:r>
+              <a:rPr lang="de-AT" dirty="0"/>
+              <a:t> </a:t>
+            </a:r>
+            <a:r>
+              <a:rPr lang="de-AT" dirty="0" err="1"/>
+              <a:t>to</a:t>
+            </a:r>
+            <a:r>
+              <a:rPr lang="de-AT" dirty="0"/>
+              <a:t> ~0.02s </a:t>
+            </a:r>
+            <a:r>
+              <a:rPr lang="de-AT" dirty="0" err="1"/>
+              <a:t>for</a:t>
+            </a:r>
+            <a:r>
+              <a:rPr lang="de-AT" dirty="0"/>
+              <a:t> SKL </a:t>
+            </a:r>
+            <a:r>
+              <a:rPr lang="de-AT" dirty="0" err="1"/>
+              <a:t>version</a:t>
+            </a:r>
+            <a:endParaRPr lang="en-US" dirty="0"/>
           </a:p>
           <a:p>
             <a:r>
@@ -9634,7 +9960,7 @@
             <a:pPr lvl="1"/>
             <a:r>
               <a:rPr lang="en-US" dirty="0"/>
-              <a:t>Lacking optimization</a:t>
+              <a:t>Lacking optimization </a:t>
             </a:r>
           </a:p>
           <a:p>
@@ -9642,6 +9968,13 @@
             <a:r>
               <a:rPr lang="en-US" dirty="0"/>
               <a:t>Bugs</a:t>
+            </a:r>
+          </a:p>
+          <a:p>
+            <a:pPr lvl="1"/>
+            <a:r>
+              <a:rPr lang="en-US" dirty="0"/>
+              <a:t>Insufficient parallelization </a:t>
             </a:r>
           </a:p>
         </p:txBody>
@@ -9725,7 +10058,35 @@
           <a:bodyPr/>
           <a:lstStyle/>
           <a:p>
-            <a:endParaRPr lang="de-AT"/>
+            <a:r>
+              <a:rPr lang="en-US"/>
+              <a:t>Decent scores even with relatively few samples for each tree</a:t>
+            </a:r>
+          </a:p>
+          <a:p>
+            <a:r>
+              <a:rPr lang="en-US" dirty="0" err="1"/>
+              <a:t>ChatGTP</a:t>
+            </a:r>
+            <a:r>
+              <a:rPr lang="en-US" dirty="0"/>
+              <a:t> provided a (basic) working implementation from a single prompt</a:t>
+            </a:r>
+          </a:p>
+          <a:p>
+            <a:r>
+              <a:rPr lang="en-US" dirty="0"/>
+              <a:t>Using bootstrapping was necessary so our custom RF would terminate in reasonable time on the larger data set</a:t>
+            </a:r>
+          </a:p>
+          <a:p>
+            <a:pPr marL="0" indent="0">
+              <a:buNone/>
+            </a:pPr>
+            <a:endParaRPr lang="en-US" dirty="0"/>
+          </a:p>
+          <a:p>
+            <a:endParaRPr lang="en-US" dirty="0"/>
           </a:p>
         </p:txBody>
       </p:sp>
@@ -9733,166 +10094,6 @@
     <p:extLst>
       <p:ext uri="{BB962C8B-B14F-4D97-AF65-F5344CB8AC3E}">
         <p14:creationId xmlns:p14="http://schemas.microsoft.com/office/powerpoint/2010/main" val="3637246051"/>
-      </p:ext>
-    </p:extLst>
-  </p:cSld>
-  <p:clrMapOvr>
-    <a:masterClrMapping/>
-  </p:clrMapOvr>
-</p:sld>
-</file>
-
-<file path=ppt/slides/slide18.xml><?xml version="1.0" encoding="utf-8"?>
-<p:sld xmlns:a="http://schemas.openxmlformats.org/drawingml/2006/main" xmlns:r="http://schemas.openxmlformats.org/officeDocument/2006/relationships" xmlns:p="http://schemas.openxmlformats.org/presentationml/2006/main">
-  <p:cSld>
-    <p:spTree>
-      <p:nvGrpSpPr>
-        <p:cNvPr id="1" name=""/>
-        <p:cNvGrpSpPr/>
-        <p:nvPr/>
-      </p:nvGrpSpPr>
-      <p:grpSpPr>
-        <a:xfrm>
-          <a:off x="0" y="0"/>
-          <a:ext cx="0" cy="0"/>
-          <a:chOff x="0" y="0"/>
-          <a:chExt cx="0" cy="0"/>
-        </a:xfrm>
-      </p:grpSpPr>
-      <p:sp>
-        <p:nvSpPr>
-          <p:cNvPr id="2" name="Title 1">
-            <a:extLst>
-              <a:ext uri="{FF2B5EF4-FFF2-40B4-BE49-F238E27FC236}">
-                <a16:creationId xmlns:a16="http://schemas.microsoft.com/office/drawing/2014/main" id="{F2828560-3281-7AA8-FACE-BE9A95FCF4EE}"/>
-              </a:ext>
-            </a:extLst>
-          </p:cNvPr>
-          <p:cNvSpPr>
-            <a:spLocks noGrp="1"/>
-          </p:cNvSpPr>
-          <p:nvPr>
-            <p:ph type="title"/>
-          </p:nvPr>
-        </p:nvSpPr>
-        <p:spPr/>
-        <p:txBody>
-          <a:bodyPr/>
-          <a:lstStyle/>
-          <a:p>
-            <a:endParaRPr lang="de-AT"/>
-          </a:p>
-        </p:txBody>
-      </p:sp>
-      <p:sp>
-        <p:nvSpPr>
-          <p:cNvPr id="3" name="Content Placeholder 2">
-            <a:extLst>
-              <a:ext uri="{FF2B5EF4-FFF2-40B4-BE49-F238E27FC236}">
-                <a16:creationId xmlns:a16="http://schemas.microsoft.com/office/drawing/2014/main" id="{C2C34ABA-A410-7029-1000-0F296A1EC0E5}"/>
-              </a:ext>
-            </a:extLst>
-          </p:cNvPr>
-          <p:cNvSpPr>
-            <a:spLocks noGrp="1"/>
-          </p:cNvSpPr>
-          <p:nvPr>
-            <p:ph idx="1"/>
-          </p:nvPr>
-        </p:nvSpPr>
-        <p:spPr/>
-        <p:txBody>
-          <a:bodyPr/>
-          <a:lstStyle/>
-          <a:p>
-            <a:endParaRPr lang="de-AT"/>
-          </a:p>
-        </p:txBody>
-      </p:sp>
-    </p:spTree>
-    <p:extLst>
-      <p:ext uri="{BB962C8B-B14F-4D97-AF65-F5344CB8AC3E}">
-        <p14:creationId xmlns:p14="http://schemas.microsoft.com/office/powerpoint/2010/main" val="1764173400"/>
-      </p:ext>
-    </p:extLst>
-  </p:cSld>
-  <p:clrMapOvr>
-    <a:masterClrMapping/>
-  </p:clrMapOvr>
-</p:sld>
-</file>
-
-<file path=ppt/slides/slide19.xml><?xml version="1.0" encoding="utf-8"?>
-<p:sld xmlns:a="http://schemas.openxmlformats.org/drawingml/2006/main" xmlns:r="http://schemas.openxmlformats.org/officeDocument/2006/relationships" xmlns:p="http://schemas.openxmlformats.org/presentationml/2006/main">
-  <p:cSld>
-    <p:spTree>
-      <p:nvGrpSpPr>
-        <p:cNvPr id="1" name=""/>
-        <p:cNvGrpSpPr/>
-        <p:nvPr/>
-      </p:nvGrpSpPr>
-      <p:grpSpPr>
-        <a:xfrm>
-          <a:off x="0" y="0"/>
-          <a:ext cx="0" cy="0"/>
-          <a:chOff x="0" y="0"/>
-          <a:chExt cx="0" cy="0"/>
-        </a:xfrm>
-      </p:grpSpPr>
-      <p:sp>
-        <p:nvSpPr>
-          <p:cNvPr id="2" name="Title 1">
-            <a:extLst>
-              <a:ext uri="{FF2B5EF4-FFF2-40B4-BE49-F238E27FC236}">
-                <a16:creationId xmlns:a16="http://schemas.microsoft.com/office/drawing/2014/main" id="{C9BDEEB6-777B-7139-49B8-78BA05B48F84}"/>
-              </a:ext>
-            </a:extLst>
-          </p:cNvPr>
-          <p:cNvSpPr>
-            <a:spLocks noGrp="1"/>
-          </p:cNvSpPr>
-          <p:nvPr>
-            <p:ph type="title"/>
-          </p:nvPr>
-        </p:nvSpPr>
-        <p:spPr/>
-        <p:txBody>
-          <a:bodyPr/>
-          <a:lstStyle/>
-          <a:p>
-            <a:endParaRPr lang="de-AT"/>
-          </a:p>
-        </p:txBody>
-      </p:sp>
-      <p:sp>
-        <p:nvSpPr>
-          <p:cNvPr id="3" name="Content Placeholder 2">
-            <a:extLst>
-              <a:ext uri="{FF2B5EF4-FFF2-40B4-BE49-F238E27FC236}">
-                <a16:creationId xmlns:a16="http://schemas.microsoft.com/office/drawing/2014/main" id="{3244DD77-BA9C-4A0C-D04C-7099FEF90762}"/>
-              </a:ext>
-            </a:extLst>
-          </p:cNvPr>
-          <p:cNvSpPr>
-            <a:spLocks noGrp="1"/>
-          </p:cNvSpPr>
-          <p:nvPr>
-            <p:ph idx="1"/>
-          </p:nvPr>
-        </p:nvSpPr>
-        <p:spPr/>
-        <p:txBody>
-          <a:bodyPr/>
-          <a:lstStyle/>
-          <a:p>
-            <a:endParaRPr lang="de-AT"/>
-          </a:p>
-        </p:txBody>
-      </p:sp>
-    </p:spTree>
-    <p:extLst>
-      <p:ext uri="{BB962C8B-B14F-4D97-AF65-F5344CB8AC3E}">
-        <p14:creationId xmlns:p14="http://schemas.microsoft.com/office/powerpoint/2010/main" val="1936087243"/>
       </p:ext>
     </p:extLst>
   </p:cSld>
@@ -10027,246 +10228,6 @@
     <p:extLst>
       <p:ext uri="{BB962C8B-B14F-4D97-AF65-F5344CB8AC3E}">
         <p14:creationId xmlns:p14="http://schemas.microsoft.com/office/powerpoint/2010/main" val="3647451211"/>
-      </p:ext>
-    </p:extLst>
-  </p:cSld>
-  <p:clrMapOvr>
-    <a:masterClrMapping/>
-  </p:clrMapOvr>
-</p:sld>
-</file>
-
-<file path=ppt/slides/slide20.xml><?xml version="1.0" encoding="utf-8"?>
-<p:sld xmlns:a="http://schemas.openxmlformats.org/drawingml/2006/main" xmlns:r="http://schemas.openxmlformats.org/officeDocument/2006/relationships" xmlns:p="http://schemas.openxmlformats.org/presentationml/2006/main">
-  <p:cSld>
-    <p:spTree>
-      <p:nvGrpSpPr>
-        <p:cNvPr id="1" name=""/>
-        <p:cNvGrpSpPr/>
-        <p:nvPr/>
-      </p:nvGrpSpPr>
-      <p:grpSpPr>
-        <a:xfrm>
-          <a:off x="0" y="0"/>
-          <a:ext cx="0" cy="0"/>
-          <a:chOff x="0" y="0"/>
-          <a:chExt cx="0" cy="0"/>
-        </a:xfrm>
-      </p:grpSpPr>
-      <p:sp>
-        <p:nvSpPr>
-          <p:cNvPr id="2" name="Title 1">
-            <a:extLst>
-              <a:ext uri="{FF2B5EF4-FFF2-40B4-BE49-F238E27FC236}">
-                <a16:creationId xmlns:a16="http://schemas.microsoft.com/office/drawing/2014/main" id="{B8031770-91DB-E235-9154-D52999D90641}"/>
-              </a:ext>
-            </a:extLst>
-          </p:cNvPr>
-          <p:cNvSpPr>
-            <a:spLocks noGrp="1"/>
-          </p:cNvSpPr>
-          <p:nvPr>
-            <p:ph type="title"/>
-          </p:nvPr>
-        </p:nvSpPr>
-        <p:spPr/>
-        <p:txBody>
-          <a:bodyPr/>
-          <a:lstStyle/>
-          <a:p>
-            <a:endParaRPr lang="de-AT"/>
-          </a:p>
-        </p:txBody>
-      </p:sp>
-      <p:sp>
-        <p:nvSpPr>
-          <p:cNvPr id="3" name="Content Placeholder 2">
-            <a:extLst>
-              <a:ext uri="{FF2B5EF4-FFF2-40B4-BE49-F238E27FC236}">
-                <a16:creationId xmlns:a16="http://schemas.microsoft.com/office/drawing/2014/main" id="{77AC39F9-30E5-45C4-7885-2A40A50E6108}"/>
-              </a:ext>
-            </a:extLst>
-          </p:cNvPr>
-          <p:cNvSpPr>
-            <a:spLocks noGrp="1"/>
-          </p:cNvSpPr>
-          <p:nvPr>
-            <p:ph idx="1"/>
-          </p:nvPr>
-        </p:nvSpPr>
-        <p:spPr/>
-        <p:txBody>
-          <a:bodyPr/>
-          <a:lstStyle/>
-          <a:p>
-            <a:endParaRPr lang="de-AT"/>
-          </a:p>
-        </p:txBody>
-      </p:sp>
-    </p:spTree>
-    <p:extLst>
-      <p:ext uri="{BB962C8B-B14F-4D97-AF65-F5344CB8AC3E}">
-        <p14:creationId xmlns:p14="http://schemas.microsoft.com/office/powerpoint/2010/main" val="868701430"/>
-      </p:ext>
-    </p:extLst>
-  </p:cSld>
-  <p:clrMapOvr>
-    <a:masterClrMapping/>
-  </p:clrMapOvr>
-</p:sld>
-</file>
-
-<file path=ppt/slides/slide21.xml><?xml version="1.0" encoding="utf-8"?>
-<p:sld xmlns:a="http://schemas.openxmlformats.org/drawingml/2006/main" xmlns:r="http://schemas.openxmlformats.org/officeDocument/2006/relationships" xmlns:p="http://schemas.openxmlformats.org/presentationml/2006/main">
-  <p:cSld>
-    <p:spTree>
-      <p:nvGrpSpPr>
-        <p:cNvPr id="1" name=""/>
-        <p:cNvGrpSpPr/>
-        <p:nvPr/>
-      </p:nvGrpSpPr>
-      <p:grpSpPr>
-        <a:xfrm>
-          <a:off x="0" y="0"/>
-          <a:ext cx="0" cy="0"/>
-          <a:chOff x="0" y="0"/>
-          <a:chExt cx="0" cy="0"/>
-        </a:xfrm>
-      </p:grpSpPr>
-      <p:sp>
-        <p:nvSpPr>
-          <p:cNvPr id="2" name="Title 1">
-            <a:extLst>
-              <a:ext uri="{FF2B5EF4-FFF2-40B4-BE49-F238E27FC236}">
-                <a16:creationId xmlns:a16="http://schemas.microsoft.com/office/drawing/2014/main" id="{9C3C3A8D-1E82-EA30-3D13-AFF5A3349BE0}"/>
-              </a:ext>
-            </a:extLst>
-          </p:cNvPr>
-          <p:cNvSpPr>
-            <a:spLocks noGrp="1"/>
-          </p:cNvSpPr>
-          <p:nvPr>
-            <p:ph type="title"/>
-          </p:nvPr>
-        </p:nvSpPr>
-        <p:spPr/>
-        <p:txBody>
-          <a:bodyPr/>
-          <a:lstStyle/>
-          <a:p>
-            <a:endParaRPr lang="de-AT"/>
-          </a:p>
-        </p:txBody>
-      </p:sp>
-      <p:sp>
-        <p:nvSpPr>
-          <p:cNvPr id="3" name="Content Placeholder 2">
-            <a:extLst>
-              <a:ext uri="{FF2B5EF4-FFF2-40B4-BE49-F238E27FC236}">
-                <a16:creationId xmlns:a16="http://schemas.microsoft.com/office/drawing/2014/main" id="{B0FC1963-7441-5AFB-0B26-C4C1AB405478}"/>
-              </a:ext>
-            </a:extLst>
-          </p:cNvPr>
-          <p:cNvSpPr>
-            <a:spLocks noGrp="1"/>
-          </p:cNvSpPr>
-          <p:nvPr>
-            <p:ph idx="1"/>
-          </p:nvPr>
-        </p:nvSpPr>
-        <p:spPr/>
-        <p:txBody>
-          <a:bodyPr/>
-          <a:lstStyle/>
-          <a:p>
-            <a:endParaRPr lang="de-AT"/>
-          </a:p>
-        </p:txBody>
-      </p:sp>
-    </p:spTree>
-    <p:extLst>
-      <p:ext uri="{BB962C8B-B14F-4D97-AF65-F5344CB8AC3E}">
-        <p14:creationId xmlns:p14="http://schemas.microsoft.com/office/powerpoint/2010/main" val="2731784210"/>
-      </p:ext>
-    </p:extLst>
-  </p:cSld>
-  <p:clrMapOvr>
-    <a:masterClrMapping/>
-  </p:clrMapOvr>
-</p:sld>
-</file>
-
-<file path=ppt/slides/slide22.xml><?xml version="1.0" encoding="utf-8"?>
-<p:sld xmlns:a="http://schemas.openxmlformats.org/drawingml/2006/main" xmlns:r="http://schemas.openxmlformats.org/officeDocument/2006/relationships" xmlns:p="http://schemas.openxmlformats.org/presentationml/2006/main">
-  <p:cSld>
-    <p:spTree>
-      <p:nvGrpSpPr>
-        <p:cNvPr id="1" name=""/>
-        <p:cNvGrpSpPr/>
-        <p:nvPr/>
-      </p:nvGrpSpPr>
-      <p:grpSpPr>
-        <a:xfrm>
-          <a:off x="0" y="0"/>
-          <a:ext cx="0" cy="0"/>
-          <a:chOff x="0" y="0"/>
-          <a:chExt cx="0" cy="0"/>
-        </a:xfrm>
-      </p:grpSpPr>
-      <p:sp>
-        <p:nvSpPr>
-          <p:cNvPr id="2" name="Title 1">
-            <a:extLst>
-              <a:ext uri="{FF2B5EF4-FFF2-40B4-BE49-F238E27FC236}">
-                <a16:creationId xmlns:a16="http://schemas.microsoft.com/office/drawing/2014/main" id="{818E5137-9F21-7374-8AF7-83B95450444B}"/>
-              </a:ext>
-            </a:extLst>
-          </p:cNvPr>
-          <p:cNvSpPr>
-            <a:spLocks noGrp="1"/>
-          </p:cNvSpPr>
-          <p:nvPr>
-            <p:ph type="title"/>
-          </p:nvPr>
-        </p:nvSpPr>
-        <p:spPr/>
-        <p:txBody>
-          <a:bodyPr/>
-          <a:lstStyle/>
-          <a:p>
-            <a:endParaRPr lang="de-AT"/>
-          </a:p>
-        </p:txBody>
-      </p:sp>
-      <p:sp>
-        <p:nvSpPr>
-          <p:cNvPr id="3" name="Content Placeholder 2">
-            <a:extLst>
-              <a:ext uri="{FF2B5EF4-FFF2-40B4-BE49-F238E27FC236}">
-                <a16:creationId xmlns:a16="http://schemas.microsoft.com/office/drawing/2014/main" id="{504F3F50-B242-B55C-903B-0FE55DB38A00}"/>
-              </a:ext>
-            </a:extLst>
-          </p:cNvPr>
-          <p:cNvSpPr>
-            <a:spLocks noGrp="1"/>
-          </p:cNvSpPr>
-          <p:nvPr>
-            <p:ph idx="1"/>
-          </p:nvPr>
-        </p:nvSpPr>
-        <p:spPr/>
-        <p:txBody>
-          <a:bodyPr/>
-          <a:lstStyle/>
-          <a:p>
-            <a:endParaRPr lang="de-AT"/>
-          </a:p>
-        </p:txBody>
-      </p:sp>
-    </p:spTree>
-    <p:extLst>
-      <p:ext uri="{BB962C8B-B14F-4D97-AF65-F5344CB8AC3E}">
-        <p14:creationId xmlns:p14="http://schemas.microsoft.com/office/powerpoint/2010/main" val="2077306566"/>
       </p:ext>
     </p:extLst>
   </p:cSld>
@@ -10658,8 +10619,20 @@
           <a:lstStyle/>
           <a:p>
             <a:r>
-              <a:rPr lang="en-US"/>
+              <a:rPr lang="en-US" dirty="0"/>
               <a:t>A variant of the simple decision tree model for regression tasks</a:t>
+            </a:r>
+          </a:p>
+          <a:p>
+            <a:r>
+              <a:rPr lang="en-US" dirty="0"/>
+              <a:t>White Box</a:t>
+            </a:r>
+          </a:p>
+          <a:p>
+            <a:r>
+              <a:rPr lang="en-US" dirty="0"/>
+              <a:t>Prone to overfitting - (Pre-)Pruning can help</a:t>
             </a:r>
           </a:p>
         </p:txBody>
@@ -10745,13 +10718,13 @@
           <a:lstStyle/>
           <a:p>
             <a:r>
-              <a:rPr lang="en-US"/>
+              <a:rPr lang="en-US" dirty="0"/>
               <a:t>Uses multiple decision trees trained on random subsets of the whole data set</a:t>
             </a:r>
           </a:p>
           <a:p>
             <a:r>
-              <a:rPr lang="en-US"/>
+              <a:rPr lang="en-US" dirty="0"/>
               <a:t>Counters inherent instability of decision trees</a:t>
             </a:r>
           </a:p>

--- a/ex2/Exercise_2_ppt.pptx
+++ b/ex2/Exercise_2_ppt.pptx
@@ -21,7 +21,6 @@
     <p:sldId id="274" r:id="rId15"/>
     <p:sldId id="273" r:id="rId16"/>
     <p:sldId id="272" r:id="rId17"/>
-    <p:sldId id="265" r:id="rId18"/>
   </p:sldIdLst>
   <p:sldSz cx="12192000" cy="6858000"/>
   <p:notesSz cx="6858000" cy="9144000"/>
@@ -134,160 +133,6 @@
     <p1510:client id="{C41F04A2-1B58-4C51-987F-CBD3CF99D29E}" v="42" dt="2024-12-15T20:46:30.712"/>
   </p1510:revLst>
 </p1510:revInfo>
-</file>
-
-<file path=ppt/changesInfos/changesInfo1.xml><?xml version="1.0" encoding="utf-8"?>
-<pc:chgInfo xmlns:a="http://schemas.openxmlformats.org/drawingml/2006/main" xmlns:r="http://schemas.openxmlformats.org/officeDocument/2006/relationships" xmlns:ac="http://schemas.microsoft.com/office/drawing/2013/main/command" xmlns:pc="http://schemas.microsoft.com/office/powerpoint/2013/main/command">
-  <pc:docChgLst>
-    <pc:chgData name="Haubenburger, Gabriel" userId="d79be2aa-0303-4748-b5e6-c8202455e92e" providerId="ADAL" clId="{C41F04A2-1B58-4C51-987F-CBD3CF99D29E}"/>
-    <pc:docChg chg="custSel delSld modSld">
-      <pc:chgData name="Haubenburger, Gabriel" userId="d79be2aa-0303-4748-b5e6-c8202455e92e" providerId="ADAL" clId="{C41F04A2-1B58-4C51-987F-CBD3CF99D29E}" dt="2024-12-16T07:02:16.079" v="391" actId="790"/>
-      <pc:docMkLst>
-        <pc:docMk/>
-      </pc:docMkLst>
-      <pc:sldChg chg="modSp mod">
-        <pc:chgData name="Haubenburger, Gabriel" userId="d79be2aa-0303-4748-b5e6-c8202455e92e" providerId="ADAL" clId="{C41F04A2-1B58-4C51-987F-CBD3CF99D29E}" dt="2024-12-16T06:50:34.855" v="0"/>
-        <pc:sldMkLst>
-          <pc:docMk/>
-          <pc:sldMk cId="225849889" sldId="258"/>
-        </pc:sldMkLst>
-        <pc:spChg chg="mod">
-          <ac:chgData name="Haubenburger, Gabriel" userId="d79be2aa-0303-4748-b5e6-c8202455e92e" providerId="ADAL" clId="{C41F04A2-1B58-4C51-987F-CBD3CF99D29E}" dt="2024-12-16T06:50:34.855" v="0"/>
-          <ac:spMkLst>
-            <pc:docMk/>
-            <pc:sldMk cId="225849889" sldId="258"/>
-            <ac:spMk id="3" creationId="{BB3969EE-A50A-F4A8-56A6-D2F56033ADBA}"/>
-          </ac:spMkLst>
-        </pc:spChg>
-      </pc:sldChg>
-      <pc:sldChg chg="modSp mod">
-        <pc:chgData name="Haubenburger, Gabriel" userId="d79be2aa-0303-4748-b5e6-c8202455e92e" providerId="ADAL" clId="{C41F04A2-1B58-4C51-987F-CBD3CF99D29E}" dt="2024-12-16T06:50:48.302" v="1"/>
-        <pc:sldMkLst>
-          <pc:docMk/>
-          <pc:sldMk cId="4244075057" sldId="259"/>
-        </pc:sldMkLst>
-        <pc:spChg chg="mod">
-          <ac:chgData name="Haubenburger, Gabriel" userId="d79be2aa-0303-4748-b5e6-c8202455e92e" providerId="ADAL" clId="{C41F04A2-1B58-4C51-987F-CBD3CF99D29E}" dt="2024-12-16T06:50:48.302" v="1"/>
-          <ac:spMkLst>
-            <pc:docMk/>
-            <pc:sldMk cId="4244075057" sldId="259"/>
-            <ac:spMk id="3" creationId="{BC38231A-ECB4-0153-0411-F74632AD3135}"/>
-          </ac:spMkLst>
-        </pc:spChg>
-      </pc:sldChg>
-      <pc:sldChg chg="modSp mod">
-        <pc:chgData name="Haubenburger, Gabriel" userId="d79be2aa-0303-4748-b5e6-c8202455e92e" providerId="ADAL" clId="{C41F04A2-1B58-4C51-987F-CBD3CF99D29E}" dt="2024-12-16T06:57:35.668" v="180" actId="20577"/>
-        <pc:sldMkLst>
-          <pc:docMk/>
-          <pc:sldMk cId="271810423" sldId="263"/>
-        </pc:sldMkLst>
-        <pc:spChg chg="mod">
-          <ac:chgData name="Haubenburger, Gabriel" userId="d79be2aa-0303-4748-b5e6-c8202455e92e" providerId="ADAL" clId="{C41F04A2-1B58-4C51-987F-CBD3CF99D29E}" dt="2024-12-16T06:57:35.668" v="180" actId="20577"/>
-          <ac:spMkLst>
-            <pc:docMk/>
-            <pc:sldMk cId="271810423" sldId="263"/>
-            <ac:spMk id="3" creationId="{0358DEBD-0580-CCFC-97FB-D946EFFD3344}"/>
-          </ac:spMkLst>
-        </pc:spChg>
-      </pc:sldChg>
-      <pc:sldChg chg="modSp mod">
-        <pc:chgData name="Haubenburger, Gabriel" userId="d79be2aa-0303-4748-b5e6-c8202455e92e" providerId="ADAL" clId="{C41F04A2-1B58-4C51-987F-CBD3CF99D29E}" dt="2024-12-16T07:02:16.079" v="391" actId="790"/>
-        <pc:sldMkLst>
-          <pc:docMk/>
-          <pc:sldMk cId="3637246051" sldId="265"/>
-        </pc:sldMkLst>
-        <pc:spChg chg="mod">
-          <ac:chgData name="Haubenburger, Gabriel" userId="d79be2aa-0303-4748-b5e6-c8202455e92e" providerId="ADAL" clId="{C41F04A2-1B58-4C51-987F-CBD3CF99D29E}" dt="2024-12-16T07:02:16.079" v="391" actId="790"/>
-          <ac:spMkLst>
-            <pc:docMk/>
-            <pc:sldMk cId="3637246051" sldId="265"/>
-            <ac:spMk id="3" creationId="{84CFF438-856F-957D-7156-C2F5B4AFDC20}"/>
-          </ac:spMkLst>
-        </pc:spChg>
-      </pc:sldChg>
-      <pc:sldChg chg="del">
-        <pc:chgData name="Haubenburger, Gabriel" userId="d79be2aa-0303-4748-b5e6-c8202455e92e" providerId="ADAL" clId="{C41F04A2-1B58-4C51-987F-CBD3CF99D29E}" dt="2024-12-16T06:54:05.830" v="16" actId="47"/>
-        <pc:sldMkLst>
-          <pc:docMk/>
-          <pc:sldMk cId="1764173400" sldId="266"/>
-        </pc:sldMkLst>
-      </pc:sldChg>
-      <pc:sldChg chg="del">
-        <pc:chgData name="Haubenburger, Gabriel" userId="d79be2aa-0303-4748-b5e6-c8202455e92e" providerId="ADAL" clId="{C41F04A2-1B58-4C51-987F-CBD3CF99D29E}" dt="2024-12-16T06:54:06.602" v="17" actId="47"/>
-        <pc:sldMkLst>
-          <pc:docMk/>
-          <pc:sldMk cId="1936087243" sldId="267"/>
-        </pc:sldMkLst>
-      </pc:sldChg>
-      <pc:sldChg chg="del">
-        <pc:chgData name="Haubenburger, Gabriel" userId="d79be2aa-0303-4748-b5e6-c8202455e92e" providerId="ADAL" clId="{C41F04A2-1B58-4C51-987F-CBD3CF99D29E}" dt="2024-12-16T06:54:07.225" v="18" actId="47"/>
-        <pc:sldMkLst>
-          <pc:docMk/>
-          <pc:sldMk cId="868701430" sldId="268"/>
-        </pc:sldMkLst>
-      </pc:sldChg>
-      <pc:sldChg chg="del">
-        <pc:chgData name="Haubenburger, Gabriel" userId="d79be2aa-0303-4748-b5e6-c8202455e92e" providerId="ADAL" clId="{C41F04A2-1B58-4C51-987F-CBD3CF99D29E}" dt="2024-12-16T06:54:07.913" v="19" actId="47"/>
-        <pc:sldMkLst>
-          <pc:docMk/>
-          <pc:sldMk cId="2731784210" sldId="269"/>
-        </pc:sldMkLst>
-      </pc:sldChg>
-      <pc:sldChg chg="del">
-        <pc:chgData name="Haubenburger, Gabriel" userId="d79be2aa-0303-4748-b5e6-c8202455e92e" providerId="ADAL" clId="{C41F04A2-1B58-4C51-987F-CBD3CF99D29E}" dt="2024-12-16T06:54:08.827" v="20" actId="47"/>
-        <pc:sldMkLst>
-          <pc:docMk/>
-          <pc:sldMk cId="2077306566" sldId="270"/>
-        </pc:sldMkLst>
-      </pc:sldChg>
-      <pc:sldChg chg="modSp mod">
-        <pc:chgData name="Haubenburger, Gabriel" userId="d79be2aa-0303-4748-b5e6-c8202455e92e" providerId="ADAL" clId="{C41F04A2-1B58-4C51-987F-CBD3CF99D29E}" dt="2024-12-16T06:53:52.327" v="14"/>
-        <pc:sldMkLst>
-          <pc:docMk/>
-          <pc:sldMk cId="4222534279" sldId="272"/>
-        </pc:sldMkLst>
-        <pc:spChg chg="mod">
-          <ac:chgData name="Haubenburger, Gabriel" userId="d79be2aa-0303-4748-b5e6-c8202455e92e" providerId="ADAL" clId="{C41F04A2-1B58-4C51-987F-CBD3CF99D29E}" dt="2024-12-16T06:53:52.327" v="14"/>
-          <ac:spMkLst>
-            <pc:docMk/>
-            <pc:sldMk cId="4222534279" sldId="272"/>
-            <ac:spMk id="3" creationId="{C2C34ABA-A410-7029-1000-0F296A1EC0E5}"/>
-          </ac:spMkLst>
-        </pc:spChg>
-      </pc:sldChg>
-      <pc:sldChg chg="modSp mod">
-        <pc:chgData name="Haubenburger, Gabriel" userId="d79be2aa-0303-4748-b5e6-c8202455e92e" providerId="ADAL" clId="{C41F04A2-1B58-4C51-987F-CBD3CF99D29E}" dt="2024-12-16T06:53:35.204" v="13" actId="20577"/>
-        <pc:sldMkLst>
-          <pc:docMk/>
-          <pc:sldMk cId="1301165960" sldId="273"/>
-        </pc:sldMkLst>
-        <pc:spChg chg="mod">
-          <ac:chgData name="Haubenburger, Gabriel" userId="d79be2aa-0303-4748-b5e6-c8202455e92e" providerId="ADAL" clId="{C41F04A2-1B58-4C51-987F-CBD3CF99D29E}" dt="2024-12-16T06:53:35.204" v="13" actId="20577"/>
-          <ac:spMkLst>
-            <pc:docMk/>
-            <pc:sldMk cId="1301165960" sldId="273"/>
-            <ac:spMk id="3" creationId="{E891079C-1F56-4C81-8E96-3272DC335B4F}"/>
-          </ac:spMkLst>
-        </pc:spChg>
-      </pc:sldChg>
-      <pc:sldChg chg="modSp mod">
-        <pc:chgData name="Haubenburger, Gabriel" userId="d79be2aa-0303-4748-b5e6-c8202455e92e" providerId="ADAL" clId="{C41F04A2-1B58-4C51-987F-CBD3CF99D29E}" dt="2024-12-16T06:52:41.845" v="7" actId="313"/>
-        <pc:sldMkLst>
-          <pc:docMk/>
-          <pc:sldMk cId="34964441" sldId="274"/>
-        </pc:sldMkLst>
-        <pc:spChg chg="mod">
-          <ac:chgData name="Haubenburger, Gabriel" userId="d79be2aa-0303-4748-b5e6-c8202455e92e" providerId="ADAL" clId="{C41F04A2-1B58-4C51-987F-CBD3CF99D29E}" dt="2024-12-16T06:52:41.845" v="7" actId="313"/>
-          <ac:spMkLst>
-            <pc:docMk/>
-            <pc:sldMk cId="34964441" sldId="274"/>
-            <ac:spMk id="3" creationId="{0358DEBD-0580-CCFC-97FB-D946EFFD3344}"/>
-          </ac:spMkLst>
-        </pc:spChg>
-      </pc:sldChg>
-    </pc:docChg>
-  </pc:docChgLst>
-</pc:chgInfo>
 </file>
 
 <file path=ppt/slideLayouts/slideLayout1.xml><?xml version="1.0" encoding="utf-8"?>
@@ -8098,12 +7943,26 @@
         </p:nvSpPr>
         <p:spPr/>
         <p:txBody>
-          <a:bodyPr/>
+          <a:bodyPr>
+            <a:normAutofit fontScale="92500" lnSpcReduction="20000"/>
+          </a:bodyPr>
           <a:lstStyle/>
           <a:p>
             <a:r>
+              <a:rPr lang="de-AT" dirty="0"/>
+              <a:t>Much </a:t>
+            </a:r>
+            <a:r>
               <a:rPr lang="de-AT" dirty="0" err="1"/>
-              <a:t>Far</a:t>
+              <a:t>shorter</a:t>
+            </a:r>
+            <a:r>
+              <a:rPr lang="de-AT" dirty="0"/>
+              <a:t> code (</a:t>
+            </a:r>
+            <a:r>
+              <a:rPr lang="de-AT" dirty="0" err="1"/>
+              <a:t>less</a:t>
             </a:r>
             <a:r>
               <a:rPr lang="de-AT" dirty="0"/>
@@ -8111,15 +7970,17 @@
             </a:r>
             <a:r>
               <a:rPr lang="de-AT" dirty="0" err="1"/>
-              <a:t>shorter</a:t>
+              <a:t>parameters</a:t>
             </a:r>
             <a:r>
               <a:rPr lang="de-AT" dirty="0"/>
-              <a:t> code (</a:t>
-            </a:r>
+              <a:t>)</a:t>
+            </a:r>
+          </a:p>
+          <a:p>
             <a:r>
               <a:rPr lang="de-AT" dirty="0" err="1"/>
-              <a:t>less</a:t>
+              <a:t>Seems</a:t>
             </a:r>
             <a:r>
               <a:rPr lang="de-AT" dirty="0"/>
@@ -8127,7 +7988,261 @@
             </a:r>
             <a:r>
               <a:rPr lang="de-AT" dirty="0" err="1"/>
-              <a:t>parameters</a:t>
+              <a:t>to</a:t>
+            </a:r>
+            <a:r>
+              <a:rPr lang="de-AT" dirty="0"/>
+              <a:t> also </a:t>
+            </a:r>
+            <a:r>
+              <a:rPr lang="de-AT" dirty="0" err="1"/>
+              <a:t>work</a:t>
+            </a:r>
+            <a:r>
+              <a:rPr lang="de-AT" dirty="0"/>
+              <a:t> on </a:t>
+            </a:r>
+            <a:r>
+              <a:rPr lang="de-AT" dirty="0" err="1"/>
+              <a:t>the</a:t>
+            </a:r>
+            <a:r>
+              <a:rPr lang="de-AT" dirty="0"/>
+              <a:t> </a:t>
+            </a:r>
+            <a:r>
+              <a:rPr lang="de-AT" dirty="0" err="1"/>
+              <a:t>preprocessed</a:t>
+            </a:r>
+            <a:r>
+              <a:rPr lang="de-AT" dirty="0"/>
+              <a:t> </a:t>
+            </a:r>
+            <a:r>
+              <a:rPr lang="de-AT" dirty="0" err="1"/>
+              <a:t>data</a:t>
+            </a:r>
+            <a:r>
+              <a:rPr lang="de-AT" dirty="0"/>
+              <a:t> </a:t>
+            </a:r>
+            <a:r>
+              <a:rPr lang="de-AT" dirty="0" err="1"/>
+              <a:t>sets</a:t>
+            </a:r>
+            <a:endParaRPr lang="de-AT" dirty="0"/>
+          </a:p>
+          <a:p>
+            <a:endParaRPr lang="de-AT" dirty="0"/>
+          </a:p>
+          <a:p>
+            <a:r>
+              <a:rPr lang="de-AT" dirty="0"/>
+              <a:t>LLM:</a:t>
+            </a:r>
+            <a:endParaRPr lang="de-AT" dirty="0">
+              <a:sym typeface="Wingdings" panose="05000000000000000000" pitchFamily="2" charset="2"/>
+            </a:endParaRPr>
+          </a:p>
+          <a:p>
+            <a:pPr lvl="1"/>
+            <a:r>
+              <a:rPr lang="de-AT" dirty="0" err="1"/>
+              <a:t>Uses</a:t>
+            </a:r>
+            <a:r>
+              <a:rPr lang="de-AT" dirty="0"/>
+              <a:t> </a:t>
+            </a:r>
+            <a:r>
+              <a:rPr lang="de-AT" dirty="0" err="1"/>
+              <a:t>pre-implemented</a:t>
+            </a:r>
+            <a:r>
+              <a:rPr lang="de-AT" dirty="0"/>
+              <a:t> </a:t>
+            </a:r>
+            <a:r>
+              <a:rPr lang="de-AT" dirty="0" err="1"/>
+              <a:t>class</a:t>
+            </a:r>
+            <a:r>
+              <a:rPr lang="de-AT" dirty="0">
+                <a:sym typeface="Wingdings" panose="05000000000000000000" pitchFamily="2" charset="2"/>
+              </a:rPr>
+              <a:t>  -- &gt; </a:t>
+            </a:r>
+            <a:r>
+              <a:rPr lang="de-AT" dirty="0" err="1">
+                <a:sym typeface="Wingdings" panose="05000000000000000000" pitchFamily="2" charset="2"/>
+              </a:rPr>
+              <a:t>Less</a:t>
+            </a:r>
+            <a:r>
+              <a:rPr lang="de-AT" dirty="0">
+                <a:sym typeface="Wingdings" panose="05000000000000000000" pitchFamily="2" charset="2"/>
+              </a:rPr>
+              <a:t> </a:t>
+            </a:r>
+            <a:r>
+              <a:rPr lang="de-AT" dirty="0" err="1">
+                <a:sym typeface="Wingdings" panose="05000000000000000000" pitchFamily="2" charset="2"/>
+              </a:rPr>
+              <a:t>complex</a:t>
+            </a:r>
+            <a:r>
+              <a:rPr lang="de-AT" dirty="0">
+                <a:sym typeface="Wingdings" panose="05000000000000000000" pitchFamily="2" charset="2"/>
+              </a:rPr>
+              <a:t> and </a:t>
+            </a:r>
+            <a:r>
+              <a:rPr lang="de-AT" dirty="0" err="1">
+                <a:sym typeface="Wingdings" panose="05000000000000000000" pitchFamily="2" charset="2"/>
+              </a:rPr>
+              <a:t>less</a:t>
+            </a:r>
+            <a:r>
+              <a:rPr lang="de-AT" dirty="0">
+                <a:sym typeface="Wingdings" panose="05000000000000000000" pitchFamily="2" charset="2"/>
+              </a:rPr>
+              <a:t> </a:t>
+            </a:r>
+            <a:r>
+              <a:rPr lang="de-AT" dirty="0" err="1">
+                <a:sym typeface="Wingdings" panose="05000000000000000000" pitchFamily="2" charset="2"/>
+              </a:rPr>
+              <a:t>coding</a:t>
+            </a:r>
+            <a:r>
+              <a:rPr lang="de-AT" dirty="0">
+                <a:sym typeface="Wingdings" panose="05000000000000000000" pitchFamily="2" charset="2"/>
+              </a:rPr>
+              <a:t> </a:t>
+            </a:r>
+            <a:r>
+              <a:rPr lang="de-AT" dirty="0" err="1">
+                <a:sym typeface="Wingdings" panose="05000000000000000000" pitchFamily="2" charset="2"/>
+              </a:rPr>
+              <a:t>effort</a:t>
+            </a:r>
+            <a:endParaRPr lang="de-AT" dirty="0">
+              <a:sym typeface="Wingdings" panose="05000000000000000000" pitchFamily="2" charset="2"/>
+            </a:endParaRPr>
+          </a:p>
+          <a:p>
+            <a:pPr lvl="1"/>
+            <a:r>
+              <a:rPr lang="de-AT" dirty="0" err="1"/>
+              <a:t>Less</a:t>
+            </a:r>
+            <a:r>
+              <a:rPr lang="de-AT" dirty="0"/>
+              <a:t> </a:t>
+            </a:r>
+            <a:r>
+              <a:rPr lang="de-AT" dirty="0" err="1"/>
+              <a:t>focus</a:t>
+            </a:r>
+            <a:r>
+              <a:rPr lang="de-AT" dirty="0"/>
+              <a:t> on </a:t>
+            </a:r>
+            <a:r>
+              <a:rPr lang="de-AT" dirty="0" err="1"/>
+              <a:t>details</a:t>
+            </a:r>
+            <a:r>
+              <a:rPr lang="de-AT" dirty="0"/>
+              <a:t> in </a:t>
+            </a:r>
+            <a:r>
+              <a:rPr lang="de-AT" dirty="0" err="1"/>
+              <a:t>splitting</a:t>
+            </a:r>
+            <a:r>
+              <a:rPr lang="de-AT" dirty="0"/>
+              <a:t> </a:t>
+            </a:r>
+            <a:r>
+              <a:rPr lang="de-AT" dirty="0" err="1"/>
+              <a:t>criteria</a:t>
+            </a:r>
+            <a:endParaRPr lang="de-AT" dirty="0"/>
+          </a:p>
+          <a:p>
+            <a:pPr lvl="1"/>
+            <a:r>
+              <a:rPr lang="de-AT" dirty="0"/>
+              <a:t>Benefits </a:t>
+            </a:r>
+            <a:r>
+              <a:rPr lang="de-AT" dirty="0" err="1"/>
+              <a:t>from</a:t>
+            </a:r>
+            <a:r>
+              <a:rPr lang="de-AT" dirty="0"/>
+              <a:t> </a:t>
+            </a:r>
+            <a:r>
+              <a:rPr lang="de-AT" dirty="0" err="1"/>
+              <a:t>optimizations</a:t>
+            </a:r>
+            <a:r>
+              <a:rPr lang="de-AT" dirty="0"/>
+              <a:t> in </a:t>
+            </a:r>
+            <a:r>
+              <a:rPr lang="de-AT" dirty="0" err="1"/>
+              <a:t>libraries</a:t>
+            </a:r>
+            <a:r>
+              <a:rPr lang="de-AT" dirty="0"/>
+              <a:t> (like </a:t>
+            </a:r>
+            <a:r>
+              <a:rPr lang="de-AT" dirty="0" err="1"/>
+              <a:t>sklearn</a:t>
+            </a:r>
+            <a:r>
+              <a:rPr lang="de-AT" dirty="0"/>
+              <a:t> – </a:t>
+            </a:r>
+            <a:r>
+              <a:rPr lang="de-AT" dirty="0" err="1"/>
+              <a:t>uses</a:t>
+            </a:r>
+            <a:r>
+              <a:rPr lang="de-AT" dirty="0"/>
+              <a:t> </a:t>
+            </a:r>
+            <a:r>
+              <a:rPr lang="de-AT" dirty="0" err="1"/>
+              <a:t>highly</a:t>
+            </a:r>
+            <a:r>
+              <a:rPr lang="de-AT" dirty="0"/>
+              <a:t> </a:t>
+            </a:r>
+            <a:r>
+              <a:rPr lang="de-AT" dirty="0" err="1"/>
+              <a:t>efficient</a:t>
+            </a:r>
+            <a:r>
+              <a:rPr lang="de-AT" dirty="0"/>
+              <a:t> </a:t>
+            </a:r>
+            <a:r>
+              <a:rPr lang="de-AT" dirty="0" err="1"/>
+              <a:t>compiled</a:t>
+            </a:r>
+            <a:r>
+              <a:rPr lang="de-AT" dirty="0"/>
+              <a:t> code (e.g., </a:t>
+            </a:r>
+            <a:r>
+              <a:rPr lang="de-AT" dirty="0" err="1"/>
+              <a:t>OpenMP</a:t>
             </a:r>
             <a:r>
               <a:rPr lang="de-AT" dirty="0"/>
@@ -8135,9 +8250,17 @@
             </a:r>
           </a:p>
           <a:p>
+            <a:pPr lvl="1"/>
+            <a:endParaRPr lang="de-AT" dirty="0"/>
+          </a:p>
+          <a:p>
+            <a:r>
+              <a:rPr lang="de-AT" dirty="0"/>
+              <a:t>Scratch: </a:t>
+            </a:r>
             <a:r>
               <a:rPr lang="de-AT" dirty="0" err="1"/>
-              <a:t>Seems</a:t>
+              <a:t>requires</a:t>
             </a:r>
             <a:r>
               <a:rPr lang="de-AT" dirty="0"/>
@@ -8145,23 +8268,7 @@
             </a:r>
             <a:r>
               <a:rPr lang="de-AT" dirty="0" err="1"/>
-              <a:t>to</a:t>
-            </a:r>
-            <a:r>
-              <a:rPr lang="de-AT" dirty="0"/>
-              <a:t> also </a:t>
-            </a:r>
-            <a:r>
-              <a:rPr lang="de-AT" dirty="0" err="1"/>
-              <a:t>work</a:t>
-            </a:r>
-            <a:r>
-              <a:rPr lang="de-AT" dirty="0"/>
-              <a:t> on </a:t>
-            </a:r>
-            <a:r>
-              <a:rPr lang="de-AT" dirty="0" err="1"/>
-              <a:t>the</a:t>
+              <a:t>deep</a:t>
             </a:r>
             <a:r>
               <a:rPr lang="de-AT" dirty="0"/>
@@ -8169,7 +8276,7 @@
             </a:r>
             <a:r>
               <a:rPr lang="de-AT" dirty="0" err="1"/>
-              <a:t>preprocessed</a:t>
+              <a:t>knowledge</a:t>
             </a:r>
             <a:r>
               <a:rPr lang="de-AT" dirty="0"/>
@@ -8177,7 +8284,7 @@
             </a:r>
             <a:r>
               <a:rPr lang="de-AT" dirty="0" err="1"/>
-              <a:t>data</a:t>
+              <a:t>of</a:t>
             </a:r>
             <a:r>
               <a:rPr lang="de-AT" dirty="0"/>
@@ -8185,14 +8292,7 @@
             </a:r>
             <a:r>
               <a:rPr lang="de-AT" dirty="0" err="1"/>
-              <a:t>sets</a:t>
-            </a:r>
-            <a:endParaRPr lang="de-AT" dirty="0"/>
-          </a:p>
-          <a:p>
-            <a:r>
-              <a:rPr lang="de-AT" dirty="0" err="1"/>
-              <a:t>Far</a:t>
+              <a:t>algorithmic</a:t>
             </a:r>
             <a:r>
               <a:rPr lang="de-AT" dirty="0"/>
@@ -8200,76 +8300,55 @@
             </a:r>
             <a:r>
               <a:rPr lang="de-AT" dirty="0" err="1"/>
-              <a:t>less</a:t>
+              <a:t>details</a:t>
             </a:r>
             <a:r>
               <a:rPr lang="de-AT" dirty="0"/>
               <a:t> </a:t>
             </a:r>
+          </a:p>
+          <a:p>
+            <a:pPr lvl="1"/>
+            <a:r>
+              <a:rPr lang="de-AT" dirty="0"/>
+              <a:t>More </a:t>
+            </a:r>
             <a:r>
               <a:rPr lang="de-AT" dirty="0" err="1"/>
-              <a:t>paramenters</a:t>
+              <a:t>bugs</a:t>
             </a:r>
             <a:r>
               <a:rPr lang="de-AT" dirty="0"/>
-              <a:t>, but </a:t>
+              <a:t> possible</a:t>
+            </a:r>
+          </a:p>
+          <a:p>
+            <a:pPr lvl="1"/>
+            <a:r>
+              <a:rPr lang="de-AT" dirty="0"/>
+              <a:t>Performance </a:t>
             </a:r>
             <a:r>
               <a:rPr lang="de-AT" dirty="0" err="1"/>
-              <a:t>seems</a:t>
+              <a:t>may</a:t>
             </a:r>
             <a:r>
               <a:rPr lang="de-AT" dirty="0"/>
-              <a:t> </a:t>
-            </a:r>
-            <a:r>
-              <a:rPr lang="de-AT" dirty="0" err="1"/>
-              <a:t>to</a:t>
-            </a:r>
-            <a:r>
-              <a:rPr lang="de-AT" dirty="0"/>
-              <a:t> </a:t>
-            </a:r>
-            <a:r>
-              <a:rPr lang="de-AT" dirty="0" err="1"/>
-              <a:t>be</a:t>
-            </a:r>
-            <a:r>
-              <a:rPr lang="de-AT" dirty="0"/>
-              <a:t> a solid </a:t>
-            </a:r>
-            <a:r>
-              <a:rPr lang="de-AT" dirty="0" err="1"/>
-              <a:t>base</a:t>
-            </a:r>
-            <a:r>
-              <a:rPr lang="de-AT" dirty="0"/>
-              <a:t> </a:t>
-            </a:r>
-            <a:r>
-              <a:rPr lang="de-AT" dirty="0" err="1"/>
-              <a:t>version</a:t>
-            </a:r>
-            <a:r>
-              <a:rPr lang="de-AT" dirty="0"/>
-              <a:t> </a:t>
-            </a:r>
-            <a:r>
-              <a:rPr lang="de-AT" dirty="0" err="1"/>
-              <a:t>to</a:t>
-            </a:r>
-            <a:r>
-              <a:rPr lang="de-AT" dirty="0"/>
-              <a:t> </a:t>
-            </a:r>
-            <a:r>
-              <a:rPr lang="de-AT" dirty="0" err="1"/>
-              <a:t>iterate</a:t>
-            </a:r>
-            <a:r>
-              <a:rPr lang="de-AT" dirty="0"/>
-              <a:t> on</a:t>
-            </a:r>
+              <a:t> lag </a:t>
+            </a:r>
+          </a:p>
+          <a:p>
+            <a:pPr marL="457200" lvl="1" indent="0">
+              <a:buNone/>
+            </a:pPr>
+            <a:endParaRPr lang="de-AT" dirty="0"/>
+          </a:p>
+          <a:p>
+            <a:pPr lvl="1"/>
+            <a:endParaRPr lang="de-AT" dirty="0"/>
+          </a:p>
+          <a:p>
+            <a:endParaRPr lang="de-AT" dirty="0"/>
           </a:p>
         </p:txBody>
       </p:sp>
@@ -8420,7 +8499,7 @@
               <a:t>LLM: </a:t>
             </a:r>
             <a:r>
-              <a:rPr lang="en-US" dirty="0"/>
+              <a:rPr lang="de-AT" dirty="0" err="1"/>
               <a:t>faster</a:t>
             </a:r>
             <a:r>
@@ -8452,8 +8531,8 @@
               <a:t>, but </a:t>
             </a:r>
             <a:r>
-              <a:rPr lang="en-US" dirty="0"/>
-              <a:t>sacrifices</a:t>
+              <a:rPr lang="de-AT" dirty="0" err="1"/>
+              <a:t>sacrifies</a:t>
             </a:r>
             <a:r>
               <a:rPr lang="de-AT" dirty="0"/>
@@ -8506,7 +8585,7 @@
             </a:r>
             <a:r>
               <a:rPr lang="en-US" dirty="0"/>
-              <a:t>slower training, but better accuracy, lower MSE and MAE</a:t>
+              <a:t>slower training and prediction times, but better accuracy, lower MSE and MAE</a:t>
             </a:r>
             <a:endParaRPr lang="de-AT" dirty="0"/>
           </a:p>
@@ -9254,7 +9333,7 @@
             </a:r>
             <a:r>
               <a:rPr lang="de-AT" dirty="0" err="1"/>
-              <a:t>higher</a:t>
+              <a:t>lower</a:t>
             </a:r>
             <a:r>
               <a:rPr lang="de-AT" dirty="0"/>
@@ -9849,99 +9928,8 @@
           <a:p>
             <a:r>
               <a:rPr lang="en-US" dirty="0"/>
-              <a:t>Mainly from using own trees </a:t>
-            </a:r>
-          </a:p>
-          <a:p>
-            <a:r>
-              <a:rPr lang="de-AT" dirty="0"/>
-              <a:t>Training </a:t>
-            </a:r>
-            <a:r>
-              <a:rPr lang="de-AT" dirty="0" err="1"/>
-              <a:t>times</a:t>
-            </a:r>
-            <a:r>
-              <a:rPr lang="de-AT" dirty="0"/>
-              <a:t> </a:t>
-            </a:r>
-            <a:r>
-              <a:rPr lang="de-AT" dirty="0" err="1"/>
-              <a:t>for</a:t>
-            </a:r>
-            <a:r>
-              <a:rPr lang="de-AT" dirty="0"/>
-              <a:t> </a:t>
-            </a:r>
-            <a:r>
-              <a:rPr lang="de-AT" dirty="0" err="1"/>
-              <a:t>single</a:t>
-            </a:r>
-            <a:r>
-              <a:rPr lang="de-AT" dirty="0"/>
-              <a:t> </a:t>
-            </a:r>
-            <a:r>
-              <a:rPr lang="de-AT" dirty="0" err="1"/>
-              <a:t>full</a:t>
-            </a:r>
-            <a:r>
-              <a:rPr lang="de-AT" dirty="0"/>
-              <a:t> DT on Colleges </a:t>
-            </a:r>
-            <a:r>
-              <a:rPr lang="de-AT" dirty="0" err="1"/>
-              <a:t>went</a:t>
-            </a:r>
-            <a:r>
-              <a:rPr lang="de-AT" dirty="0"/>
-              <a:t> </a:t>
-            </a:r>
-            <a:r>
-              <a:rPr lang="de-AT" dirty="0" err="1"/>
-              <a:t>from</a:t>
-            </a:r>
-            <a:r>
-              <a:rPr lang="de-AT" dirty="0"/>
-              <a:t> &gt; 400s </a:t>
-            </a:r>
-            <a:r>
-              <a:rPr lang="de-AT" dirty="0" err="1"/>
-              <a:t>to</a:t>
-            </a:r>
-            <a:r>
-              <a:rPr lang="de-AT" dirty="0"/>
-              <a:t> ~25s, </a:t>
-            </a:r>
-            <a:r>
-              <a:rPr lang="de-AT" dirty="0" err="1"/>
-              <a:t>compared</a:t>
-            </a:r>
-            <a:r>
-              <a:rPr lang="de-AT" dirty="0"/>
-              <a:t> </a:t>
-            </a:r>
-            <a:r>
-              <a:rPr lang="de-AT" dirty="0" err="1"/>
-              <a:t>to</a:t>
-            </a:r>
-            <a:r>
-              <a:rPr lang="de-AT" dirty="0"/>
-              <a:t> ~0.02s </a:t>
-            </a:r>
-            <a:r>
-              <a:rPr lang="de-AT" dirty="0" err="1"/>
-              <a:t>for</a:t>
-            </a:r>
-            <a:r>
-              <a:rPr lang="de-AT" dirty="0"/>
-              <a:t> SKL </a:t>
-            </a:r>
-            <a:r>
-              <a:rPr lang="de-AT" dirty="0" err="1"/>
-              <a:t>version</a:t>
-            </a:r>
-            <a:endParaRPr lang="en-US" dirty="0"/>
+              <a:t>Mainly from using own trees</a:t>
+            </a:r>
           </a:p>
           <a:p>
             <a:r>
@@ -9960,7 +9948,7 @@
             <a:pPr lvl="1"/>
             <a:r>
               <a:rPr lang="en-US" dirty="0"/>
-              <a:t>Lacking optimization </a:t>
+              <a:t>Lacking optimization</a:t>
             </a:r>
           </a:p>
           <a:p>
@@ -9968,13 +9956,6 @@
             <a:r>
               <a:rPr lang="en-US" dirty="0"/>
               <a:t>Bugs</a:t>
-            </a:r>
-          </a:p>
-          <a:p>
-            <a:pPr lvl="1"/>
-            <a:r>
-              <a:rPr lang="en-US" dirty="0"/>
-              <a:t>Insufficient parallelization </a:t>
             </a:r>
           </a:p>
         </p:txBody>
@@ -9983,117 +9964,6 @@
     <p:extLst>
       <p:ext uri="{BB962C8B-B14F-4D97-AF65-F5344CB8AC3E}">
         <p14:creationId xmlns:p14="http://schemas.microsoft.com/office/powerpoint/2010/main" val="4222534279"/>
-      </p:ext>
-    </p:extLst>
-  </p:cSld>
-  <p:clrMapOvr>
-    <a:masterClrMapping/>
-  </p:clrMapOvr>
-</p:sld>
-</file>
-
-<file path=ppt/slides/slide17.xml><?xml version="1.0" encoding="utf-8"?>
-<p:sld xmlns:a="http://schemas.openxmlformats.org/drawingml/2006/main" xmlns:r="http://schemas.openxmlformats.org/officeDocument/2006/relationships" xmlns:p="http://schemas.openxmlformats.org/presentationml/2006/main">
-  <p:cSld>
-    <p:spTree>
-      <p:nvGrpSpPr>
-        <p:cNvPr id="1" name=""/>
-        <p:cNvGrpSpPr/>
-        <p:nvPr/>
-      </p:nvGrpSpPr>
-      <p:grpSpPr>
-        <a:xfrm>
-          <a:off x="0" y="0"/>
-          <a:ext cx="0" cy="0"/>
-          <a:chOff x="0" y="0"/>
-          <a:chExt cx="0" cy="0"/>
-        </a:xfrm>
-      </p:grpSpPr>
-      <p:sp>
-        <p:nvSpPr>
-          <p:cNvPr id="2" name="Title 1">
-            <a:extLst>
-              <a:ext uri="{FF2B5EF4-FFF2-40B4-BE49-F238E27FC236}">
-                <a16:creationId xmlns:a16="http://schemas.microsoft.com/office/drawing/2014/main" id="{4D54CD70-A7C7-B159-DB36-DD35BB897E4A}"/>
-              </a:ext>
-            </a:extLst>
-          </p:cNvPr>
-          <p:cNvSpPr>
-            <a:spLocks noGrp="1"/>
-          </p:cNvSpPr>
-          <p:nvPr>
-            <p:ph type="title"/>
-          </p:nvPr>
-        </p:nvSpPr>
-        <p:spPr/>
-        <p:txBody>
-          <a:bodyPr/>
-          <a:lstStyle/>
-          <a:p>
-            <a:r>
-              <a:rPr lang="en-US"/>
-              <a:t>Conclusion</a:t>
-            </a:r>
-          </a:p>
-        </p:txBody>
-      </p:sp>
-      <p:sp>
-        <p:nvSpPr>
-          <p:cNvPr id="3" name="Content Placeholder 2">
-            <a:extLst>
-              <a:ext uri="{FF2B5EF4-FFF2-40B4-BE49-F238E27FC236}">
-                <a16:creationId xmlns:a16="http://schemas.microsoft.com/office/drawing/2014/main" id="{84CFF438-856F-957D-7156-C2F5B4AFDC20}"/>
-              </a:ext>
-            </a:extLst>
-          </p:cNvPr>
-          <p:cNvSpPr>
-            <a:spLocks noGrp="1"/>
-          </p:cNvSpPr>
-          <p:nvPr>
-            <p:ph idx="1"/>
-          </p:nvPr>
-        </p:nvSpPr>
-        <p:spPr/>
-        <p:txBody>
-          <a:bodyPr/>
-          <a:lstStyle/>
-          <a:p>
-            <a:r>
-              <a:rPr lang="en-US"/>
-              <a:t>Decent scores even with relatively few samples for each tree</a:t>
-            </a:r>
-          </a:p>
-          <a:p>
-            <a:r>
-              <a:rPr lang="en-US" dirty="0" err="1"/>
-              <a:t>ChatGTP</a:t>
-            </a:r>
-            <a:r>
-              <a:rPr lang="en-US" dirty="0"/>
-              <a:t> provided a (basic) working implementation from a single prompt</a:t>
-            </a:r>
-          </a:p>
-          <a:p>
-            <a:r>
-              <a:rPr lang="en-US" dirty="0"/>
-              <a:t>Using bootstrapping was necessary so our custom RF would terminate in reasonable time on the larger data set</a:t>
-            </a:r>
-          </a:p>
-          <a:p>
-            <a:pPr marL="0" indent="0">
-              <a:buNone/>
-            </a:pPr>
-            <a:endParaRPr lang="en-US" dirty="0"/>
-          </a:p>
-          <a:p>
-            <a:endParaRPr lang="en-US" dirty="0"/>
-          </a:p>
-        </p:txBody>
-      </p:sp>
-    </p:spTree>
-    <p:extLst>
-      <p:ext uri="{BB962C8B-B14F-4D97-AF65-F5344CB8AC3E}">
-        <p14:creationId xmlns:p14="http://schemas.microsoft.com/office/powerpoint/2010/main" val="3637246051"/>
       </p:ext>
     </p:extLst>
   </p:cSld>
@@ -10624,16 +10494,59 @@
             </a:r>
           </a:p>
           <a:p>
+            <a:pPr marL="0" indent="0">
+              <a:buNone/>
+            </a:pPr>
+            <a:endParaRPr lang="en-US" dirty="0"/>
+          </a:p>
+          <a:p>
             <a:r>
               <a:rPr lang="en-US" dirty="0"/>
-              <a:t>White Box</a:t>
-            </a:r>
-          </a:p>
-          <a:p>
+              <a:t>Parameters and Flexibility:</a:t>
+            </a:r>
+          </a:p>
+          <a:p>
+            <a:pPr lvl="1"/>
             <a:r>
               <a:rPr lang="en-US" dirty="0"/>
-              <a:t>Prone to overfitting - (Pre-)Pruning can help</a:t>
-            </a:r>
+              <a:t>Supports configurable depth, leaf sizes, and splitting strategies	</a:t>
+            </a:r>
+          </a:p>
+          <a:p>
+            <a:pPr lvl="1"/>
+            <a:r>
+              <a:rPr lang="en-US" dirty="0"/>
+              <a:t>Offers deterministic (best) and stochastic (random) splitting</a:t>
+            </a:r>
+          </a:p>
+          <a:p>
+            <a:pPr marL="457200" lvl="1" indent="0">
+              <a:buNone/>
+            </a:pPr>
+            <a:endParaRPr lang="en-US" dirty="0"/>
+          </a:p>
+          <a:p>
+            <a:r>
+              <a:rPr lang="en-US" dirty="0"/>
+              <a:t>Efficiency: </a:t>
+            </a:r>
+          </a:p>
+          <a:p>
+            <a:pPr lvl="1"/>
+            <a:r>
+              <a:rPr lang="en-US" dirty="0"/>
+              <a:t>Computationally expensive for large datasets (random splitter reduces the cost a bit)</a:t>
+            </a:r>
+          </a:p>
+          <a:p>
+            <a:pPr lvl="1"/>
+            <a:r>
+              <a:rPr lang="en-US" dirty="0"/>
+              <a:t>Lack of advanced optimizations (pre-pruning, post-pruning)</a:t>
+            </a:r>
+          </a:p>
+          <a:p>
+            <a:endParaRPr lang="en-US" dirty="0"/>
           </a:p>
         </p:txBody>
       </p:sp>
@@ -10714,7 +10627,9 @@
         </p:nvSpPr>
         <p:spPr/>
         <p:txBody>
-          <a:bodyPr/>
+          <a:bodyPr>
+            <a:normAutofit lnSpcReduction="10000"/>
+          </a:bodyPr>
           <a:lstStyle/>
           <a:p>
             <a:r>
@@ -10723,9 +10638,72 @@
             </a:r>
           </a:p>
           <a:p>
+            <a:endParaRPr lang="en-US" dirty="0"/>
+          </a:p>
+          <a:p>
             <a:r>
               <a:rPr lang="en-US" dirty="0"/>
               <a:t>Counters inherent instability of decision trees</a:t>
+            </a:r>
+          </a:p>
+          <a:p>
+            <a:endParaRPr lang="en-US" dirty="0"/>
+          </a:p>
+          <a:p>
+            <a:r>
+              <a:rPr lang="en-US" dirty="0"/>
+              <a:t>Key features: </a:t>
+            </a:r>
+          </a:p>
+          <a:p>
+            <a:pPr lvl="1"/>
+            <a:r>
+              <a:rPr lang="en-US" dirty="0"/>
+              <a:t>Custom or </a:t>
+            </a:r>
+            <a:r>
+              <a:rPr lang="en-US" dirty="0" err="1"/>
+              <a:t>sklearn</a:t>
+            </a:r>
+            <a:r>
+              <a:rPr lang="en-US" dirty="0"/>
+              <a:t> trees</a:t>
+            </a:r>
+          </a:p>
+          <a:p>
+            <a:pPr lvl="1"/>
+            <a:r>
+              <a:rPr lang="en-US" dirty="0"/>
+              <a:t>Bootstrap sampling</a:t>
+            </a:r>
+          </a:p>
+          <a:p>
+            <a:pPr lvl="1"/>
+            <a:r>
+              <a:rPr lang="en-US" dirty="0"/>
+              <a:t>Aggregation of predictions</a:t>
+            </a:r>
+          </a:p>
+          <a:p>
+            <a:pPr lvl="1"/>
+            <a:r>
+              <a:rPr lang="en-US" dirty="0"/>
+              <a:t>Flexible parameters </a:t>
+            </a:r>
+          </a:p>
+          <a:p>
+            <a:pPr lvl="1"/>
+            <a:r>
+              <a:rPr lang="en-US" dirty="0"/>
+              <a:t>Reproducibility (</a:t>
+            </a:r>
+            <a:r>
+              <a:rPr lang="en-US" dirty="0" err="1"/>
+              <a:t>random_state</a:t>
+            </a:r>
+            <a:r>
+              <a:rPr lang="en-US" dirty="0"/>
+              <a:t>)</a:t>
             </a:r>
           </a:p>
         </p:txBody>
